--- a/tutorial/adios_api_scidac_tutorialv2.pptx
+++ b/tutorial/adios_api_scidac_tutorialv2.pptx
@@ -365,7 +365,7 @@
                     <c:v>1.773791816527092</c:v>
                   </c:pt>
                   <c:pt idx="4">
-                    <c:v>4.424996026789157</c:v>
+                    <c:v>4.424996026789156</c:v>
                   </c:pt>
                 </c:numCache>
               </c:numRef>
@@ -515,7 +515,7 @@
                   <c:v>3.642884</c:v>
                 </c:pt>
                 <c:pt idx="2">
-                  <c:v>5.847938999999993</c:v>
+                  <c:v>5.847938999999991</c:v>
                 </c:pt>
                 <c:pt idx="3">
                   <c:v>10.661818</c:v>
@@ -681,7 +681,7 @@
                     <c:v>12.5004583660671</c:v>
                   </c:pt>
                   <c:pt idx="3">
-                    <c:v>156.9544397517039</c:v>
+                    <c:v>156.954439751704</c:v>
                   </c:pt>
                   <c:pt idx="4">
                     <c:v>69.48043664090374</c:v>
@@ -724,11 +724,11 @@
           </c:val>
         </c:ser>
         <c:marker val="1"/>
-        <c:axId val="532854056"/>
-        <c:axId val="532845928"/>
+        <c:axId val="525064168"/>
+        <c:axId val="524758424"/>
       </c:lineChart>
       <c:catAx>
-        <c:axId val="532854056"/>
+        <c:axId val="525064168"/>
         <c:scaling>
           <c:orientation val="minMax"/>
         </c:scaling>
@@ -798,7 +798,7 @@
             <a:endParaRPr lang="en-US"/>
           </a:p>
         </c:txPr>
-        <c:crossAx val="532845928"/>
+        <c:crossAx val="524758424"/>
         <c:crosses val="autoZero"/>
         <c:auto val="1"/>
         <c:lblAlgn val="ctr"/>
@@ -807,7 +807,7 @@
         <c:tickMarkSkip val="2"/>
       </c:catAx>
       <c:valAx>
-        <c:axId val="532845928"/>
+        <c:axId val="524758424"/>
         <c:scaling>
           <c:logBase val="10.0"/>
           <c:orientation val="minMax"/>
@@ -888,7 +888,7 @@
             <a:endParaRPr lang="en-US"/>
           </a:p>
         </c:txPr>
-        <c:crossAx val="532854056"/>
+        <c:crossAx val="525064168"/>
         <c:crossesAt val="1.0"/>
         <c:crossBetween val="between"/>
       </c:valAx>
@@ -4232,6 +4232,30 @@
             <a:headEnd/>
             <a:tailEnd/>
           </a:ln>
+        </p:spPr>
+      </p:pic>
+      <p:pic>
+        <p:nvPicPr>
+          <p:cNvPr id="14" name="Picture 13" descr="Picture 5.png"/>
+          <p:cNvPicPr>
+            <a:picLocks noChangeAspect="1"/>
+          </p:cNvPicPr>
+          <p:nvPr userDrawn="1"/>
+        </p:nvPicPr>
+        <p:blipFill>
+          <a:blip r:embed="rId14"/>
+          <a:stretch>
+            <a:fillRect/>
+          </a:stretch>
+        </p:blipFill>
+        <p:spPr>
+          <a:xfrm>
+            <a:off x="3429000" y="6474758"/>
+            <a:ext cx="2895600" cy="383242"/>
+          </a:xfrm>
+          <a:prstGeom prst="rect">
+            <a:avLst/>
+          </a:prstGeom>
         </p:spPr>
       </p:pic>
     </p:spTree>
@@ -5664,15 +5688,7 @@
             </a:pPr>
             <a:r>
               <a:rPr lang="en-US" dirty="0" smtClean="0"/>
-              <a:t>GTC and GTS codes have achieved over </a:t>
-            </a:r>
-            <a:r>
-              <a:rPr lang="en-US" dirty="0" smtClean="0"/>
-              <a:t>20 </a:t>
-            </a:r>
-            <a:r>
-              <a:rPr lang="en-US" dirty="0" smtClean="0"/>
-              <a:t>GB/sec on Cray XT at ORNL.</a:t>
+              <a:t>GTC and GTS codes have achieved over 20 GB/sec on Cray XT at ORNL.</a:t>
             </a:r>
           </a:p>
           <a:p>
@@ -5962,15 +5978,7 @@
             <a:pPr lvl="1"/>
             <a:r>
               <a:rPr lang="en-US" dirty="0" smtClean="0"/>
-              <a:t>Wrote 56 TB of data at </a:t>
-            </a:r>
-            <a:r>
-              <a:rPr lang="en-US" dirty="0" smtClean="0"/>
-              <a:t>20 </a:t>
-            </a:r>
-            <a:r>
-              <a:rPr lang="en-US" dirty="0" smtClean="0"/>
-              <a:t>GB/sec (21 TB for post analysis)</a:t>
+              <a:t>Wrote 56 TB of data at 20 GB/sec (21 TB for post analysis)</a:t>
             </a:r>
           </a:p>
           <a:p>
@@ -9824,18 +9832,22 @@
           <a:lstStyle/>
           <a:p>
             <a:r>
-              <a:rPr lang="en-US" b="1" smtClean="0"/>
-              <a:t>var element, part 1</a:t>
+              <a:rPr lang="en-US" b="1" dirty="0" err="1" smtClean="0"/>
+              <a:t>var</a:t>
+            </a:r>
+            <a:r>
+              <a:rPr lang="en-US" b="1" dirty="0" smtClean="0"/>
+              <a:t> element, part 1</a:t>
             </a:r>
           </a:p>
           <a:p>
             <a:pPr lvl="1"/>
             <a:r>
-              <a:rPr lang="en-US" b="1" smtClean="0"/>
+              <a:rPr lang="en-US" b="1" dirty="0" smtClean="0"/>
               <a:t>&lt;</a:t>
             </a:r>
             <a:r>
-              <a:rPr lang="en-US" b="1" smtClean="0">
+              <a:rPr lang="en-US" b="1" dirty="0" err="1" smtClean="0">
                 <a:solidFill>
                   <a:srgbClr val="DB4415"/>
                 </a:solidFill>
@@ -9843,7 +9855,7 @@
               <a:t>var</a:t>
             </a:r>
             <a:r>
-              <a:rPr lang="en-US" b="1" smtClean="0">
+              <a:rPr lang="en-US" b="1" dirty="0" err="1" smtClean="0">
                 <a:solidFill>
                   <a:srgbClr val="008C53"/>
                 </a:solidFill>
@@ -9851,11 +9863,11 @@
               <a:t>name</a:t>
             </a:r>
             <a:r>
-              <a:rPr lang="en-US" b="1" smtClean="0"/>
+              <a:rPr lang="en-US" b="1" dirty="0" smtClean="0"/>
               <a:t>=“</a:t>
             </a:r>
             <a:r>
-              <a:rPr lang="en-US" b="1" smtClean="0">
+              <a:rPr lang="en-US" b="1" dirty="0" smtClean="0">
                 <a:solidFill>
                   <a:srgbClr val="000080"/>
                 </a:solidFill>
@@ -9863,11 +9875,11 @@
               <a:t>name</a:t>
             </a:r>
             <a:r>
-              <a:rPr lang="en-US" b="1" smtClean="0"/>
+              <a:rPr lang="en-US" b="1" dirty="0" smtClean="0"/>
               <a:t>” </a:t>
             </a:r>
             <a:r>
-              <a:rPr lang="en-US" b="1" smtClean="0">
+              <a:rPr lang="en-US" b="1" dirty="0" smtClean="0">
                 <a:solidFill>
                   <a:srgbClr val="008C53"/>
                 </a:solidFill>
@@ -9875,11 +9887,11 @@
               <a:t>type</a:t>
             </a:r>
             <a:r>
-              <a:rPr lang="en-US" b="1" smtClean="0"/>
+              <a:rPr lang="en-US" b="1" dirty="0" smtClean="0"/>
               <a:t>=“</a:t>
             </a:r>
             <a:r>
-              <a:rPr lang="en-US" b="1" smtClean="0">
+              <a:rPr lang="en-US" b="1" dirty="0" err="1" smtClean="0">
                 <a:solidFill>
                   <a:srgbClr val="000080"/>
                 </a:solidFill>
@@ -9887,11 +9899,11 @@
               <a:t>t</a:t>
             </a:r>
             <a:r>
-              <a:rPr lang="en-US" b="1" smtClean="0"/>
+              <a:rPr lang="en-US" b="1" dirty="0" smtClean="0"/>
               <a:t>” [</a:t>
             </a:r>
             <a:r>
-              <a:rPr lang="en-US" b="1" smtClean="0">
+              <a:rPr lang="en-US" b="1" dirty="0" smtClean="0">
                 <a:solidFill>
                   <a:srgbClr val="008C53"/>
                 </a:solidFill>
@@ -9899,11 +9911,11 @@
               <a:t>path</a:t>
             </a:r>
             <a:r>
-              <a:rPr lang="en-US" b="1" smtClean="0"/>
+              <a:rPr lang="en-US" b="1" dirty="0" smtClean="0"/>
               <a:t>=“</a:t>
             </a:r>
             <a:r>
-              <a:rPr lang="en-US" b="1" smtClean="0">
+              <a:rPr lang="en-US" b="1" dirty="0" err="1" smtClean="0">
                 <a:solidFill>
                   <a:srgbClr val="000080"/>
                 </a:solidFill>
@@ -9911,11 +9923,11 @@
               <a:t>p</a:t>
             </a:r>
             <a:r>
-              <a:rPr lang="en-US" b="1" smtClean="0"/>
+              <a:rPr lang="en-US" b="1" dirty="0" smtClean="0"/>
               <a:t>”] [</a:t>
             </a:r>
             <a:r>
-              <a:rPr lang="en-US" b="1" smtClean="0">
+              <a:rPr lang="en-US" b="1" dirty="0" smtClean="0">
                 <a:solidFill>
                   <a:srgbClr val="008C53"/>
                 </a:solidFill>
@@ -9923,11 +9935,11 @@
               <a:t>dimensions</a:t>
             </a:r>
             <a:r>
-              <a:rPr lang="en-US" b="1" smtClean="0"/>
+              <a:rPr lang="en-US" b="1" dirty="0" smtClean="0"/>
               <a:t>=“</a:t>
             </a:r>
             <a:r>
-              <a:rPr lang="en-US" b="1" smtClean="0">
+              <a:rPr lang="en-US" b="1" dirty="0" err="1" smtClean="0">
                 <a:solidFill>
                   <a:srgbClr val="000080"/>
                 </a:solidFill>
@@ -9935,11 +9947,11 @@
               <a:t>d</a:t>
             </a:r>
             <a:r>
-              <a:rPr lang="en-US" b="1" smtClean="0"/>
+              <a:rPr lang="en-US" b="1" dirty="0" smtClean="0"/>
               <a:t>”] [</a:t>
             </a:r>
             <a:r>
-              <a:rPr lang="en-US" b="1" smtClean="0">
+              <a:rPr lang="en-US" b="1" dirty="0" smtClean="0">
                 <a:solidFill>
                   <a:srgbClr val="008C53"/>
                 </a:solidFill>
@@ -9947,11 +9959,11 @@
               <a:t>copy-on-write</a:t>
             </a:r>
             <a:r>
-              <a:rPr lang="en-US" b="1" smtClean="0"/>
+              <a:rPr lang="en-US" b="1" dirty="0" smtClean="0"/>
               <a:t>=“</a:t>
             </a:r>
             <a:r>
-              <a:rPr lang="en-US" b="1" smtClean="0">
+              <a:rPr lang="en-US" b="1" dirty="0" smtClean="0">
                 <a:solidFill>
                   <a:srgbClr val="000080"/>
                 </a:solidFill>
@@ -9959,11 +9971,11 @@
               <a:t>yes</a:t>
             </a:r>
             <a:r>
-              <a:rPr lang="en-US" b="1" smtClean="0"/>
+              <a:rPr lang="en-US" b="1" dirty="0" smtClean="0"/>
               <a:t>”] [</a:t>
             </a:r>
             <a:r>
-              <a:rPr lang="en-US" b="1" smtClean="0">
+              <a:rPr lang="en-US" b="1" dirty="0" err="1" smtClean="0">
                 <a:solidFill>
                   <a:srgbClr val="008C53"/>
                 </a:solidFill>
@@ -9971,11 +9983,11 @@
               <a:t>gname</a:t>
             </a:r>
             <a:r>
-              <a:rPr lang="en-US" b="1" smtClean="0"/>
+              <a:rPr lang="en-US" b="1" dirty="0" smtClean="0"/>
               <a:t>=“</a:t>
             </a:r>
             <a:r>
-              <a:rPr lang="en-US" b="1" smtClean="0">
+              <a:rPr lang="en-US" b="1" dirty="0" err="1" smtClean="0">
                 <a:solidFill>
                   <a:srgbClr val="000080"/>
                 </a:solidFill>
@@ -9983,14 +9995,14 @@
               <a:t>g</a:t>
             </a:r>
             <a:r>
-              <a:rPr lang="en-US" b="1" smtClean="0"/>
+              <a:rPr lang="en-US" b="1" dirty="0" smtClean="0"/>
               <a:t>”] /&gt;</a:t>
             </a:r>
           </a:p>
           <a:p>
             <a:pPr lvl="2"/>
             <a:r>
-              <a:rPr lang="en-US" b="1" smtClean="0">
+              <a:rPr lang="en-US" b="1" dirty="0" smtClean="0">
                 <a:solidFill>
                   <a:srgbClr val="008C53"/>
                 </a:solidFill>
@@ -9998,35 +10010,35 @@
               <a:t>name</a:t>
             </a:r>
             <a:r>
-              <a:rPr lang="en-US" b="1" smtClean="0"/>
+              <a:rPr lang="en-US" b="1" dirty="0" smtClean="0"/>
               <a:t> is used in write/read</a:t>
             </a:r>
           </a:p>
           <a:p>
             <a:pPr lvl="3"/>
             <a:r>
-              <a:rPr lang="en-US" b="1" smtClean="0"/>
+              <a:rPr lang="en-US" b="1" dirty="0" smtClean="0"/>
               <a:t>flexible names to allow simple expressions</a:t>
             </a:r>
           </a:p>
           <a:p>
             <a:pPr lvl="4"/>
             <a:r>
-              <a:rPr lang="en-US" b="1" smtClean="0"/>
+              <a:rPr lang="en-US" b="1" dirty="0" smtClean="0"/>
               <a:t>must contain at least one non-number character</a:t>
             </a:r>
           </a:p>
           <a:p>
             <a:pPr lvl="4"/>
             <a:r>
-              <a:rPr lang="en-US" b="1" smtClean="0"/>
+              <a:rPr lang="en-US" b="1" dirty="0" smtClean="0"/>
               <a:t>main limitations based on use in dimensions (no comma) or not globally unique due to paths (no ‘/’ character)</a:t>
             </a:r>
           </a:p>
           <a:p>
             <a:pPr lvl="2"/>
             <a:r>
-              <a:rPr lang="en-US" b="1" smtClean="0">
+              <a:rPr lang="en-US" b="1" dirty="0" smtClean="0">
                 <a:solidFill>
                   <a:srgbClr val="008C53"/>
                 </a:solidFill>
@@ -10034,11 +10046,11 @@
               <a:t>type</a:t>
             </a:r>
             <a:r>
-              <a:rPr lang="en-US" b="1" smtClean="0"/>
+              <a:rPr lang="en-US" b="1" dirty="0" smtClean="0"/>
               <a:t> is expected names: </a:t>
             </a:r>
             <a:r>
-              <a:rPr lang="en-US" b="1" smtClean="0">
+              <a:rPr lang="en-US" b="1" dirty="0" smtClean="0">
                 <a:solidFill>
                   <a:srgbClr val="000080"/>
                 </a:solidFill>
@@ -10046,11 +10058,11 @@
               <a:t>integer</a:t>
             </a:r>
             <a:r>
-              <a:rPr lang="en-US" b="1" smtClean="0"/>
+              <a:rPr lang="en-US" b="1" dirty="0" smtClean="0"/>
               <a:t>, </a:t>
             </a:r>
             <a:r>
-              <a:rPr lang="en-US" b="1" smtClean="0">
+              <a:rPr lang="en-US" b="1" dirty="0" smtClean="0">
                 <a:solidFill>
                   <a:srgbClr val="000080"/>
                 </a:solidFill>
@@ -10058,11 +10070,11 @@
               <a:t>real</a:t>
             </a:r>
             <a:r>
-              <a:rPr lang="en-US" b="1" smtClean="0"/>
+              <a:rPr lang="en-US" b="1" dirty="0" smtClean="0"/>
               <a:t>, </a:t>
             </a:r>
             <a:r>
-              <a:rPr lang="en-US" b="1" smtClean="0">
+              <a:rPr lang="en-US" b="1" dirty="0" smtClean="0">
                 <a:solidFill>
                   <a:srgbClr val="000080"/>
                 </a:solidFill>
@@ -10070,11 +10082,11 @@
               <a:t>double</a:t>
             </a:r>
             <a:r>
-              <a:rPr lang="en-US" b="1" smtClean="0"/>
+              <a:rPr lang="en-US" b="1" dirty="0" smtClean="0"/>
               <a:t>, </a:t>
             </a:r>
             <a:r>
-              <a:rPr lang="en-US" b="1" smtClean="0">
+              <a:rPr lang="en-US" b="1" dirty="0" smtClean="0">
                 <a:solidFill>
                   <a:srgbClr val="000080"/>
                 </a:solidFill>
@@ -10082,11 +10094,11 @@
               <a:t>complex</a:t>
             </a:r>
             <a:r>
-              <a:rPr lang="en-US" b="1" smtClean="0"/>
+              <a:rPr lang="en-US" b="1" dirty="0" smtClean="0"/>
               <a:t>, </a:t>
             </a:r>
             <a:r>
-              <a:rPr lang="en-US" b="1" smtClean="0">
+              <a:rPr lang="en-US" b="1" dirty="0" smtClean="0">
                 <a:solidFill>
                   <a:srgbClr val="000080"/>
                 </a:solidFill>
@@ -10094,11 +10106,11 @@
               <a:t>string</a:t>
             </a:r>
             <a:r>
-              <a:rPr lang="en-US" b="1" smtClean="0"/>
+              <a:rPr lang="en-US" b="1" dirty="0" smtClean="0"/>
               <a:t>, </a:t>
             </a:r>
             <a:r>
-              <a:rPr lang="en-US" b="1" smtClean="0">
+              <a:rPr lang="en-US" b="1" dirty="0" smtClean="0">
                 <a:solidFill>
                   <a:srgbClr val="000080"/>
                 </a:solidFill>
@@ -10106,11 +10118,11 @@
               <a:t>real*4</a:t>
             </a:r>
             <a:r>
-              <a:rPr lang="en-US" b="1" smtClean="0"/>
+              <a:rPr lang="en-US" b="1" dirty="0" smtClean="0"/>
               <a:t>, </a:t>
             </a:r>
             <a:r>
-              <a:rPr lang="en-US" b="1" smtClean="0">
+              <a:rPr lang="en-US" b="1" dirty="0" smtClean="0">
                 <a:solidFill>
                   <a:srgbClr val="000080"/>
                 </a:solidFill>
@@ -10118,11 +10130,11 @@
               <a:t>integer*8</a:t>
             </a:r>
             <a:r>
-              <a:rPr lang="en-US" b="1" smtClean="0"/>
+              <a:rPr lang="en-US" b="1" dirty="0" smtClean="0"/>
               <a:t>, </a:t>
             </a:r>
             <a:r>
-              <a:rPr lang="en-US" b="1" smtClean="0">
+              <a:rPr lang="en-US" b="1" dirty="0" smtClean="0">
                 <a:solidFill>
                   <a:srgbClr val="000080"/>
                 </a:solidFill>
@@ -10130,14 +10142,14 @@
               <a:t>character</a:t>
             </a:r>
             <a:r>
-              <a:rPr lang="en-US" b="1" smtClean="0"/>
+              <a:rPr lang="en-US" b="1" dirty="0" smtClean="0"/>
               <a:t>, etc.</a:t>
             </a:r>
           </a:p>
           <a:p>
             <a:pPr lvl="2"/>
             <a:r>
-              <a:rPr lang="en-US" b="1" smtClean="0">
+              <a:rPr lang="en-US" b="1" dirty="0" smtClean="0">
                 <a:solidFill>
                   <a:srgbClr val="008C53"/>
                 </a:solidFill>
@@ -10145,22 +10157,30 @@
               <a:t>path</a:t>
             </a:r>
             <a:r>
-              <a:rPr lang="en-US" b="1" smtClean="0"/>
+              <a:rPr lang="en-US" b="1" dirty="0" smtClean="0"/>
               <a:t> for HDF-5 output (optional)</a:t>
             </a:r>
           </a:p>
           <a:p>
             <a:pPr lvl="3"/>
             <a:r>
-              <a:rPr lang="en-US" b="1" smtClean="0"/>
+              <a:rPr lang="en-US" b="1" dirty="0" smtClean="0"/>
               <a:t>use ‘/’ to separate levels</a:t>
             </a:r>
           </a:p>
           <a:p>
             <a:pPr lvl="3"/>
             <a:r>
-              <a:rPr lang="en-US" b="1" smtClean="0"/>
-              <a:t>converted to ‘_’ for netCDF output</a:t>
+              <a:rPr lang="en-US" b="1" dirty="0" smtClean="0"/>
+              <a:t>converted to ‘_’ for </a:t>
+            </a:r>
+            <a:r>
+              <a:rPr lang="en-US" b="1" dirty="0" err="1" smtClean="0"/>
+              <a:t>netCDF</a:t>
+            </a:r>
+            <a:r>
+              <a:rPr lang="en-US" b="1" dirty="0" smtClean="0"/>
+              <a:t> output</a:t>
             </a:r>
           </a:p>
         </p:txBody>
@@ -12363,7 +12383,7 @@
           <a:lstStyle/>
           <a:p>
             <a:r>
-              <a:rPr lang="en-US" sz="3000" smtClean="0">
+              <a:rPr lang="en-US" sz="3000" dirty="0" smtClean="0">
                 <a:ln>
                   <a:noFill/>
                 </a:ln>
@@ -12401,31 +12421,47 @@
               <a:buNone/>
             </a:pPr>
             <a:r>
-              <a:rPr lang="en-US" sz="1600" b="1" smtClean="0"/>
+              <a:rPr lang="en-US" sz="2400" b="1" dirty="0" smtClean="0"/>
               <a:t>&lt;</a:t>
             </a:r>
             <a:r>
-              <a:rPr lang="en-US" sz="1600" b="1" smtClean="0">
+              <a:rPr lang="en-US" sz="2400" b="1" dirty="0" smtClean="0">
                 <a:solidFill>
                   <a:srgbClr val="DB4415"/>
                 </a:solidFill>
               </a:rPr>
-              <a:t>adios-config</a:t>
-            </a:r>
-            <a:r>
-              <a:rPr lang="en-US" sz="1600" b="1" smtClean="0">
+              <a:t>adios-</a:t>
+            </a:r>
+            <a:r>
+              <a:rPr lang="en-US" sz="2400" b="1" dirty="0" err="1" smtClean="0">
+                <a:solidFill>
+                  <a:srgbClr val="DB4415"/>
+                </a:solidFill>
+              </a:rPr>
+              <a:t>config</a:t>
+            </a:r>
+            <a:r>
+              <a:rPr lang="en-US" sz="2400" b="1" dirty="0" err="1" smtClean="0">
                 <a:solidFill>
                   <a:srgbClr val="008C53"/>
                 </a:solidFill>
               </a:rPr>
-              <a:t>host-language</a:t>
-            </a:r>
-            <a:r>
-              <a:rPr lang="en-US" sz="1600" b="1" smtClean="0"/>
+              <a:t>host</a:t>
+            </a:r>
+            <a:r>
+              <a:rPr lang="en-US" sz="2400" b="1" dirty="0" smtClean="0">
+                <a:solidFill>
+                  <a:srgbClr val="008C53"/>
+                </a:solidFill>
+              </a:rPr>
+              <a:t>-language</a:t>
+            </a:r>
+            <a:r>
+              <a:rPr lang="en-US" sz="2400" b="1" dirty="0" smtClean="0"/>
               <a:t>=“</a:t>
             </a:r>
             <a:r>
-              <a:rPr lang="en-US" sz="1600" b="1" smtClean="0">
+              <a:rPr lang="en-US" sz="2400" b="1" dirty="0" smtClean="0">
                 <a:solidFill>
                   <a:srgbClr val="000080"/>
                 </a:solidFill>
@@ -12433,8 +12469,857 @@
               <a:t>Fortran</a:t>
             </a:r>
             <a:r>
-              <a:rPr lang="en-US" sz="1600" b="1" smtClean="0"/>
+              <a:rPr lang="en-US" sz="2400" b="1" dirty="0" smtClean="0"/>
               <a:t>”&gt;</a:t>
+            </a:r>
+          </a:p>
+          <a:p>
+            <a:pPr lvl="1">
+              <a:lnSpc>
+                <a:spcPct val="80000"/>
+              </a:lnSpc>
+              <a:buFont typeface="Symbol" pitchFamily="18" charset="2"/>
+              <a:buNone/>
+            </a:pPr>
+            <a:r>
+              <a:rPr lang="en-US" sz="2200" b="1" dirty="0" smtClean="0"/>
+              <a:t>&lt;</a:t>
+            </a:r>
+            <a:r>
+              <a:rPr lang="en-US" sz="2200" b="1" dirty="0" smtClean="0">
+                <a:solidFill>
+                  <a:srgbClr val="DB4415"/>
+                </a:solidFill>
+              </a:rPr>
+              <a:t>adios-</a:t>
+            </a:r>
+            <a:r>
+              <a:rPr lang="en-US" sz="2200" b="1" dirty="0" err="1" smtClean="0">
+                <a:solidFill>
+                  <a:srgbClr val="DB4415"/>
+                </a:solidFill>
+              </a:rPr>
+              <a:t>group</a:t>
+            </a:r>
+            <a:r>
+              <a:rPr lang="en-US" sz="2200" b="1" dirty="0" err="1" smtClean="0">
+                <a:solidFill>
+                  <a:srgbClr val="008C53"/>
+                </a:solidFill>
+              </a:rPr>
+              <a:t>name</a:t>
+            </a:r>
+            <a:r>
+              <a:rPr lang="en-US" sz="2200" b="1" dirty="0" smtClean="0"/>
+              <a:t>=“</a:t>
+            </a:r>
+            <a:r>
+              <a:rPr lang="en-US" sz="2200" b="1" dirty="0" smtClean="0">
+                <a:solidFill>
+                  <a:srgbClr val="000080"/>
+                </a:solidFill>
+              </a:rPr>
+              <a:t>restart</a:t>
+            </a:r>
+            <a:r>
+              <a:rPr lang="en-US" sz="2200" b="1" dirty="0" smtClean="0"/>
+              <a:t>”&gt;</a:t>
+            </a:r>
+          </a:p>
+          <a:p>
+            <a:pPr lvl="2">
+              <a:lnSpc>
+                <a:spcPct val="80000"/>
+              </a:lnSpc>
+              <a:buFont typeface="Symbol" pitchFamily="18" charset="2"/>
+              <a:buNone/>
+            </a:pPr>
+            <a:r>
+              <a:rPr lang="en-US" b="1" dirty="0" smtClean="0"/>
+              <a:t>&lt;</a:t>
+            </a:r>
+            <a:r>
+              <a:rPr lang="en-US" b="1" dirty="0" err="1" smtClean="0">
+                <a:solidFill>
+                  <a:srgbClr val="DB4415"/>
+                </a:solidFill>
+              </a:rPr>
+              <a:t>var</a:t>
+            </a:r>
+            <a:r>
+              <a:rPr lang="en-US" b="1" dirty="0" err="1" smtClean="0">
+                <a:solidFill>
+                  <a:srgbClr val="008C53"/>
+                </a:solidFill>
+              </a:rPr>
+              <a:t>name</a:t>
+            </a:r>
+            <a:r>
+              <a:rPr lang="en-US" b="1" dirty="0" smtClean="0"/>
+              <a:t>=“</a:t>
+            </a:r>
+            <a:r>
+              <a:rPr lang="en-US" b="1" dirty="0" err="1" smtClean="0">
+                <a:solidFill>
+                  <a:srgbClr val="000080"/>
+                </a:solidFill>
+              </a:rPr>
+              <a:t>nx</a:t>
+            </a:r>
+            <a:r>
+              <a:rPr lang="en-US" b="1" dirty="0" smtClean="0"/>
+              <a:t>” </a:t>
+            </a:r>
+            <a:r>
+              <a:rPr lang="en-US" b="1" dirty="0" smtClean="0">
+                <a:solidFill>
+                  <a:srgbClr val="008C53"/>
+                </a:solidFill>
+              </a:rPr>
+              <a:t>type</a:t>
+            </a:r>
+            <a:r>
+              <a:rPr lang="en-US" b="1" dirty="0" smtClean="0"/>
+              <a:t>=“</a:t>
+            </a:r>
+            <a:r>
+              <a:rPr lang="en-US" b="1" dirty="0" smtClean="0">
+                <a:solidFill>
+                  <a:srgbClr val="000080"/>
+                </a:solidFill>
+              </a:rPr>
+              <a:t>integer</a:t>
+            </a:r>
+            <a:r>
+              <a:rPr lang="en-US" b="1" dirty="0" smtClean="0"/>
+              <a:t>”/&gt;</a:t>
+            </a:r>
+          </a:p>
+          <a:p>
+            <a:pPr lvl="2">
+              <a:lnSpc>
+                <a:spcPct val="80000"/>
+              </a:lnSpc>
+              <a:buFont typeface="Symbol" pitchFamily="18" charset="2"/>
+              <a:buNone/>
+            </a:pPr>
+            <a:r>
+              <a:rPr lang="en-US" b="1" dirty="0" smtClean="0"/>
+              <a:t>&lt;</a:t>
+            </a:r>
+            <a:r>
+              <a:rPr lang="en-US" b="1" dirty="0" err="1" smtClean="0">
+                <a:solidFill>
+                  <a:srgbClr val="DB4415"/>
+                </a:solidFill>
+              </a:rPr>
+              <a:t>var</a:t>
+            </a:r>
+            <a:r>
+              <a:rPr lang="en-US" b="1" dirty="0" err="1" smtClean="0">
+                <a:solidFill>
+                  <a:srgbClr val="008C53"/>
+                </a:solidFill>
+              </a:rPr>
+              <a:t>name</a:t>
+            </a:r>
+            <a:r>
+              <a:rPr lang="en-US" b="1" dirty="0" smtClean="0"/>
+              <a:t>=“</a:t>
+            </a:r>
+            <a:r>
+              <a:rPr lang="en-US" b="1" dirty="0" err="1" smtClean="0">
+                <a:solidFill>
+                  <a:srgbClr val="000080"/>
+                </a:solidFill>
+              </a:rPr>
+              <a:t>ny</a:t>
+            </a:r>
+            <a:r>
+              <a:rPr lang="en-US" b="1" dirty="0" smtClean="0"/>
+              <a:t>” </a:t>
+            </a:r>
+            <a:r>
+              <a:rPr lang="en-US" b="1" dirty="0" smtClean="0">
+                <a:solidFill>
+                  <a:srgbClr val="008C53"/>
+                </a:solidFill>
+              </a:rPr>
+              <a:t>type</a:t>
+            </a:r>
+            <a:r>
+              <a:rPr lang="en-US" b="1" dirty="0" smtClean="0"/>
+              <a:t>=“</a:t>
+            </a:r>
+            <a:r>
+              <a:rPr lang="en-US" b="1" dirty="0" smtClean="0">
+                <a:solidFill>
+                  <a:srgbClr val="000080"/>
+                </a:solidFill>
+              </a:rPr>
+              <a:t>integer</a:t>
+            </a:r>
+            <a:r>
+              <a:rPr lang="en-US" b="1" dirty="0" smtClean="0"/>
+              <a:t>”/&gt;</a:t>
+            </a:r>
+          </a:p>
+          <a:p>
+            <a:pPr lvl="2">
+              <a:lnSpc>
+                <a:spcPct val="80000"/>
+              </a:lnSpc>
+              <a:buFont typeface="Symbol" pitchFamily="18" charset="2"/>
+              <a:buNone/>
+            </a:pPr>
+            <a:r>
+              <a:rPr lang="en-US" b="1" dirty="0" smtClean="0"/>
+              <a:t>&lt;</a:t>
+            </a:r>
+            <a:r>
+              <a:rPr lang="en-US" b="1" dirty="0" err="1" smtClean="0">
+                <a:solidFill>
+                  <a:srgbClr val="DB4415"/>
+                </a:solidFill>
+              </a:rPr>
+              <a:t>var</a:t>
+            </a:r>
+            <a:r>
+              <a:rPr lang="en-US" b="1" dirty="0" err="1" smtClean="0">
+                <a:solidFill>
+                  <a:srgbClr val="008C53"/>
+                </a:solidFill>
+              </a:rPr>
+              <a:t>name</a:t>
+            </a:r>
+            <a:r>
+              <a:rPr lang="en-US" b="1" dirty="0" smtClean="0"/>
+              <a:t>=“</a:t>
+            </a:r>
+            <a:r>
+              <a:rPr lang="en-US" b="1" dirty="0" err="1" smtClean="0"/>
+              <a:t>g</a:t>
+            </a:r>
+            <a:r>
+              <a:rPr lang="en-US" b="1" dirty="0" err="1" smtClean="0">
+                <a:solidFill>
+                  <a:srgbClr val="000080"/>
+                </a:solidFill>
+              </a:rPr>
+              <a:t>nx</a:t>
+            </a:r>
+            <a:r>
+              <a:rPr lang="en-US" b="1" dirty="0" smtClean="0"/>
+              <a:t>” </a:t>
+            </a:r>
+            <a:r>
+              <a:rPr lang="en-US" b="1" dirty="0" smtClean="0">
+                <a:solidFill>
+                  <a:srgbClr val="008C53"/>
+                </a:solidFill>
+              </a:rPr>
+              <a:t>type</a:t>
+            </a:r>
+            <a:r>
+              <a:rPr lang="en-US" b="1" dirty="0" smtClean="0"/>
+              <a:t>=“</a:t>
+            </a:r>
+            <a:r>
+              <a:rPr lang="en-US" b="1" dirty="0" smtClean="0">
+                <a:solidFill>
+                  <a:srgbClr val="000080"/>
+                </a:solidFill>
+              </a:rPr>
+              <a:t>integer</a:t>
+            </a:r>
+            <a:r>
+              <a:rPr lang="en-US" b="1" dirty="0" smtClean="0"/>
+              <a:t>”/&gt;</a:t>
+            </a:r>
+          </a:p>
+          <a:p>
+            <a:pPr lvl="2">
+              <a:lnSpc>
+                <a:spcPct val="80000"/>
+              </a:lnSpc>
+              <a:buFont typeface="Symbol" pitchFamily="18" charset="2"/>
+              <a:buNone/>
+            </a:pPr>
+            <a:r>
+              <a:rPr lang="en-US" b="1" dirty="0" smtClean="0"/>
+              <a:t>&lt;</a:t>
+            </a:r>
+            <a:r>
+              <a:rPr lang="en-US" b="1" dirty="0" err="1" smtClean="0">
+                <a:solidFill>
+                  <a:srgbClr val="DB4415"/>
+                </a:solidFill>
+              </a:rPr>
+              <a:t>var</a:t>
+            </a:r>
+            <a:r>
+              <a:rPr lang="en-US" b="1" dirty="0" err="1" smtClean="0">
+                <a:solidFill>
+                  <a:srgbClr val="008C53"/>
+                </a:solidFill>
+              </a:rPr>
+              <a:t>name</a:t>
+            </a:r>
+            <a:r>
+              <a:rPr lang="en-US" b="1" dirty="0" smtClean="0"/>
+              <a:t>=“</a:t>
+            </a:r>
+            <a:r>
+              <a:rPr lang="en-US" b="1" dirty="0" err="1" smtClean="0"/>
+              <a:t>g</a:t>
+            </a:r>
+            <a:r>
+              <a:rPr lang="en-US" b="1" dirty="0" err="1" smtClean="0">
+                <a:solidFill>
+                  <a:srgbClr val="000080"/>
+                </a:solidFill>
+              </a:rPr>
+              <a:t>ny</a:t>
+            </a:r>
+            <a:r>
+              <a:rPr lang="en-US" b="1" dirty="0" smtClean="0"/>
+              <a:t>” </a:t>
+            </a:r>
+            <a:r>
+              <a:rPr lang="en-US" b="1" dirty="0" smtClean="0">
+                <a:solidFill>
+                  <a:srgbClr val="008C53"/>
+                </a:solidFill>
+              </a:rPr>
+              <a:t>type</a:t>
+            </a:r>
+            <a:r>
+              <a:rPr lang="en-US" b="1" dirty="0" smtClean="0"/>
+              <a:t>=“</a:t>
+            </a:r>
+            <a:r>
+              <a:rPr lang="en-US" b="1" dirty="0" smtClean="0">
+                <a:solidFill>
+                  <a:srgbClr val="000080"/>
+                </a:solidFill>
+              </a:rPr>
+              <a:t>integer</a:t>
+            </a:r>
+            <a:r>
+              <a:rPr lang="en-US" b="1" dirty="0" smtClean="0"/>
+              <a:t>”/&gt;</a:t>
+            </a:r>
+          </a:p>
+          <a:p>
+            <a:pPr lvl="2">
+              <a:lnSpc>
+                <a:spcPct val="80000"/>
+              </a:lnSpc>
+              <a:buFont typeface="Symbol" pitchFamily="18" charset="2"/>
+              <a:buNone/>
+            </a:pPr>
+            <a:r>
+              <a:rPr lang="en-US" b="1" dirty="0" smtClean="0"/>
+              <a:t>&lt;</a:t>
+            </a:r>
+            <a:r>
+              <a:rPr lang="en-US" b="1" dirty="0" err="1" smtClean="0">
+                <a:solidFill>
+                  <a:srgbClr val="DB4415"/>
+                </a:solidFill>
+              </a:rPr>
+              <a:t>var</a:t>
+            </a:r>
+            <a:r>
+              <a:rPr lang="en-US" b="1" dirty="0" err="1" smtClean="0">
+                <a:solidFill>
+                  <a:srgbClr val="008C53"/>
+                </a:solidFill>
+              </a:rPr>
+              <a:t>name</a:t>
+            </a:r>
+            <a:r>
+              <a:rPr lang="en-US" b="1" dirty="0" smtClean="0"/>
+              <a:t>=“</a:t>
+            </a:r>
+            <a:r>
+              <a:rPr lang="en-US" b="1" dirty="0" err="1" smtClean="0"/>
+              <a:t>l</a:t>
+            </a:r>
+            <a:r>
+              <a:rPr lang="en-US" b="1" dirty="0" err="1" smtClean="0">
+                <a:solidFill>
+                  <a:srgbClr val="000080"/>
+                </a:solidFill>
+              </a:rPr>
+              <a:t>nx</a:t>
+            </a:r>
+            <a:r>
+              <a:rPr lang="en-US" b="1" dirty="0" smtClean="0"/>
+              <a:t>” </a:t>
+            </a:r>
+            <a:r>
+              <a:rPr lang="en-US" b="1" dirty="0" smtClean="0">
+                <a:solidFill>
+                  <a:srgbClr val="008C53"/>
+                </a:solidFill>
+              </a:rPr>
+              <a:t>type</a:t>
+            </a:r>
+            <a:r>
+              <a:rPr lang="en-US" b="1" dirty="0" smtClean="0"/>
+              <a:t>=“</a:t>
+            </a:r>
+            <a:r>
+              <a:rPr lang="en-US" b="1" dirty="0" smtClean="0">
+                <a:solidFill>
+                  <a:srgbClr val="000080"/>
+                </a:solidFill>
+              </a:rPr>
+              <a:t>integer</a:t>
+            </a:r>
+            <a:r>
+              <a:rPr lang="en-US" b="1" dirty="0" smtClean="0"/>
+              <a:t>”/&gt;</a:t>
+            </a:r>
+          </a:p>
+          <a:p>
+            <a:pPr lvl="2">
+              <a:lnSpc>
+                <a:spcPct val="80000"/>
+              </a:lnSpc>
+              <a:buFont typeface="Symbol" pitchFamily="18" charset="2"/>
+              <a:buNone/>
+            </a:pPr>
+            <a:r>
+              <a:rPr lang="en-US" b="1" dirty="0" smtClean="0"/>
+              <a:t>&lt;</a:t>
+            </a:r>
+            <a:r>
+              <a:rPr lang="en-US" b="1" dirty="0" err="1" smtClean="0">
+                <a:solidFill>
+                  <a:srgbClr val="DB4415"/>
+                </a:solidFill>
+              </a:rPr>
+              <a:t>var</a:t>
+            </a:r>
+            <a:r>
+              <a:rPr lang="en-US" b="1" dirty="0" err="1" smtClean="0">
+                <a:solidFill>
+                  <a:srgbClr val="008C53"/>
+                </a:solidFill>
+              </a:rPr>
+              <a:t>name</a:t>
+            </a:r>
+            <a:r>
+              <a:rPr lang="en-US" b="1" dirty="0" smtClean="0"/>
+              <a:t>=“</a:t>
+            </a:r>
+            <a:r>
+              <a:rPr lang="en-US" b="1" dirty="0" err="1" smtClean="0"/>
+              <a:t>l</a:t>
+            </a:r>
+            <a:r>
+              <a:rPr lang="en-US" b="1" dirty="0" err="1" smtClean="0">
+                <a:solidFill>
+                  <a:srgbClr val="000080"/>
+                </a:solidFill>
+              </a:rPr>
+              <a:t>ny</a:t>
+            </a:r>
+            <a:r>
+              <a:rPr lang="en-US" b="1" dirty="0" smtClean="0"/>
+              <a:t>” </a:t>
+            </a:r>
+            <a:r>
+              <a:rPr lang="en-US" b="1" dirty="0" smtClean="0">
+                <a:solidFill>
+                  <a:srgbClr val="008C53"/>
+                </a:solidFill>
+              </a:rPr>
+              <a:t>type</a:t>
+            </a:r>
+            <a:r>
+              <a:rPr lang="en-US" b="1" dirty="0" smtClean="0"/>
+              <a:t>=“</a:t>
+            </a:r>
+            <a:r>
+              <a:rPr lang="en-US" b="1" dirty="0" smtClean="0">
+                <a:solidFill>
+                  <a:srgbClr val="000080"/>
+                </a:solidFill>
+              </a:rPr>
+              <a:t>integer</a:t>
+            </a:r>
+            <a:r>
+              <a:rPr lang="en-US" b="1" dirty="0" smtClean="0"/>
+              <a:t>”/&gt;</a:t>
+            </a:r>
+          </a:p>
+          <a:p>
+            <a:pPr lvl="2">
+              <a:lnSpc>
+                <a:spcPct val="80000"/>
+              </a:lnSpc>
+              <a:buFont typeface="Symbol" pitchFamily="18" charset="2"/>
+              <a:buNone/>
+            </a:pPr>
+            <a:r>
+              <a:rPr lang="en-US" b="1" dirty="0" smtClean="0"/>
+              <a:t>&lt;</a:t>
+            </a:r>
+            <a:r>
+              <a:rPr lang="en-US" b="1" dirty="0" smtClean="0">
+                <a:solidFill>
+                  <a:srgbClr val="DB4415"/>
+                </a:solidFill>
+              </a:rPr>
+              <a:t>global-</a:t>
+            </a:r>
+            <a:r>
+              <a:rPr lang="en-US" b="1" dirty="0" err="1" smtClean="0">
+                <a:solidFill>
+                  <a:srgbClr val="DB4415"/>
+                </a:solidFill>
+              </a:rPr>
+              <a:t>bounds</a:t>
+            </a:r>
+            <a:r>
+              <a:rPr lang="en-US" b="1" dirty="0" err="1" smtClean="0">
+                <a:solidFill>
+                  <a:srgbClr val="008C53"/>
+                </a:solidFill>
+              </a:rPr>
+              <a:t>dimensions</a:t>
+            </a:r>
+            <a:r>
+              <a:rPr lang="en-US" b="1" dirty="0" smtClean="0"/>
+              <a:t>=“</a:t>
+            </a:r>
+            <a:r>
+              <a:rPr lang="en-US" b="1" dirty="0" err="1" smtClean="0">
+                <a:solidFill>
+                  <a:srgbClr val="000080"/>
+                </a:solidFill>
+              </a:rPr>
+              <a:t>gnx,gny</a:t>
+            </a:r>
+            <a:r>
+              <a:rPr lang="en-US" b="1" dirty="0" smtClean="0"/>
+              <a:t>” </a:t>
+            </a:r>
+            <a:r>
+              <a:rPr lang="en-US" b="1" dirty="0" smtClean="0">
+                <a:solidFill>
+                  <a:srgbClr val="008C53"/>
+                </a:solidFill>
+              </a:rPr>
+              <a:t>offsets</a:t>
+            </a:r>
+            <a:r>
+              <a:rPr lang="en-US" b="1" dirty="0" smtClean="0"/>
+              <a:t>=“</a:t>
+            </a:r>
+            <a:r>
+              <a:rPr lang="en-US" b="1" dirty="0" err="1" smtClean="0">
+                <a:solidFill>
+                  <a:srgbClr val="000080"/>
+                </a:solidFill>
+              </a:rPr>
+              <a:t>lnx,lny</a:t>
+            </a:r>
+            <a:r>
+              <a:rPr lang="en-US" b="1" dirty="0" smtClean="0"/>
+              <a:t>”&gt;</a:t>
+            </a:r>
+          </a:p>
+          <a:p>
+            <a:pPr lvl="2">
+              <a:lnSpc>
+                <a:spcPct val="80000"/>
+              </a:lnSpc>
+              <a:buFont typeface="Symbol" pitchFamily="18" charset="2"/>
+              <a:buNone/>
+            </a:pPr>
+            <a:r>
+              <a:rPr lang="en-US" b="1" dirty="0" smtClean="0"/>
+              <a:t>&lt;</a:t>
+            </a:r>
+            <a:r>
+              <a:rPr lang="en-US" b="1" dirty="0" err="1" smtClean="0">
+                <a:solidFill>
+                  <a:srgbClr val="DB4415"/>
+                </a:solidFill>
+              </a:rPr>
+              <a:t>var</a:t>
+            </a:r>
+            <a:r>
+              <a:rPr lang="en-US" b="1" dirty="0" err="1" smtClean="0">
+                <a:solidFill>
+                  <a:srgbClr val="008C53"/>
+                </a:solidFill>
+              </a:rPr>
+              <a:t>name</a:t>
+            </a:r>
+            <a:r>
+              <a:rPr lang="en-US" b="1" dirty="0" smtClean="0"/>
+              <a:t>=“</a:t>
+            </a:r>
+            <a:r>
+              <a:rPr lang="en-US" b="1" dirty="0" smtClean="0">
+                <a:solidFill>
+                  <a:srgbClr val="000080"/>
+                </a:solidFill>
+              </a:rPr>
+              <a:t>data</a:t>
+            </a:r>
+            <a:r>
+              <a:rPr lang="en-US" b="1" dirty="0" smtClean="0"/>
+              <a:t>” </a:t>
+            </a:r>
+            <a:r>
+              <a:rPr lang="en-US" b="1" dirty="0" smtClean="0">
+                <a:solidFill>
+                  <a:srgbClr val="008C53"/>
+                </a:solidFill>
+              </a:rPr>
+              <a:t>type</a:t>
+            </a:r>
+            <a:r>
+              <a:rPr lang="en-US" b="1" dirty="0" smtClean="0"/>
+              <a:t>=“</a:t>
+            </a:r>
+            <a:r>
+              <a:rPr lang="en-US" b="1" dirty="0" smtClean="0">
+                <a:solidFill>
+                  <a:srgbClr val="000080"/>
+                </a:solidFill>
+              </a:rPr>
+              <a:t>real</a:t>
+            </a:r>
+            <a:r>
+              <a:rPr lang="en-US" b="1" dirty="0" smtClean="0"/>
+              <a:t>” </a:t>
+            </a:r>
+            <a:r>
+              <a:rPr lang="en-US" b="1" dirty="0" smtClean="0">
+                <a:solidFill>
+                  <a:srgbClr val="008C53"/>
+                </a:solidFill>
+              </a:rPr>
+              <a:t>dimensions</a:t>
+            </a:r>
+            <a:r>
+              <a:rPr lang="en-US" b="1" dirty="0" smtClean="0"/>
+              <a:t>=“</a:t>
+            </a:r>
+            <a:r>
+              <a:rPr lang="en-US" b="1" dirty="0" err="1" smtClean="0">
+                <a:solidFill>
+                  <a:srgbClr val="000080"/>
+                </a:solidFill>
+              </a:rPr>
+              <a:t>nx,ny</a:t>
+            </a:r>
+            <a:r>
+              <a:rPr lang="en-US" b="1" dirty="0" smtClean="0"/>
+              <a:t>”/&gt;</a:t>
+            </a:r>
+          </a:p>
+          <a:p>
+            <a:pPr lvl="2">
+              <a:lnSpc>
+                <a:spcPct val="80000"/>
+              </a:lnSpc>
+              <a:buFont typeface="Symbol" pitchFamily="18" charset="2"/>
+              <a:buNone/>
+            </a:pPr>
+            <a:r>
+              <a:rPr lang="en-US" b="1" dirty="0" smtClean="0"/>
+              <a:t>&lt;/</a:t>
+            </a:r>
+            <a:r>
+              <a:rPr lang="en-US" b="1" dirty="0" smtClean="0">
+                <a:solidFill>
+                  <a:srgbClr val="DB4415"/>
+                </a:solidFill>
+              </a:rPr>
+              <a:t>global-bounds</a:t>
+            </a:r>
+            <a:r>
+              <a:rPr lang="en-US" b="1" dirty="0" smtClean="0"/>
+              <a:t>&gt;</a:t>
+            </a:r>
+          </a:p>
+          <a:p>
+            <a:pPr lvl="1">
+              <a:lnSpc>
+                <a:spcPct val="80000"/>
+              </a:lnSpc>
+              <a:buFont typeface="Symbol" pitchFamily="18" charset="2"/>
+              <a:buNone/>
+            </a:pPr>
+            <a:r>
+              <a:rPr lang="en-US" sz="2200" b="1" dirty="0" smtClean="0"/>
+              <a:t>&lt;/</a:t>
+            </a:r>
+            <a:r>
+              <a:rPr lang="en-US" sz="2200" b="1" dirty="0" smtClean="0">
+                <a:solidFill>
+                  <a:srgbClr val="DB4415"/>
+                </a:solidFill>
+              </a:rPr>
+              <a:t>adios-group</a:t>
+            </a:r>
+            <a:r>
+              <a:rPr lang="en-US" sz="2200" b="1" dirty="0" smtClean="0"/>
+              <a:t>&gt;</a:t>
+            </a:r>
+          </a:p>
+          <a:p>
+            <a:pPr lvl="1">
+              <a:lnSpc>
+                <a:spcPct val="80000"/>
+              </a:lnSpc>
+              <a:buFont typeface="Symbol" pitchFamily="18" charset="2"/>
+              <a:buNone/>
+            </a:pPr>
+            <a:r>
+              <a:rPr lang="en-US" sz="2200" b="1" dirty="0" smtClean="0"/>
+              <a:t>&lt;</a:t>
+            </a:r>
+            <a:r>
+              <a:rPr lang="en-US" sz="2200" b="1" dirty="0" err="1" smtClean="0">
+                <a:solidFill>
+                  <a:srgbClr val="DB4415"/>
+                </a:solidFill>
+              </a:rPr>
+              <a:t>method</a:t>
+            </a:r>
+            <a:r>
+              <a:rPr lang="en-US" sz="2200" b="1" dirty="0" err="1" smtClean="0">
+                <a:solidFill>
+                  <a:srgbClr val="008C53"/>
+                </a:solidFill>
+              </a:rPr>
+              <a:t>group</a:t>
+            </a:r>
+            <a:r>
+              <a:rPr lang="en-US" sz="2200" b="1" dirty="0" smtClean="0"/>
+              <a:t>=“</a:t>
+            </a:r>
+            <a:r>
+              <a:rPr lang="en-US" sz="2200" b="1" dirty="0" smtClean="0">
+                <a:solidFill>
+                  <a:srgbClr val="000080"/>
+                </a:solidFill>
+              </a:rPr>
+              <a:t>restart</a:t>
+            </a:r>
+            <a:r>
+              <a:rPr lang="en-US" sz="2200" b="1" dirty="0" smtClean="0"/>
+              <a:t>” </a:t>
+            </a:r>
+            <a:r>
+              <a:rPr lang="en-US" sz="2200" b="1" dirty="0" smtClean="0">
+                <a:solidFill>
+                  <a:srgbClr val="008C53"/>
+                </a:solidFill>
+              </a:rPr>
+              <a:t>method</a:t>
+            </a:r>
+            <a:r>
+              <a:rPr lang="en-US" sz="2200" b="1" dirty="0" smtClean="0"/>
+              <a:t>=“</a:t>
+            </a:r>
+            <a:r>
+              <a:rPr lang="en-US" sz="2200" b="1" dirty="0" smtClean="0">
+                <a:solidFill>
+                  <a:srgbClr val="000080"/>
+                </a:solidFill>
+              </a:rPr>
+              <a:t>MPI</a:t>
+            </a:r>
+            <a:r>
+              <a:rPr lang="en-US" sz="2200" b="1" dirty="0" smtClean="0"/>
+              <a:t>”/&gt;</a:t>
+            </a:r>
+          </a:p>
+          <a:p>
+            <a:pPr lvl="1">
+              <a:lnSpc>
+                <a:spcPct val="80000"/>
+              </a:lnSpc>
+              <a:buFont typeface="Symbol" pitchFamily="18" charset="2"/>
+              <a:buNone/>
+            </a:pPr>
+            <a:r>
+              <a:rPr lang="en-US" sz="2200" b="1" dirty="0" smtClean="0"/>
+              <a:t>&lt;</a:t>
+            </a:r>
+            <a:r>
+              <a:rPr lang="en-US" sz="2200" b="1" dirty="0" err="1" smtClean="0">
+                <a:solidFill>
+                  <a:srgbClr val="DB4415"/>
+                </a:solidFill>
+              </a:rPr>
+              <a:t>buffer</a:t>
+            </a:r>
+            <a:r>
+              <a:rPr lang="en-US" sz="2200" b="1" dirty="0" err="1" smtClean="0">
+                <a:solidFill>
+                  <a:srgbClr val="008C53"/>
+                </a:solidFill>
+              </a:rPr>
+              <a:t>size</a:t>
+            </a:r>
+            <a:r>
+              <a:rPr lang="en-US" sz="2200" b="1" dirty="0" smtClean="0">
+                <a:solidFill>
+                  <a:srgbClr val="008C53"/>
+                </a:solidFill>
+              </a:rPr>
+              <a:t>-MB</a:t>
+            </a:r>
+            <a:r>
+              <a:rPr lang="en-US" sz="2200" b="1" dirty="0" smtClean="0"/>
+              <a:t>=“</a:t>
+            </a:r>
+            <a:r>
+              <a:rPr lang="en-US" sz="2200" b="1" dirty="0" smtClean="0">
+                <a:solidFill>
+                  <a:srgbClr val="000080"/>
+                </a:solidFill>
+              </a:rPr>
+              <a:t>100</a:t>
+            </a:r>
+            <a:r>
+              <a:rPr lang="en-US" sz="2200" b="1" dirty="0" smtClean="0"/>
+              <a:t>” </a:t>
+            </a:r>
+            <a:r>
+              <a:rPr lang="en-US" sz="2200" b="1" dirty="0" smtClean="0">
+                <a:solidFill>
+                  <a:srgbClr val="008C53"/>
+                </a:solidFill>
+              </a:rPr>
+              <a:t>allocate-time</a:t>
+            </a:r>
+            <a:r>
+              <a:rPr lang="en-US" sz="2200" b="1" dirty="0" smtClean="0"/>
+              <a:t>=“</a:t>
+            </a:r>
+            <a:r>
+              <a:rPr lang="en-US" sz="2200" b="1" dirty="0" smtClean="0">
+                <a:solidFill>
+                  <a:srgbClr val="000080"/>
+                </a:solidFill>
+              </a:rPr>
+              <a:t>now</a:t>
+            </a:r>
+            <a:r>
+              <a:rPr lang="en-US" sz="2200" b="1" dirty="0" smtClean="0"/>
+              <a:t>”/&gt;</a:t>
             </a:r>
           </a:p>
           <a:p>
@@ -12446,828 +13331,27 @@
               <a:buNone/>
             </a:pPr>
             <a:r>
-              <a:rPr lang="en-US" sz="1600" b="1" smtClean="0"/>
-              <a:t>&lt;</a:t>
-            </a:r>
-            <a:r>
-              <a:rPr lang="en-US" sz="1600" b="1" smtClean="0">
+              <a:rPr lang="en-US" sz="2400" b="1" dirty="0" smtClean="0"/>
+              <a:t>&lt;/</a:t>
+            </a:r>
+            <a:r>
+              <a:rPr lang="en-US" sz="2400" b="1" dirty="0" smtClean="0">
                 <a:solidFill>
                   <a:srgbClr val="DB4415"/>
                 </a:solidFill>
               </a:rPr>
-              <a:t>adios-group</a:t>
-            </a:r>
-            <a:r>
-              <a:rPr lang="en-US" sz="1600" b="1" smtClean="0">
-                <a:solidFill>
-                  <a:srgbClr val="008C53"/>
-                </a:solidFill>
-              </a:rPr>
-              <a:t>name</a:t>
-            </a:r>
-            <a:r>
-              <a:rPr lang="en-US" sz="1600" b="1" smtClean="0"/>
-              <a:t>=“</a:t>
-            </a:r>
-            <a:r>
-              <a:rPr lang="en-US" sz="1600" b="1" smtClean="0">
-                <a:solidFill>
-                  <a:srgbClr val="000080"/>
-                </a:solidFill>
-              </a:rPr>
-              <a:t>restart</a:t>
-            </a:r>
-            <a:r>
-              <a:rPr lang="en-US" sz="1600" b="1" smtClean="0"/>
-              <a:t>”&gt;</a:t>
-            </a:r>
-          </a:p>
-          <a:p>
-            <a:pPr>
-              <a:lnSpc>
-                <a:spcPct val="80000"/>
-              </a:lnSpc>
-              <a:buFont typeface="Symbol" pitchFamily="18" charset="2"/>
-              <a:buNone/>
-            </a:pPr>
-            <a:r>
-              <a:rPr lang="en-US" sz="1600" b="1" smtClean="0"/>
-              <a:t>&lt;</a:t>
-            </a:r>
-            <a:r>
-              <a:rPr lang="en-US" sz="1600" b="1" smtClean="0">
+              <a:t>adios-</a:t>
+            </a:r>
+            <a:r>
+              <a:rPr lang="en-US" sz="2400" b="1" dirty="0" err="1" smtClean="0">
                 <a:solidFill>
                   <a:srgbClr val="DB4415"/>
                 </a:solidFill>
               </a:rPr>
-              <a:t>var</a:t>
-            </a:r>
-            <a:r>
-              <a:rPr lang="en-US" sz="1600" b="1" smtClean="0">
-                <a:solidFill>
-                  <a:srgbClr val="008C53"/>
-                </a:solidFill>
-              </a:rPr>
-              <a:t>name</a:t>
-            </a:r>
-            <a:r>
-              <a:rPr lang="en-US" sz="1600" b="1" smtClean="0"/>
-              <a:t>=“</a:t>
-            </a:r>
-            <a:r>
-              <a:rPr lang="en-US" sz="1600" b="1" smtClean="0">
-                <a:solidFill>
-                  <a:srgbClr val="000080"/>
-                </a:solidFill>
-              </a:rPr>
-              <a:t>nx</a:t>
-            </a:r>
-            <a:r>
-              <a:rPr lang="en-US" sz="1600" b="1" smtClean="0"/>
-              <a:t>” </a:t>
-            </a:r>
-            <a:r>
-              <a:rPr lang="en-US" sz="1600" b="1" smtClean="0">
-                <a:solidFill>
-                  <a:srgbClr val="008C53"/>
-                </a:solidFill>
-              </a:rPr>
-              <a:t>type</a:t>
-            </a:r>
-            <a:r>
-              <a:rPr lang="en-US" sz="1600" b="1" smtClean="0"/>
-              <a:t>=“</a:t>
-            </a:r>
-            <a:r>
-              <a:rPr lang="en-US" sz="1600" b="1" smtClean="0">
-                <a:solidFill>
-                  <a:srgbClr val="000080"/>
-                </a:solidFill>
-              </a:rPr>
-              <a:t>integer</a:t>
-            </a:r>
-            <a:r>
-              <a:rPr lang="en-US" sz="1600" b="1" smtClean="0"/>
-              <a:t>”/&gt;</a:t>
-            </a:r>
-          </a:p>
-          <a:p>
-            <a:pPr>
-              <a:lnSpc>
-                <a:spcPct val="80000"/>
-              </a:lnSpc>
-              <a:buFont typeface="Symbol" pitchFamily="18" charset="2"/>
-              <a:buNone/>
-            </a:pPr>
-            <a:r>
-              <a:rPr lang="en-US" sz="1600" b="1" smtClean="0"/>
-              <a:t>&lt;</a:t>
-            </a:r>
-            <a:r>
-              <a:rPr lang="en-US" sz="1600" b="1" smtClean="0">
-                <a:solidFill>
-                  <a:srgbClr val="DB4415"/>
-                </a:solidFill>
-              </a:rPr>
-              <a:t>var</a:t>
-            </a:r>
-            <a:r>
-              <a:rPr lang="en-US" sz="1600" b="1" smtClean="0">
-                <a:solidFill>
-                  <a:srgbClr val="008C53"/>
-                </a:solidFill>
-              </a:rPr>
-              <a:t>name</a:t>
-            </a:r>
-            <a:r>
-              <a:rPr lang="en-US" sz="1600" b="1" smtClean="0"/>
-              <a:t>=“</a:t>
-            </a:r>
-            <a:r>
-              <a:rPr lang="en-US" sz="1600" b="1" smtClean="0">
-                <a:solidFill>
-                  <a:srgbClr val="000080"/>
-                </a:solidFill>
-              </a:rPr>
-              <a:t>ny</a:t>
-            </a:r>
-            <a:r>
-              <a:rPr lang="en-US" sz="1600" b="1" smtClean="0"/>
-              <a:t>” </a:t>
-            </a:r>
-            <a:r>
-              <a:rPr lang="en-US" sz="1600" b="1" smtClean="0">
-                <a:solidFill>
-                  <a:srgbClr val="008C53"/>
-                </a:solidFill>
-              </a:rPr>
-              <a:t>type</a:t>
-            </a:r>
-            <a:r>
-              <a:rPr lang="en-US" sz="1600" b="1" smtClean="0"/>
-              <a:t>=“</a:t>
-            </a:r>
-            <a:r>
-              <a:rPr lang="en-US" sz="1600" b="1" smtClean="0">
-                <a:solidFill>
-                  <a:srgbClr val="000080"/>
-                </a:solidFill>
-              </a:rPr>
-              <a:t>integer</a:t>
-            </a:r>
-            <a:r>
-              <a:rPr lang="en-US" sz="1600" b="1" smtClean="0"/>
-              <a:t>”/&gt;</a:t>
-            </a:r>
-          </a:p>
-          <a:p>
-            <a:pPr>
-              <a:lnSpc>
-                <a:spcPct val="80000"/>
-              </a:lnSpc>
-              <a:buFont typeface="Symbol" pitchFamily="18" charset="2"/>
-              <a:buNone/>
-            </a:pPr>
-            <a:r>
-              <a:rPr lang="en-US" sz="1600" b="1" smtClean="0"/>
-              <a:t>&lt;</a:t>
-            </a:r>
-            <a:r>
-              <a:rPr lang="en-US" sz="1600" b="1" smtClean="0">
-                <a:solidFill>
-                  <a:srgbClr val="DB4415"/>
-                </a:solidFill>
-              </a:rPr>
-              <a:t>var</a:t>
-            </a:r>
-            <a:r>
-              <a:rPr lang="en-US" sz="1600" b="1" smtClean="0">
-                <a:solidFill>
-                  <a:srgbClr val="008C53"/>
-                </a:solidFill>
-              </a:rPr>
-              <a:t>name</a:t>
-            </a:r>
-            <a:r>
-              <a:rPr lang="en-US" sz="1600" b="1" smtClean="0"/>
-              <a:t>=“g</a:t>
-            </a:r>
-            <a:r>
-              <a:rPr lang="en-US" sz="1600" b="1" smtClean="0">
-                <a:solidFill>
-                  <a:srgbClr val="000080"/>
-                </a:solidFill>
-              </a:rPr>
-              <a:t>nx</a:t>
-            </a:r>
-            <a:r>
-              <a:rPr lang="en-US" sz="1600" b="1" smtClean="0"/>
-              <a:t>” </a:t>
-            </a:r>
-            <a:r>
-              <a:rPr lang="en-US" sz="1600" b="1" smtClean="0">
-                <a:solidFill>
-                  <a:srgbClr val="008C53"/>
-                </a:solidFill>
-              </a:rPr>
-              <a:t>type</a:t>
-            </a:r>
-            <a:r>
-              <a:rPr lang="en-US" sz="1600" b="1" smtClean="0"/>
-              <a:t>=“</a:t>
-            </a:r>
-            <a:r>
-              <a:rPr lang="en-US" sz="1600" b="1" smtClean="0">
-                <a:solidFill>
-                  <a:srgbClr val="000080"/>
-                </a:solidFill>
-              </a:rPr>
-              <a:t>integer</a:t>
-            </a:r>
-            <a:r>
-              <a:rPr lang="en-US" sz="1600" b="1" smtClean="0"/>
-              <a:t>”/&gt;</a:t>
-            </a:r>
-          </a:p>
-          <a:p>
-            <a:pPr>
-              <a:lnSpc>
-                <a:spcPct val="80000"/>
-              </a:lnSpc>
-              <a:buFont typeface="Symbol" pitchFamily="18" charset="2"/>
-              <a:buNone/>
-            </a:pPr>
-            <a:r>
-              <a:rPr lang="en-US" sz="1600" b="1" smtClean="0"/>
-              <a:t>&lt;</a:t>
-            </a:r>
-            <a:r>
-              <a:rPr lang="en-US" sz="1600" b="1" smtClean="0">
-                <a:solidFill>
-                  <a:srgbClr val="DB4415"/>
-                </a:solidFill>
-              </a:rPr>
-              <a:t>var</a:t>
-            </a:r>
-            <a:r>
-              <a:rPr lang="en-US" sz="1600" b="1" smtClean="0">
-                <a:solidFill>
-                  <a:srgbClr val="008C53"/>
-                </a:solidFill>
-              </a:rPr>
-              <a:t>name</a:t>
-            </a:r>
-            <a:r>
-              <a:rPr lang="en-US" sz="1600" b="1" smtClean="0"/>
-              <a:t>=“g</a:t>
-            </a:r>
-            <a:r>
-              <a:rPr lang="en-US" sz="1600" b="1" smtClean="0">
-                <a:solidFill>
-                  <a:srgbClr val="000080"/>
-                </a:solidFill>
-              </a:rPr>
-              <a:t>ny</a:t>
-            </a:r>
-            <a:r>
-              <a:rPr lang="en-US" sz="1600" b="1" smtClean="0"/>
-              <a:t>” </a:t>
-            </a:r>
-            <a:r>
-              <a:rPr lang="en-US" sz="1600" b="1" smtClean="0">
-                <a:solidFill>
-                  <a:srgbClr val="008C53"/>
-                </a:solidFill>
-              </a:rPr>
-              <a:t>type</a:t>
-            </a:r>
-            <a:r>
-              <a:rPr lang="en-US" sz="1600" b="1" smtClean="0"/>
-              <a:t>=“</a:t>
-            </a:r>
-            <a:r>
-              <a:rPr lang="en-US" sz="1600" b="1" smtClean="0">
-                <a:solidFill>
-                  <a:srgbClr val="000080"/>
-                </a:solidFill>
-              </a:rPr>
-              <a:t>integer</a:t>
-            </a:r>
-            <a:r>
-              <a:rPr lang="en-US" sz="1600" b="1" smtClean="0"/>
-              <a:t>”/&gt;</a:t>
-            </a:r>
-          </a:p>
-          <a:p>
-            <a:pPr>
-              <a:lnSpc>
-                <a:spcPct val="80000"/>
-              </a:lnSpc>
-              <a:buFont typeface="Symbol" pitchFamily="18" charset="2"/>
-              <a:buNone/>
-            </a:pPr>
-            <a:r>
-              <a:rPr lang="en-US" sz="1600" b="1" smtClean="0"/>
-              <a:t>&lt;</a:t>
-            </a:r>
-            <a:r>
-              <a:rPr lang="en-US" sz="1600" b="1" smtClean="0">
-                <a:solidFill>
-                  <a:srgbClr val="DB4415"/>
-                </a:solidFill>
-              </a:rPr>
-              <a:t>var</a:t>
-            </a:r>
-            <a:r>
-              <a:rPr lang="en-US" sz="1600" b="1" smtClean="0">
-                <a:solidFill>
-                  <a:srgbClr val="008C53"/>
-                </a:solidFill>
-              </a:rPr>
-              <a:t>name</a:t>
-            </a:r>
-            <a:r>
-              <a:rPr lang="en-US" sz="1600" b="1" smtClean="0"/>
-              <a:t>=“l</a:t>
-            </a:r>
-            <a:r>
-              <a:rPr lang="en-US" sz="1600" b="1" smtClean="0">
-                <a:solidFill>
-                  <a:srgbClr val="000080"/>
-                </a:solidFill>
-              </a:rPr>
-              <a:t>nx</a:t>
-            </a:r>
-            <a:r>
-              <a:rPr lang="en-US" sz="1600" b="1" smtClean="0"/>
-              <a:t>” </a:t>
-            </a:r>
-            <a:r>
-              <a:rPr lang="en-US" sz="1600" b="1" smtClean="0">
-                <a:solidFill>
-                  <a:srgbClr val="008C53"/>
-                </a:solidFill>
-              </a:rPr>
-              <a:t>type</a:t>
-            </a:r>
-            <a:r>
-              <a:rPr lang="en-US" sz="1600" b="1" smtClean="0"/>
-              <a:t>=“</a:t>
-            </a:r>
-            <a:r>
-              <a:rPr lang="en-US" sz="1600" b="1" smtClean="0">
-                <a:solidFill>
-                  <a:srgbClr val="000080"/>
-                </a:solidFill>
-              </a:rPr>
-              <a:t>integer</a:t>
-            </a:r>
-            <a:r>
-              <a:rPr lang="en-US" sz="1600" b="1" smtClean="0"/>
-              <a:t>”/&gt;</a:t>
-            </a:r>
-          </a:p>
-          <a:p>
-            <a:pPr>
-              <a:lnSpc>
-                <a:spcPct val="80000"/>
-              </a:lnSpc>
-              <a:buFont typeface="Symbol" pitchFamily="18" charset="2"/>
-              <a:buNone/>
-            </a:pPr>
-            <a:r>
-              <a:rPr lang="en-US" sz="1600" b="1" smtClean="0"/>
-              <a:t>&lt;</a:t>
-            </a:r>
-            <a:r>
-              <a:rPr lang="en-US" sz="1600" b="1" smtClean="0">
-                <a:solidFill>
-                  <a:srgbClr val="DB4415"/>
-                </a:solidFill>
-              </a:rPr>
-              <a:t>var</a:t>
-            </a:r>
-            <a:r>
-              <a:rPr lang="en-US" sz="1600" b="1" smtClean="0">
-                <a:solidFill>
-                  <a:srgbClr val="008C53"/>
-                </a:solidFill>
-              </a:rPr>
-              <a:t>name</a:t>
-            </a:r>
-            <a:r>
-              <a:rPr lang="en-US" sz="1600" b="1" smtClean="0"/>
-              <a:t>=“l</a:t>
-            </a:r>
-            <a:r>
-              <a:rPr lang="en-US" sz="1600" b="1" smtClean="0">
-                <a:solidFill>
-                  <a:srgbClr val="000080"/>
-                </a:solidFill>
-              </a:rPr>
-              <a:t>ny</a:t>
-            </a:r>
-            <a:r>
-              <a:rPr lang="en-US" sz="1600" b="1" smtClean="0"/>
-              <a:t>” </a:t>
-            </a:r>
-            <a:r>
-              <a:rPr lang="en-US" sz="1600" b="1" smtClean="0">
-                <a:solidFill>
-                  <a:srgbClr val="008C53"/>
-                </a:solidFill>
-              </a:rPr>
-              <a:t>type</a:t>
-            </a:r>
-            <a:r>
-              <a:rPr lang="en-US" sz="1600" b="1" smtClean="0"/>
-              <a:t>=“</a:t>
-            </a:r>
-            <a:r>
-              <a:rPr lang="en-US" sz="1600" b="1" smtClean="0">
-                <a:solidFill>
-                  <a:srgbClr val="000080"/>
-                </a:solidFill>
-              </a:rPr>
-              <a:t>integer</a:t>
-            </a:r>
-            <a:r>
-              <a:rPr lang="en-US" sz="1600" b="1" smtClean="0"/>
-              <a:t>”/&gt;</a:t>
-            </a:r>
-          </a:p>
-          <a:p>
-            <a:pPr>
-              <a:lnSpc>
-                <a:spcPct val="80000"/>
-              </a:lnSpc>
-              <a:buFont typeface="Symbol" pitchFamily="18" charset="2"/>
-              <a:buNone/>
-            </a:pPr>
-            <a:r>
-              <a:rPr lang="en-US" sz="1600" b="1" smtClean="0"/>
-              <a:t>&lt;</a:t>
-            </a:r>
-            <a:r>
-              <a:rPr lang="en-US" sz="1600" b="1" smtClean="0">
-                <a:solidFill>
-                  <a:srgbClr val="DB4415"/>
-                </a:solidFill>
-              </a:rPr>
-              <a:t>global-bounds</a:t>
-            </a:r>
-            <a:r>
-              <a:rPr lang="en-US" sz="1600" b="1" smtClean="0">
-                <a:solidFill>
-                  <a:srgbClr val="008C53"/>
-                </a:solidFill>
-              </a:rPr>
-              <a:t>dimensions</a:t>
-            </a:r>
-            <a:r>
-              <a:rPr lang="en-US" sz="1600" b="1" smtClean="0"/>
-              <a:t>=“</a:t>
-            </a:r>
-            <a:r>
-              <a:rPr lang="en-US" sz="1600" b="1" smtClean="0">
-                <a:solidFill>
-                  <a:srgbClr val="000080"/>
-                </a:solidFill>
-              </a:rPr>
-              <a:t>gnx,gny</a:t>
-            </a:r>
-            <a:r>
-              <a:rPr lang="en-US" sz="1600" b="1" smtClean="0"/>
-              <a:t>” </a:t>
-            </a:r>
-            <a:r>
-              <a:rPr lang="en-US" sz="1600" b="1" smtClean="0">
-                <a:solidFill>
-                  <a:srgbClr val="008C53"/>
-                </a:solidFill>
-              </a:rPr>
-              <a:t>offsets</a:t>
-            </a:r>
-            <a:r>
-              <a:rPr lang="en-US" sz="1600" b="1" smtClean="0"/>
-              <a:t>=“</a:t>
-            </a:r>
-            <a:r>
-              <a:rPr lang="en-US" sz="1600" b="1" smtClean="0">
-                <a:solidFill>
-                  <a:srgbClr val="000080"/>
-                </a:solidFill>
-              </a:rPr>
-              <a:t>lnx,lny</a:t>
-            </a:r>
-            <a:r>
-              <a:rPr lang="en-US" sz="1600" b="1" smtClean="0"/>
-              <a:t>”&gt;</a:t>
-            </a:r>
-          </a:p>
-          <a:p>
-            <a:pPr>
-              <a:lnSpc>
-                <a:spcPct val="80000"/>
-              </a:lnSpc>
-              <a:buFont typeface="Symbol" pitchFamily="18" charset="2"/>
-              <a:buNone/>
-            </a:pPr>
-            <a:r>
-              <a:rPr lang="en-US" sz="1600" b="1" smtClean="0"/>
-              <a:t>&lt;</a:t>
-            </a:r>
-            <a:r>
-              <a:rPr lang="en-US" sz="1600" b="1" smtClean="0">
-                <a:solidFill>
-                  <a:srgbClr val="DB4415"/>
-                </a:solidFill>
-              </a:rPr>
-              <a:t>var</a:t>
-            </a:r>
-            <a:r>
-              <a:rPr lang="en-US" sz="1600" b="1" smtClean="0">
-                <a:solidFill>
-                  <a:srgbClr val="008C53"/>
-                </a:solidFill>
-              </a:rPr>
-              <a:t>name</a:t>
-            </a:r>
-            <a:r>
-              <a:rPr lang="en-US" sz="1600" b="1" smtClean="0"/>
-              <a:t>=“</a:t>
-            </a:r>
-            <a:r>
-              <a:rPr lang="en-US" sz="1600" b="1" smtClean="0">
-                <a:solidFill>
-                  <a:srgbClr val="000080"/>
-                </a:solidFill>
-              </a:rPr>
-              <a:t>data</a:t>
-            </a:r>
-            <a:r>
-              <a:rPr lang="en-US" sz="1600" b="1" smtClean="0"/>
-              <a:t>” </a:t>
-            </a:r>
-            <a:r>
-              <a:rPr lang="en-US" sz="1600" b="1" smtClean="0">
-                <a:solidFill>
-                  <a:srgbClr val="008C53"/>
-                </a:solidFill>
-              </a:rPr>
-              <a:t>type</a:t>
-            </a:r>
-            <a:r>
-              <a:rPr lang="en-US" sz="1600" b="1" smtClean="0"/>
-              <a:t>=“</a:t>
-            </a:r>
-            <a:r>
-              <a:rPr lang="en-US" sz="1600" b="1" smtClean="0">
-                <a:solidFill>
-                  <a:srgbClr val="000080"/>
-                </a:solidFill>
-              </a:rPr>
-              <a:t>real</a:t>
-            </a:r>
-            <a:r>
-              <a:rPr lang="en-US" sz="1600" b="1" smtClean="0"/>
-              <a:t>” </a:t>
-            </a:r>
-            <a:r>
-              <a:rPr lang="en-US" sz="1600" b="1" smtClean="0">
-                <a:solidFill>
-                  <a:srgbClr val="008C53"/>
-                </a:solidFill>
-              </a:rPr>
-              <a:t>dimensions</a:t>
-            </a:r>
-            <a:r>
-              <a:rPr lang="en-US" sz="1600" b="1" smtClean="0"/>
-              <a:t>=“</a:t>
-            </a:r>
-            <a:r>
-              <a:rPr lang="en-US" sz="1600" b="1" smtClean="0">
-                <a:solidFill>
-                  <a:srgbClr val="000080"/>
-                </a:solidFill>
-              </a:rPr>
-              <a:t>nx,ny</a:t>
-            </a:r>
-            <a:r>
-              <a:rPr lang="en-US" sz="1600" b="1" smtClean="0"/>
-              <a:t>”/&gt;</a:t>
-            </a:r>
-          </a:p>
-          <a:p>
-            <a:pPr>
-              <a:lnSpc>
-                <a:spcPct val="80000"/>
-              </a:lnSpc>
-              <a:buFont typeface="Symbol" pitchFamily="18" charset="2"/>
-              <a:buNone/>
-            </a:pPr>
-            <a:r>
-              <a:rPr lang="en-US" sz="1600" b="1" smtClean="0"/>
-              <a:t>&lt;/</a:t>
-            </a:r>
-            <a:r>
-              <a:rPr lang="en-US" sz="1600" b="1" smtClean="0">
-                <a:solidFill>
-                  <a:srgbClr val="DB4415"/>
-                </a:solidFill>
-              </a:rPr>
-              <a:t>global-bounds</a:t>
-            </a:r>
-            <a:r>
-              <a:rPr lang="en-US" sz="1600" b="1" smtClean="0"/>
-              <a:t>&gt;</a:t>
-            </a:r>
-          </a:p>
-          <a:p>
-            <a:pPr>
-              <a:lnSpc>
-                <a:spcPct val="80000"/>
-              </a:lnSpc>
-              <a:buFont typeface="Symbol" pitchFamily="18" charset="2"/>
-              <a:buNone/>
-            </a:pPr>
-            <a:r>
-              <a:rPr lang="en-US" sz="1600" b="1" smtClean="0"/>
-              <a:t>&lt;/</a:t>
-            </a:r>
-            <a:r>
-              <a:rPr lang="en-US" sz="1600" b="1" smtClean="0">
-                <a:solidFill>
-                  <a:srgbClr val="DB4415"/>
-                </a:solidFill>
-              </a:rPr>
-              <a:t>adios-group</a:t>
-            </a:r>
-            <a:r>
-              <a:rPr lang="en-US" sz="1600" b="1" smtClean="0"/>
-              <a:t>&gt;</a:t>
-            </a:r>
-          </a:p>
-          <a:p>
-            <a:pPr>
-              <a:lnSpc>
-                <a:spcPct val="80000"/>
-              </a:lnSpc>
-              <a:buFont typeface="Symbol" pitchFamily="18" charset="2"/>
-              <a:buNone/>
-            </a:pPr>
-            <a:r>
-              <a:rPr lang="en-US" sz="1600" b="1" smtClean="0"/>
-              <a:t>&lt;</a:t>
-            </a:r>
-            <a:r>
-              <a:rPr lang="en-US" sz="1600" b="1" smtClean="0">
-                <a:solidFill>
-                  <a:srgbClr val="DB4415"/>
-                </a:solidFill>
-              </a:rPr>
-              <a:t>method</a:t>
-            </a:r>
-            <a:r>
-              <a:rPr lang="en-US" sz="1600" b="1" smtClean="0">
-                <a:solidFill>
-                  <a:srgbClr val="008C53"/>
-                </a:solidFill>
-              </a:rPr>
-              <a:t>group</a:t>
-            </a:r>
-            <a:r>
-              <a:rPr lang="en-US" sz="1600" b="1" smtClean="0"/>
-              <a:t>=“</a:t>
-            </a:r>
-            <a:r>
-              <a:rPr lang="en-US" sz="1600" b="1" smtClean="0">
-                <a:solidFill>
-                  <a:srgbClr val="000080"/>
-                </a:solidFill>
-              </a:rPr>
-              <a:t>restart</a:t>
-            </a:r>
-            <a:r>
-              <a:rPr lang="en-US" sz="1600" b="1" smtClean="0"/>
-              <a:t>” </a:t>
-            </a:r>
-            <a:r>
-              <a:rPr lang="en-US" sz="1600" b="1" smtClean="0">
-                <a:solidFill>
-                  <a:srgbClr val="008C53"/>
-                </a:solidFill>
-              </a:rPr>
-              <a:t>method</a:t>
-            </a:r>
-            <a:r>
-              <a:rPr lang="en-US" sz="1600" b="1" smtClean="0"/>
-              <a:t>=“</a:t>
-            </a:r>
-            <a:r>
-              <a:rPr lang="en-US" sz="1600" b="1" smtClean="0">
-                <a:solidFill>
-                  <a:srgbClr val="000080"/>
-                </a:solidFill>
-              </a:rPr>
-              <a:t>MPI</a:t>
-            </a:r>
-            <a:r>
-              <a:rPr lang="en-US" sz="1600" b="1" smtClean="0"/>
-              <a:t>”/&gt;</a:t>
-            </a:r>
-          </a:p>
-          <a:p>
-            <a:pPr>
-              <a:lnSpc>
-                <a:spcPct val="80000"/>
-              </a:lnSpc>
-              <a:buFont typeface="Symbol" pitchFamily="18" charset="2"/>
-              <a:buNone/>
-            </a:pPr>
-            <a:r>
-              <a:rPr lang="en-US" sz="1600" b="1" smtClean="0"/>
-              <a:t>&lt;</a:t>
-            </a:r>
-            <a:r>
-              <a:rPr lang="en-US" sz="1600" b="1" smtClean="0">
-                <a:solidFill>
-                  <a:srgbClr val="DB4415"/>
-                </a:solidFill>
-              </a:rPr>
-              <a:t>buffer</a:t>
-            </a:r>
-            <a:r>
-              <a:rPr lang="en-US" sz="1600" b="1" smtClean="0">
-                <a:solidFill>
-                  <a:srgbClr val="008C53"/>
-                </a:solidFill>
-              </a:rPr>
-              <a:t>size-MB</a:t>
-            </a:r>
-            <a:r>
-              <a:rPr lang="en-US" sz="1600" b="1" smtClean="0"/>
-              <a:t>=“</a:t>
-            </a:r>
-            <a:r>
-              <a:rPr lang="en-US" sz="1600" b="1" smtClean="0">
-                <a:solidFill>
-                  <a:srgbClr val="000080"/>
-                </a:solidFill>
-              </a:rPr>
-              <a:t>100</a:t>
-            </a:r>
-            <a:r>
-              <a:rPr lang="en-US" sz="1600" b="1" smtClean="0"/>
-              <a:t>” </a:t>
-            </a:r>
-            <a:r>
-              <a:rPr lang="en-US" sz="1600" b="1" smtClean="0">
-                <a:solidFill>
-                  <a:srgbClr val="008C53"/>
-                </a:solidFill>
-              </a:rPr>
-              <a:t>allocate-time</a:t>
-            </a:r>
-            <a:r>
-              <a:rPr lang="en-US" sz="1600" b="1" smtClean="0"/>
-              <a:t>=“</a:t>
-            </a:r>
-            <a:r>
-              <a:rPr lang="en-US" sz="1600" b="1" smtClean="0">
-                <a:solidFill>
-                  <a:srgbClr val="000080"/>
-                </a:solidFill>
-              </a:rPr>
-              <a:t>now</a:t>
-            </a:r>
-            <a:r>
-              <a:rPr lang="en-US" sz="1600" b="1" smtClean="0"/>
-              <a:t>”/&gt;</a:t>
-            </a:r>
-          </a:p>
-          <a:p>
-            <a:pPr>
-              <a:lnSpc>
-                <a:spcPct val="80000"/>
-              </a:lnSpc>
-              <a:buFont typeface="Symbol" pitchFamily="18" charset="2"/>
-              <a:buNone/>
-            </a:pPr>
-            <a:r>
-              <a:rPr lang="en-US" sz="1600" b="1" smtClean="0"/>
-              <a:t>&lt;/</a:t>
-            </a:r>
-            <a:r>
-              <a:rPr lang="en-US" sz="1600" b="1" smtClean="0">
-                <a:solidFill>
-                  <a:srgbClr val="DB4415"/>
-                </a:solidFill>
-              </a:rPr>
-              <a:t>adios-config</a:t>
-            </a:r>
-            <a:r>
-              <a:rPr lang="en-US" sz="1600" b="1" smtClean="0"/>
+              <a:t>config</a:t>
+            </a:r>
+            <a:r>
+              <a:rPr lang="en-US" sz="2400" b="1" dirty="0" smtClean="0"/>
               <a:t>&gt;</a:t>
             </a:r>
           </a:p>
@@ -16139,7 +16223,7 @@
             </a:r>
           </a:p>
           <a:p>
-            <a:pPr>
+            <a:pPr lvl="1">
               <a:buNone/>
             </a:pPr>
             <a:r>
@@ -16186,7 +16270,7 @@
             </a:r>
           </a:p>
           <a:p>
-            <a:pPr>
+            <a:pPr lvl="1">
               <a:buNone/>
             </a:pPr>
             <a:r>
@@ -16226,7 +16310,7 @@
             </a:r>
           </a:p>
           <a:p>
-            <a:pPr>
+            <a:pPr lvl="1">
               <a:buNone/>
             </a:pPr>
             <a:r>
@@ -16245,7 +16329,7 @@
             </a:r>
           </a:p>
           <a:p>
-            <a:pPr>
+            <a:pPr lvl="2">
               <a:buNone/>
             </a:pPr>
             <a:r>
@@ -16264,7 +16348,7 @@
             </a:r>
           </a:p>
           <a:p>
-            <a:pPr>
+            <a:pPr lvl="3">
               <a:buNone/>
             </a:pPr>
             <a:r>
@@ -16297,7 +16381,7 @@
             </a:r>
           </a:p>
           <a:p>
-            <a:pPr>
+            <a:pPr lvl="3">
               <a:buNone/>
             </a:pPr>
             <a:r>
@@ -16330,7 +16414,7 @@
             </a:r>
           </a:p>
           <a:p>
-            <a:pPr>
+            <a:pPr lvl="2">
               <a:buNone/>
             </a:pPr>
             <a:r>
@@ -16356,7 +16440,7 @@
             </a:r>
           </a:p>
           <a:p>
-            <a:pPr>
+            <a:pPr lvl="3">
               <a:buNone/>
             </a:pPr>
             <a:r>
@@ -16378,24 +16462,30 @@
                 <a:latin typeface="Courier New" pitchFamily="49" charset="0"/>
                 <a:cs typeface="Courier New" pitchFamily="49" charset="0"/>
               </a:rPr>
-              <a:t>, "\n");</a:t>
-            </a:r>
-            <a:br>
+              <a:t>, "\n")</a:t>
+            </a:r>
+            <a:r>
               <a:rPr lang="en-US" sz="1800" dirty="0" smtClean="0">
                 <a:latin typeface="Courier New" pitchFamily="49" charset="0"/>
                 <a:cs typeface="Courier New" pitchFamily="49" charset="0"/>
               </a:rPr>
-            </a:br>
+              <a:t>;</a:t>
+            </a:r>
+          </a:p>
+          <a:p>
+            <a:pPr lvl="2">
+              <a:buNone/>
+            </a:pPr>
             <a:r>
               <a:rPr lang="en-US" sz="1800" dirty="0" smtClean="0">
                 <a:latin typeface="Courier New" pitchFamily="49" charset="0"/>
                 <a:cs typeface="Courier New" pitchFamily="49" charset="0"/>
               </a:rPr>
-              <a:t>  }</a:t>
-            </a:r>
-          </a:p>
-          <a:p>
-            <a:pPr>
+              <a:t>}</a:t>
+            </a:r>
+          </a:p>
+          <a:p>
+            <a:pPr lvl="1">
               <a:buNone/>
             </a:pPr>
             <a:r>
@@ -16403,11 +16493,15 @@
                 <a:latin typeface="Courier New" pitchFamily="49" charset="0"/>
                 <a:cs typeface="Courier New" pitchFamily="49" charset="0"/>
               </a:rPr>
-              <a:t>  }</a:t>
-            </a:r>
-          </a:p>
-          <a:p>
-            <a:pPr>
+              <a:t>}</a:t>
+            </a:r>
+            <a:endParaRPr lang="en-US" sz="1800" dirty="0" smtClean="0">
+              <a:latin typeface="Courier New" pitchFamily="49" charset="0"/>
+              <a:cs typeface="Courier New" pitchFamily="49" charset="0"/>
+            </a:endParaRPr>
+          </a:p>
+          <a:p>
+            <a:pPr lvl="1">
               <a:buNone/>
             </a:pPr>
             <a:r>
@@ -17850,25 +17944,19 @@
               </a:r>
             </a:p>
             <a:p>
-              <a:pPr marL="342900" marR="0" lvl="0" indent="-342900" algn="l" defTabSz="457200" rtl="0" eaLnBrk="1" fontAlgn="auto" latinLnBrk="0" hangingPunct="1">
-                <a:lnSpc>
-                  <a:spcPct val="100000"/>
-                </a:lnSpc>
+              <a:pPr marL="800100" lvl="1" indent="-342900" defTabSz="457200" fontAlgn="auto">
                 <a:spcBef>
                   <a:spcPct val="20000"/>
                 </a:spcBef>
                 <a:spcAft>
                   <a:spcPts val="0"/>
                 </a:spcAft>
-                <a:buClrTx/>
-                <a:buSzTx/>
                 <a:buFont typeface="Arial"/>
                 <a:buNone/>
-                <a:tabLst/>
                 <a:defRPr/>
               </a:pPr>
               <a:r>
-                <a:rPr kumimoji="0" lang="en-US" sz="2300" b="0" i="0" u="none" strike="noStrike" kern="1200" cap="none" spc="0" normalizeH="0" baseline="0" noProof="0" dirty="0" smtClean="0">
+                <a:rPr kumimoji="0" lang="en-US" sz="2200" b="0" i="0" u="none" strike="noStrike" kern="1200" cap="none" spc="0" normalizeH="0" baseline="0" noProof="0" dirty="0" smtClean="0">
                   <a:ln>
                     <a:noFill/>
                   </a:ln>
@@ -17885,7 +17973,7 @@
                 <a:t>&lt;</a:t>
               </a:r>
               <a:r>
-                <a:rPr kumimoji="0" lang="en-US" sz="2300" b="1" i="0" u="none" strike="noStrike" kern="1200" cap="none" spc="0" normalizeH="0" baseline="0" noProof="0" dirty="0" err="1" smtClean="0">
+                <a:rPr kumimoji="0" lang="en-US" sz="2200" b="1" i="0" u="none" strike="noStrike" kern="1200" cap="none" spc="0" normalizeH="0" baseline="0" noProof="0" dirty="0" err="1" smtClean="0">
                   <a:ln>
                     <a:noFill/>
                   </a:ln>
@@ -17902,7 +17990,7 @@
                 <a:t>var</a:t>
               </a:r>
               <a:r>
-                <a:rPr kumimoji="0" lang="en-US" sz="2300" b="0" i="0" u="none" strike="noStrike" kern="1200" cap="none" spc="0" normalizeH="0" baseline="0" noProof="0" dirty="0" smtClean="0">
+                <a:rPr kumimoji="0" lang="en-US" sz="2200" b="0" i="0" u="none" strike="noStrike" kern="1200" cap="none" spc="0" normalizeH="0" baseline="0" noProof="0" dirty="0" smtClean="0">
                   <a:ln>
                     <a:noFill/>
                   </a:ln>
@@ -17920,25 +18008,19 @@
               </a:r>
             </a:p>
             <a:p>
-              <a:pPr marL="342900" marR="0" lvl="0" indent="-342900" algn="l" defTabSz="457200" rtl="0" eaLnBrk="1" fontAlgn="auto" latinLnBrk="0" hangingPunct="1">
-                <a:lnSpc>
-                  <a:spcPct val="100000"/>
-                </a:lnSpc>
+              <a:pPr marL="800100" lvl="1" indent="-342900" defTabSz="457200" fontAlgn="auto">
                 <a:spcBef>
                   <a:spcPct val="20000"/>
                 </a:spcBef>
                 <a:spcAft>
                   <a:spcPts val="0"/>
                 </a:spcAft>
-                <a:buClrTx/>
-                <a:buSzTx/>
                 <a:buFont typeface="Arial"/>
                 <a:buNone/>
-                <a:tabLst/>
                 <a:defRPr/>
               </a:pPr>
               <a:r>
-                <a:rPr kumimoji="0" lang="en-US" sz="2300" b="0" i="0" u="none" strike="noStrike" kern="1200" cap="none" spc="0" normalizeH="0" baseline="0" noProof="0" dirty="0" smtClean="0">
+                <a:rPr kumimoji="0" lang="en-US" sz="2200" b="0" i="0" u="none" strike="noStrike" kern="1200" cap="none" spc="0" normalizeH="0" baseline="0" noProof="0" dirty="0" smtClean="0">
                   <a:ln>
                     <a:noFill/>
                   </a:ln>
@@ -17955,7 +18037,7 @@
                 <a:t>&lt;</a:t>
               </a:r>
               <a:r>
-                <a:rPr kumimoji="0" lang="en-US" sz="2300" b="1" i="0" u="none" strike="noStrike" kern="1200" cap="none" spc="0" normalizeH="0" baseline="0" noProof="0" dirty="0" err="1" smtClean="0">
+                <a:rPr kumimoji="0" lang="en-US" sz="2200" b="1" i="0" u="none" strike="noStrike" kern="1200" cap="none" spc="0" normalizeH="0" baseline="0" noProof="0" dirty="0" err="1" smtClean="0">
                   <a:ln>
                     <a:noFill/>
                   </a:ln>
@@ -17972,7 +18054,7 @@
                 <a:t>var</a:t>
               </a:r>
               <a:r>
-                <a:rPr kumimoji="0" lang="en-US" sz="2300" b="0" i="0" u="none" strike="noStrike" kern="1200" cap="none" spc="0" normalizeH="0" baseline="0" noProof="0" dirty="0" smtClean="0">
+                <a:rPr kumimoji="0" lang="en-US" sz="2200" b="0" i="0" u="none" strike="noStrike" kern="1200" cap="none" spc="0" normalizeH="0" baseline="0" noProof="0" dirty="0" smtClean="0">
                   <a:ln>
                     <a:noFill/>
                   </a:ln>
@@ -17990,25 +18072,19 @@
               </a:r>
             </a:p>
             <a:p>
-              <a:pPr marL="342900" marR="0" lvl="0" indent="-342900" algn="l" defTabSz="457200" rtl="0" eaLnBrk="1" fontAlgn="auto" latinLnBrk="0" hangingPunct="1">
-                <a:lnSpc>
-                  <a:spcPct val="100000"/>
-                </a:lnSpc>
+              <a:pPr marL="800100" lvl="1" indent="-342900" defTabSz="457200" fontAlgn="auto">
                 <a:spcBef>
                   <a:spcPct val="20000"/>
                 </a:spcBef>
                 <a:spcAft>
                   <a:spcPts val="0"/>
                 </a:spcAft>
-                <a:buClrTx/>
-                <a:buSzTx/>
                 <a:buFont typeface="Arial"/>
                 <a:buNone/>
-                <a:tabLst/>
                 <a:defRPr/>
               </a:pPr>
               <a:r>
-                <a:rPr kumimoji="0" lang="en-US" sz="2300" b="0" i="0" u="none" strike="noStrike" kern="1200" cap="none" spc="0" normalizeH="0" baseline="0" noProof="0" dirty="0" smtClean="0">
+                <a:rPr kumimoji="0" lang="en-US" sz="2200" b="0" i="0" u="none" strike="noStrike" kern="1200" cap="none" spc="0" normalizeH="0" baseline="0" noProof="0" dirty="0" smtClean="0">
                   <a:ln>
                     <a:noFill/>
                   </a:ln>
@@ -18025,7 +18101,7 @@
                 <a:t>&lt;</a:t>
               </a:r>
               <a:r>
-                <a:rPr kumimoji="0" lang="en-US" sz="2300" b="1" i="0" u="none" strike="noStrike" kern="1200" cap="none" spc="0" normalizeH="0" baseline="0" noProof="0" dirty="0" err="1" smtClean="0">
+                <a:rPr kumimoji="0" lang="en-US" sz="2200" b="1" i="0" u="none" strike="noStrike" kern="1200" cap="none" spc="0" normalizeH="0" baseline="0" noProof="0" dirty="0" err="1" smtClean="0">
                   <a:ln>
                     <a:noFill/>
                   </a:ln>
@@ -18042,7 +18118,7 @@
                 <a:t>var</a:t>
               </a:r>
               <a:r>
-                <a:rPr kumimoji="0" lang="en-US" sz="2300" b="0" i="0" u="none" strike="noStrike" kern="1200" cap="none" spc="0" normalizeH="0" baseline="0" noProof="0" dirty="0" smtClean="0">
+                <a:rPr kumimoji="0" lang="en-US" sz="2200" b="0" i="0" u="none" strike="noStrike" kern="1200" cap="none" spc="0" normalizeH="0" baseline="0" noProof="0" dirty="0" smtClean="0">
                   <a:ln>
                     <a:noFill/>
                   </a:ln>
@@ -18059,7 +18135,7 @@
                 <a:t>name="data" </a:t>
               </a:r>
               <a:r>
-                <a:rPr kumimoji="0" lang="en-US" sz="2300" b="0" i="0" u="none" strike="noStrike" kern="1200" cap="none" spc="0" normalizeH="0" baseline="0" noProof="0" dirty="0" err="1" smtClean="0">
+                <a:rPr kumimoji="0" lang="en-US" sz="2200" b="0" i="0" u="none" strike="noStrike" kern="1200" cap="none" spc="0" normalizeH="0" baseline="0" noProof="0" dirty="0" err="1" smtClean="0">
                   <a:ln>
                     <a:noFill/>
                   </a:ln>
@@ -18076,7 +18152,7 @@
                 <a:t>gname</a:t>
               </a:r>
               <a:r>
-                <a:rPr kumimoji="0" lang="en-US" sz="2300" b="0" i="0" u="none" strike="noStrike" kern="1200" cap="none" spc="0" normalizeH="0" baseline="0" noProof="0" dirty="0" smtClean="0">
+                <a:rPr kumimoji="0" lang="en-US" sz="2200" b="0" i="0" u="none" strike="noStrike" kern="1200" cap="none" spc="0" normalizeH="0" baseline="0" noProof="0" dirty="0" smtClean="0">
                   <a:ln>
                     <a:noFill/>
                   </a:ln>
@@ -18093,7 +18169,7 @@
                 <a:t>="</a:t>
               </a:r>
               <a:r>
-                <a:rPr kumimoji="0" lang="en-US" sz="2300" b="0" i="0" u="none" strike="noStrike" kern="1200" cap="none" spc="0" normalizeH="0" baseline="0" noProof="0" dirty="0" err="1" smtClean="0">
+                <a:rPr kumimoji="0" lang="en-US" sz="2200" b="0" i="0" u="none" strike="noStrike" kern="1200" cap="none" spc="0" normalizeH="0" baseline="0" noProof="0" dirty="0" err="1" smtClean="0">
                   <a:ln>
                     <a:noFill/>
                   </a:ln>
@@ -18110,7 +18186,7 @@
                 <a:t>u</a:t>
               </a:r>
               <a:r>
-                <a:rPr kumimoji="0" lang="en-US" sz="2300" b="0" i="0" u="none" strike="noStrike" kern="1200" cap="none" spc="0" normalizeH="0" baseline="0" noProof="0" dirty="0" smtClean="0">
+                <a:rPr kumimoji="0" lang="en-US" sz="2200" b="0" i="0" u="none" strike="noStrike" kern="1200" cap="none" spc="0" normalizeH="0" baseline="0" noProof="0" dirty="0" smtClean="0">
                   <a:ln>
                     <a:noFill/>
                   </a:ln>
@@ -19091,29 +19167,78 @@
             <p:ph idx="1"/>
           </p:nvPr>
         </p:nvSpPr>
-        <p:spPr/>
+        <p:spPr>
+          <a:xfrm>
+            <a:off x="120650" y="914400"/>
+            <a:ext cx="8229600" cy="5410200"/>
+          </a:xfrm>
+        </p:spPr>
         <p:txBody>
           <a:bodyPr/>
           <a:lstStyle/>
           <a:p>
             <a:r>
               <a:rPr lang="en-US" dirty="0" err="1" smtClean="0"/>
-              <a:t>Adios_lint</a:t>
+              <a:t>adios_lint</a:t>
             </a:r>
             <a:endParaRPr lang="en-US" dirty="0" smtClean="0"/>
           </a:p>
           <a:p>
+            <a:pPr lvl="1"/>
+            <a:r>
+              <a:rPr lang="en-US" dirty="0" smtClean="0"/>
+              <a:t>Tool to check for correctness in the XML file</a:t>
+            </a:r>
+            <a:endParaRPr lang="en-US" dirty="0" smtClean="0"/>
+          </a:p>
+          <a:p>
             <a:r>
               <a:rPr lang="en-US" dirty="0" err="1" smtClean="0"/>
-              <a:t>Bpdump</a:t>
+              <a:t>bpdump</a:t>
             </a:r>
             <a:endParaRPr lang="en-US" dirty="0" smtClean="0"/>
           </a:p>
           <a:p>
+            <a:pPr lvl="1"/>
             <a:r>
               <a:rPr lang="en-US" dirty="0" smtClean="0"/>
-              <a:t>Bp2h5</a:t>
-            </a:r>
+              <a:t>Dump the contents of a .</a:t>
+            </a:r>
+            <a:r>
+              <a:rPr lang="en-US" dirty="0" err="1" smtClean="0"/>
+              <a:t>bp</a:t>
+            </a:r>
+            <a:r>
+              <a:rPr lang="en-US" dirty="0" smtClean="0"/>
+              <a:t> file to </a:t>
+            </a:r>
+            <a:r>
+              <a:rPr lang="en-US" dirty="0" err="1" smtClean="0"/>
+              <a:t>stdout</a:t>
+            </a:r>
+            <a:endParaRPr lang="en-US" dirty="0" smtClean="0"/>
+          </a:p>
+          <a:p>
+            <a:r>
+              <a:rPr lang="en-US" dirty="0" smtClean="0"/>
+              <a:t>bp2h5</a:t>
+            </a:r>
+          </a:p>
+          <a:p>
+            <a:pPr lvl="1"/>
+            <a:r>
+              <a:rPr lang="en-US" dirty="0" smtClean="0"/>
+              <a:t>Convert contents of a .</a:t>
+            </a:r>
+            <a:r>
+              <a:rPr lang="en-US" dirty="0" err="1" smtClean="0"/>
+              <a:t>bp</a:t>
+            </a:r>
+            <a:r>
+              <a:rPr lang="en-US" dirty="0" smtClean="0"/>
+              <a:t> file to a hdf5 file</a:t>
+            </a:r>
+            <a:endParaRPr lang="en-US" dirty="0" smtClean="0"/>
           </a:p>
           <a:p>
             <a:r>
@@ -19122,10 +19247,73 @@
             </a:r>
           </a:p>
           <a:p>
+            <a:pPr lvl="1"/>
             <a:r>
               <a:rPr lang="en-US" dirty="0" smtClean="0"/>
-              <a:t>Bp2ascii</a:t>
-            </a:r>
+              <a:t>Convert contents of a .</a:t>
+            </a:r>
+            <a:r>
+              <a:rPr lang="en-US" dirty="0" err="1" smtClean="0"/>
+              <a:t>bp</a:t>
+            </a:r>
+            <a:r>
+              <a:rPr lang="en-US" dirty="0" smtClean="0"/>
+              <a:t> file to a</a:t>
+            </a:r>
+            <a:r>
+              <a:rPr lang="en-US" dirty="0" smtClean="0"/>
+              <a:t> </a:t>
+            </a:r>
+            <a:r>
+              <a:rPr lang="en-US" dirty="0" err="1" smtClean="0"/>
+              <a:t>netcdf</a:t>
+            </a:r>
+            <a:r>
+              <a:rPr lang="en-US" dirty="0" smtClean="0"/>
+              <a:t> file</a:t>
+            </a:r>
+            <a:endParaRPr lang="en-US" dirty="0" smtClean="0"/>
+          </a:p>
+          <a:p>
+            <a:r>
+              <a:rPr lang="en-US" dirty="0" smtClean="0"/>
+              <a:t>bp2ascii</a:t>
+            </a:r>
+          </a:p>
+          <a:p>
+            <a:pPr lvl="1"/>
+            <a:r>
+              <a:rPr lang="en-US" dirty="0" smtClean="0"/>
+              <a:t>Convert contents of a .</a:t>
+            </a:r>
+            <a:r>
+              <a:rPr lang="en-US" dirty="0" err="1" smtClean="0"/>
+              <a:t>bp</a:t>
+            </a:r>
+            <a:r>
+              <a:rPr lang="en-US" dirty="0" smtClean="0"/>
+              <a:t> file to </a:t>
+            </a:r>
+            <a:r>
+              <a:rPr lang="en-US" dirty="0" smtClean="0"/>
+              <a:t>an </a:t>
+            </a:r>
+            <a:r>
+              <a:rPr lang="en-US" dirty="0" err="1" smtClean="0"/>
+              <a:t>ascii</a:t>
+            </a:r>
+            <a:r>
+              <a:rPr lang="en-US" dirty="0" smtClean="0"/>
+              <a:t> file</a:t>
+            </a:r>
+            <a:endParaRPr lang="en-US" dirty="0" smtClean="0"/>
+          </a:p>
+          <a:p>
+            <a:pPr lvl="1"/>
+            <a:endParaRPr lang="en-US" dirty="0" smtClean="0"/>
+          </a:p>
+          <a:p>
+            <a:endParaRPr lang="en-US" dirty="0" smtClean="0"/>
           </a:p>
           <a:p>
             <a:endParaRPr lang="en-US" dirty="0" smtClean="0"/>
@@ -21506,7 +21694,7 @@
         </p:spPr>
         <p:txBody>
           <a:bodyPr>
-            <a:normAutofit fontScale="62500" lnSpcReduction="20000"/>
+            <a:normAutofit fontScale="77500" lnSpcReduction="20000"/>
           </a:bodyPr>
           <a:lstStyle/>
           <a:p>
@@ -21514,8 +21702,318 @@
               <a:buNone/>
             </a:pPr>
             <a:r>
+              <a:rPr lang="en-US" sz="3200" dirty="0" smtClean="0"/>
+              <a:t>&lt;adios-group name="output”&gt;</a:t>
+            </a:r>
+          </a:p>
+          <a:p>
+            <a:pPr lvl="1">
+              <a:buNone/>
+            </a:pPr>
+            <a:r>
               <a:rPr lang="en-US" dirty="0" smtClean="0"/>
-              <a:t>&lt;adios-group name="output”&gt;</a:t>
+              <a:t>&lt;</a:t>
+            </a:r>
+            <a:r>
+              <a:rPr lang="en-US" dirty="0" err="1" smtClean="0"/>
+              <a:t>var</a:t>
+            </a:r>
+            <a:r>
+              <a:rPr lang="en-US" dirty="0" smtClean="0"/>
+              <a:t> name="NX" type="integer"/&gt;</a:t>
+            </a:r>
+          </a:p>
+          <a:p>
+            <a:pPr lvl="1">
+              <a:buNone/>
+            </a:pPr>
+            <a:r>
+              <a:rPr lang="en-US" dirty="0" smtClean="0"/>
+              <a:t>&lt;</a:t>
+            </a:r>
+            <a:r>
+              <a:rPr lang="en-US" dirty="0" err="1" smtClean="0"/>
+              <a:t>var</a:t>
+            </a:r>
+            <a:r>
+              <a:rPr lang="en-US" dirty="0" smtClean="0"/>
+              <a:t> name="NY" type="integer"/&gt;</a:t>
+            </a:r>
+          </a:p>
+          <a:p>
+            <a:pPr lvl="1">
+              <a:buNone/>
+            </a:pPr>
+            <a:r>
+              <a:rPr lang="en-US" dirty="0" smtClean="0"/>
+              <a:t>&lt;</a:t>
+            </a:r>
+            <a:r>
+              <a:rPr lang="en-US" dirty="0" err="1" smtClean="0"/>
+              <a:t>var</a:t>
+            </a:r>
+            <a:r>
+              <a:rPr lang="en-US" dirty="0" smtClean="0"/>
+              <a:t> name=”temperature" </a:t>
+            </a:r>
+            <a:r>
+              <a:rPr lang="en-US" dirty="0" err="1" smtClean="0"/>
+              <a:t>gname</a:t>
+            </a:r>
+            <a:r>
+              <a:rPr lang="en-US" dirty="0" smtClean="0"/>
+              <a:t>="</a:t>
+            </a:r>
+            <a:r>
+              <a:rPr lang="en-US" dirty="0" err="1" smtClean="0"/>
+              <a:t>u</a:t>
+            </a:r>
+            <a:r>
+              <a:rPr lang="en-US" dirty="0" smtClean="0"/>
+              <a:t>”  type="</a:t>
+            </a:r>
+            <a:r>
+              <a:rPr lang="en-US" dirty="0" smtClean="0">
+                <a:solidFill>
+                  <a:schemeClr val="tx1"/>
+                </a:solidFill>
+              </a:rPr>
+              <a:t>float</a:t>
+            </a:r>
+            <a:r>
+              <a:rPr lang="en-US" dirty="0" smtClean="0"/>
+              <a:t>" dimensions="NX,NY"/&gt;</a:t>
+            </a:r>
+          </a:p>
+          <a:p>
+            <a:pPr lvl="1">
+              <a:buNone/>
+            </a:pPr>
+            <a:r>
+              <a:rPr lang="en-US" dirty="0" smtClean="0">
+                <a:solidFill>
+                  <a:srgbClr val="0000FF"/>
+                </a:solidFill>
+              </a:rPr>
+              <a:t>&lt;</a:t>
+            </a:r>
+            <a:r>
+              <a:rPr lang="en-US" dirty="0" err="1" smtClean="0">
+                <a:solidFill>
+                  <a:srgbClr val="0000FF"/>
+                </a:solidFill>
+              </a:rPr>
+              <a:t>var</a:t>
+            </a:r>
+            <a:r>
+              <a:rPr lang="en-US" dirty="0" smtClean="0">
+                <a:solidFill>
+                  <a:srgbClr val="0000FF"/>
+                </a:solidFill>
+              </a:rPr>
+              <a:t> name="</a:t>
+            </a:r>
+            <a:r>
+              <a:rPr lang="en-US" dirty="0" err="1" smtClean="0">
+                <a:solidFill>
+                  <a:srgbClr val="0000FF"/>
+                </a:solidFill>
+              </a:rPr>
+              <a:t>cos_temp</a:t>
+            </a:r>
+            <a:r>
+              <a:rPr lang="en-US" dirty="0" smtClean="0">
+                <a:solidFill>
+                  <a:srgbClr val="0000FF"/>
+                </a:solidFill>
+              </a:rPr>
+              <a:t>" </a:t>
+            </a:r>
+            <a:r>
+              <a:rPr lang="en-US" dirty="0" err="1" smtClean="0">
+                <a:solidFill>
+                  <a:srgbClr val="0000FF"/>
+                </a:solidFill>
+              </a:rPr>
+              <a:t>gname</a:t>
+            </a:r>
+            <a:r>
+              <a:rPr lang="en-US" dirty="0" smtClean="0">
+                <a:solidFill>
+                  <a:srgbClr val="0000FF"/>
+                </a:solidFill>
+              </a:rPr>
+              <a:t>="</a:t>
+            </a:r>
+            <a:r>
+              <a:rPr lang="en-US" dirty="0" err="1" smtClean="0">
+                <a:solidFill>
+                  <a:srgbClr val="0000FF"/>
+                </a:solidFill>
+              </a:rPr>
+              <a:t>cos_u</a:t>
+            </a:r>
+            <a:r>
+              <a:rPr lang="en-US" dirty="0" smtClean="0">
+                <a:solidFill>
+                  <a:srgbClr val="0000FF"/>
+                </a:solidFill>
+              </a:rPr>
+              <a:t>” type=”float" dimensions="NX,NY"/&gt;</a:t>
+            </a:r>
+          </a:p>
+          <a:p>
+            <a:pPr lvl="1">
+              <a:buNone/>
+            </a:pPr>
+            <a:r>
+              <a:rPr lang="en-US" dirty="0" smtClean="0">
+                <a:solidFill>
+                  <a:srgbClr val="0000FF"/>
+                </a:solidFill>
+              </a:rPr>
+              <a:t>&lt;</a:t>
+            </a:r>
+            <a:r>
+              <a:rPr lang="en-US" dirty="0" err="1" smtClean="0">
+                <a:solidFill>
+                  <a:srgbClr val="0000FF"/>
+                </a:solidFill>
+              </a:rPr>
+              <a:t>var</a:t>
+            </a:r>
+            <a:r>
+              <a:rPr lang="en-US" dirty="0" smtClean="0">
+                <a:solidFill>
+                  <a:srgbClr val="0000FF"/>
+                </a:solidFill>
+              </a:rPr>
+              <a:t> name="</a:t>
+            </a:r>
+            <a:r>
+              <a:rPr lang="en-US" dirty="0" err="1" smtClean="0">
+                <a:solidFill>
+                  <a:srgbClr val="0000FF"/>
+                </a:solidFill>
+              </a:rPr>
+              <a:t>sin_temp</a:t>
+            </a:r>
+            <a:r>
+              <a:rPr lang="en-US" dirty="0" smtClean="0">
+                <a:solidFill>
+                  <a:srgbClr val="0000FF"/>
+                </a:solidFill>
+              </a:rPr>
+              <a:t>" </a:t>
+            </a:r>
+            <a:r>
+              <a:rPr lang="en-US" dirty="0" err="1" smtClean="0">
+                <a:solidFill>
+                  <a:srgbClr val="0000FF"/>
+                </a:solidFill>
+              </a:rPr>
+              <a:t>gname</a:t>
+            </a:r>
+            <a:r>
+              <a:rPr lang="en-US" dirty="0" smtClean="0">
+                <a:solidFill>
+                  <a:srgbClr val="0000FF"/>
+                </a:solidFill>
+              </a:rPr>
+              <a:t>="</a:t>
+            </a:r>
+            <a:r>
+              <a:rPr lang="en-US" dirty="0" err="1" smtClean="0">
+                <a:solidFill>
+                  <a:srgbClr val="0000FF"/>
+                </a:solidFill>
+              </a:rPr>
+              <a:t>sin_u</a:t>
+            </a:r>
+            <a:r>
+              <a:rPr lang="en-US" dirty="0" smtClean="0">
+                <a:solidFill>
+                  <a:srgbClr val="0000FF"/>
+                </a:solidFill>
+              </a:rPr>
+              <a:t>” type="float" dimensions="NX,NY"/&gt;</a:t>
+            </a:r>
+          </a:p>
+          <a:p>
+            <a:pPr lvl="1">
+              <a:buNone/>
+            </a:pPr>
+            <a:r>
+              <a:rPr lang="en-US" dirty="0" smtClean="0">
+                <a:solidFill>
+                  <a:srgbClr val="0000FF"/>
+                </a:solidFill>
+              </a:rPr>
+              <a:t>&lt;</a:t>
+            </a:r>
+            <a:r>
+              <a:rPr lang="en-US" dirty="0" err="1" smtClean="0">
+                <a:solidFill>
+                  <a:srgbClr val="0000FF"/>
+                </a:solidFill>
+              </a:rPr>
+              <a:t>var</a:t>
+            </a:r>
+            <a:r>
+              <a:rPr lang="en-US" dirty="0" smtClean="0">
+                <a:solidFill>
+                  <a:srgbClr val="0000FF"/>
+                </a:solidFill>
+              </a:rPr>
+              <a:t> name="</a:t>
+            </a:r>
+            <a:r>
+              <a:rPr lang="en-US" dirty="0" err="1" smtClean="0">
+                <a:solidFill>
+                  <a:srgbClr val="0000FF"/>
+                </a:solidFill>
+              </a:rPr>
+              <a:t>tan_temp</a:t>
+            </a:r>
+            <a:r>
+              <a:rPr lang="en-US" dirty="0" smtClean="0">
+                <a:solidFill>
+                  <a:srgbClr val="0000FF"/>
+                </a:solidFill>
+              </a:rPr>
+              <a:t>" </a:t>
+            </a:r>
+            <a:r>
+              <a:rPr lang="en-US" dirty="0" err="1" smtClean="0">
+                <a:solidFill>
+                  <a:srgbClr val="0000FF"/>
+                </a:solidFill>
+              </a:rPr>
+              <a:t>gname</a:t>
+            </a:r>
+            <a:r>
+              <a:rPr lang="en-US" dirty="0" smtClean="0">
+                <a:solidFill>
+                  <a:srgbClr val="0000FF"/>
+                </a:solidFill>
+              </a:rPr>
+              <a:t>="</a:t>
+            </a:r>
+            <a:r>
+              <a:rPr lang="en-US" dirty="0" err="1" smtClean="0">
+                <a:solidFill>
+                  <a:srgbClr val="0000FF"/>
+                </a:solidFill>
+              </a:rPr>
+              <a:t>tan_u</a:t>
+            </a:r>
+            <a:r>
+              <a:rPr lang="en-US" dirty="0" smtClean="0">
+                <a:solidFill>
+                  <a:srgbClr val="0000FF"/>
+                </a:solidFill>
+              </a:rPr>
+              <a:t>”  type="float" dimensions="NX,NY"/&gt;</a:t>
             </a:r>
           </a:p>
           <a:p>
@@ -21523,358 +22021,46 @@
               <a:buNone/>
             </a:pPr>
             <a:r>
-              <a:rPr lang="en-US" dirty="0" smtClean="0"/>
-              <a:t>&lt;</a:t>
-            </a:r>
-            <a:r>
-              <a:rPr lang="en-US" dirty="0" err="1" smtClean="0"/>
-              <a:t>var</a:t>
-            </a:r>
-            <a:r>
-              <a:rPr lang="en-US" dirty="0" smtClean="0"/>
-              <a:t> name="NX" type="integer"/&gt;</a:t>
+              <a:rPr lang="en-US" sz="3200" dirty="0" smtClean="0"/>
+              <a:t>&lt;/adios-group&gt;</a:t>
             </a:r>
           </a:p>
           <a:p>
             <a:pPr>
               <a:buNone/>
             </a:pPr>
-            <a:r>
-              <a:rPr lang="en-US" dirty="0" smtClean="0"/>
-              <a:t>&lt;</a:t>
-            </a:r>
-            <a:r>
-              <a:rPr lang="en-US" dirty="0" err="1" smtClean="0"/>
-              <a:t>var</a:t>
-            </a:r>
-            <a:r>
-              <a:rPr lang="en-US" dirty="0" smtClean="0"/>
-              <a:t> name="NY" type="integer"/&gt;</a:t>
-            </a:r>
+            <a:endParaRPr lang="en-US" dirty="0" smtClean="0"/>
           </a:p>
           <a:p>
             <a:pPr>
               <a:buNone/>
             </a:pPr>
             <a:r>
-              <a:rPr lang="en-US" dirty="0" smtClean="0"/>
-              <a:t>&lt;</a:t>
-            </a:r>
-            <a:r>
-              <a:rPr lang="en-US" dirty="0" err="1" smtClean="0"/>
-              <a:t>var</a:t>
-            </a:r>
-            <a:r>
-              <a:rPr lang="en-US" dirty="0" smtClean="0"/>
-              <a:t> name=”temperature" </a:t>
-            </a:r>
-            <a:r>
-              <a:rPr lang="en-US" dirty="0" err="1" smtClean="0"/>
+              <a:rPr lang="en-US" sz="3200" dirty="0" smtClean="0"/>
+              <a:t>&lt;method method="POSIX" group="output"/</a:t>
+            </a:r>
+            <a:r>
+              <a:rPr lang="en-US" sz="3200" dirty="0" smtClean="0"/>
+              <a:t>&gt;</a:t>
+            </a:r>
+          </a:p>
+          <a:p>
+            <a:r>
+              <a:rPr lang="en-US" sz="3200" dirty="0" err="1" smtClean="0"/>
               <a:t>gname</a:t>
             </a:r>
             <a:r>
-              <a:rPr lang="en-US" dirty="0" smtClean="0"/>
-              <a:t>="</a:t>
-            </a:r>
-            <a:r>
-              <a:rPr lang="en-US" dirty="0" err="1" smtClean="0"/>
-              <a:t>u</a:t>
-            </a:r>
-            <a:r>
-              <a:rPr lang="en-US" dirty="0" smtClean="0"/>
-              <a:t>”  type="</a:t>
-            </a:r>
-            <a:r>
-              <a:rPr lang="en-US" dirty="0" smtClean="0">
-                <a:solidFill>
-                  <a:schemeClr val="tx1"/>
-                </a:solidFill>
-              </a:rPr>
-              <a:t>float</a:t>
-            </a:r>
-            <a:r>
-              <a:rPr lang="en-US" dirty="0" smtClean="0"/>
-              <a:t>" dimensions="NX,NY"/&gt;</a:t>
-            </a:r>
-          </a:p>
-          <a:p>
-            <a:pPr>
-              <a:buNone/>
-            </a:pPr>
-            <a:r>
-              <a:rPr lang="en-US" dirty="0" smtClean="0">
-                <a:solidFill>
-                  <a:srgbClr val="0000FF"/>
-                </a:solidFill>
-              </a:rPr>
-              <a:t>&lt;</a:t>
-            </a:r>
-            <a:r>
-              <a:rPr lang="en-US" dirty="0" err="1" smtClean="0">
-                <a:solidFill>
-                  <a:srgbClr val="0000FF"/>
-                </a:solidFill>
-              </a:rPr>
-              <a:t>var</a:t>
-            </a:r>
-            <a:r>
-              <a:rPr lang="en-US" dirty="0" smtClean="0">
-                <a:solidFill>
-                  <a:srgbClr val="0000FF"/>
-                </a:solidFill>
-              </a:rPr>
-              <a:t> name="</a:t>
-            </a:r>
-            <a:r>
-              <a:rPr lang="en-US" dirty="0" err="1" smtClean="0">
-                <a:solidFill>
-                  <a:srgbClr val="0000FF"/>
-                </a:solidFill>
-              </a:rPr>
-              <a:t>cos_temp</a:t>
-            </a:r>
-            <a:r>
-              <a:rPr lang="en-US" dirty="0" smtClean="0">
-                <a:solidFill>
-                  <a:srgbClr val="0000FF"/>
-                </a:solidFill>
-              </a:rPr>
-              <a:t>" </a:t>
-            </a:r>
-            <a:r>
-              <a:rPr lang="en-US" dirty="0" err="1" smtClean="0">
-                <a:solidFill>
-                  <a:srgbClr val="0000FF"/>
-                </a:solidFill>
-              </a:rPr>
-              <a:t>gname</a:t>
-            </a:r>
-            <a:r>
-              <a:rPr lang="en-US" dirty="0" smtClean="0">
-                <a:solidFill>
-                  <a:srgbClr val="0000FF"/>
-                </a:solidFill>
-              </a:rPr>
-              <a:t>="</a:t>
-            </a:r>
-            <a:r>
-              <a:rPr lang="en-US" dirty="0" err="1" smtClean="0">
-                <a:solidFill>
-                  <a:srgbClr val="0000FF"/>
-                </a:solidFill>
-              </a:rPr>
-              <a:t>cos_u</a:t>
-            </a:r>
-            <a:r>
-              <a:rPr lang="en-US" dirty="0" smtClean="0">
-                <a:solidFill>
-                  <a:srgbClr val="0000FF"/>
-                </a:solidFill>
-              </a:rPr>
-              <a:t>” type=”float" dimensions="NX,NY"/&gt;</a:t>
-            </a:r>
-          </a:p>
-          <a:p>
-            <a:pPr>
-              <a:buNone/>
-            </a:pPr>
-            <a:r>
-              <a:rPr lang="en-US" dirty="0" smtClean="0">
-                <a:solidFill>
-                  <a:srgbClr val="0000FF"/>
-                </a:solidFill>
-              </a:rPr>
-              <a:t>&lt;</a:t>
-            </a:r>
-            <a:r>
-              <a:rPr lang="en-US" dirty="0" err="1" smtClean="0">
-                <a:solidFill>
-                  <a:srgbClr val="0000FF"/>
-                </a:solidFill>
-              </a:rPr>
-              <a:t>var</a:t>
-            </a:r>
-            <a:r>
-              <a:rPr lang="en-US" dirty="0" smtClean="0">
-                <a:solidFill>
-                  <a:srgbClr val="0000FF"/>
-                </a:solidFill>
-              </a:rPr>
-              <a:t> name="</a:t>
-            </a:r>
-            <a:r>
-              <a:rPr lang="en-US" dirty="0" err="1" smtClean="0">
-                <a:solidFill>
-                  <a:srgbClr val="0000FF"/>
-                </a:solidFill>
-              </a:rPr>
-              <a:t>sin_temp</a:t>
-            </a:r>
-            <a:r>
-              <a:rPr lang="en-US" dirty="0" smtClean="0">
-                <a:solidFill>
-                  <a:srgbClr val="0000FF"/>
-                </a:solidFill>
-              </a:rPr>
-              <a:t>" </a:t>
-            </a:r>
-            <a:r>
-              <a:rPr lang="en-US" dirty="0" err="1" smtClean="0">
-                <a:solidFill>
-                  <a:srgbClr val="0000FF"/>
-                </a:solidFill>
-              </a:rPr>
-              <a:t>gname</a:t>
-            </a:r>
-            <a:r>
-              <a:rPr lang="en-US" dirty="0" smtClean="0">
-                <a:solidFill>
-                  <a:srgbClr val="0000FF"/>
-                </a:solidFill>
-              </a:rPr>
-              <a:t>="</a:t>
-            </a:r>
-            <a:r>
-              <a:rPr lang="en-US" dirty="0" err="1" smtClean="0">
-                <a:solidFill>
-                  <a:srgbClr val="0000FF"/>
-                </a:solidFill>
-              </a:rPr>
-              <a:t>sin_u</a:t>
-            </a:r>
-            <a:r>
-              <a:rPr lang="en-US" dirty="0" smtClean="0">
-                <a:solidFill>
-                  <a:srgbClr val="0000FF"/>
-                </a:solidFill>
-              </a:rPr>
-              <a:t>” type="float" dimensions="NX,NY"/&gt;</a:t>
-            </a:r>
-          </a:p>
-          <a:p>
-            <a:pPr>
-              <a:buNone/>
-            </a:pPr>
-            <a:r>
-              <a:rPr lang="en-US" dirty="0" smtClean="0">
-                <a:solidFill>
-                  <a:srgbClr val="0000FF"/>
-                </a:solidFill>
-              </a:rPr>
-              <a:t>&lt;</a:t>
-            </a:r>
-            <a:r>
-              <a:rPr lang="en-US" dirty="0" err="1" smtClean="0">
-                <a:solidFill>
-                  <a:srgbClr val="0000FF"/>
-                </a:solidFill>
-              </a:rPr>
-              <a:t>var</a:t>
-            </a:r>
-            <a:r>
-              <a:rPr lang="en-US" dirty="0" smtClean="0">
-                <a:solidFill>
-                  <a:srgbClr val="0000FF"/>
-                </a:solidFill>
-              </a:rPr>
-              <a:t> name="</a:t>
-            </a:r>
-            <a:r>
-              <a:rPr lang="en-US" dirty="0" err="1" smtClean="0">
-                <a:solidFill>
-                  <a:srgbClr val="0000FF"/>
-                </a:solidFill>
-              </a:rPr>
-              <a:t>tan_temp</a:t>
-            </a:r>
-            <a:r>
-              <a:rPr lang="en-US" dirty="0" smtClean="0">
-                <a:solidFill>
-                  <a:srgbClr val="0000FF"/>
-                </a:solidFill>
-              </a:rPr>
-              <a:t>" </a:t>
-            </a:r>
-            <a:r>
-              <a:rPr lang="en-US" dirty="0" err="1" smtClean="0">
-                <a:solidFill>
-                  <a:srgbClr val="0000FF"/>
-                </a:solidFill>
-              </a:rPr>
-              <a:t>gname</a:t>
-            </a:r>
-            <a:r>
-              <a:rPr lang="en-US" dirty="0" smtClean="0">
-                <a:solidFill>
-                  <a:srgbClr val="0000FF"/>
-                </a:solidFill>
-              </a:rPr>
-              <a:t>="</a:t>
-            </a:r>
-            <a:r>
-              <a:rPr lang="en-US" dirty="0" err="1" smtClean="0">
-                <a:solidFill>
-                  <a:srgbClr val="0000FF"/>
-                </a:solidFill>
-              </a:rPr>
-              <a:t>tan_u</a:t>
-            </a:r>
-            <a:r>
-              <a:rPr lang="en-US" dirty="0" smtClean="0">
-                <a:solidFill>
-                  <a:srgbClr val="0000FF"/>
-                </a:solidFill>
-              </a:rPr>
-              <a:t>”  type="float" dimensions="NX,NY"/&gt;</a:t>
-            </a:r>
-          </a:p>
-          <a:p>
-            <a:pPr>
-              <a:buNone/>
-            </a:pPr>
-            <a:r>
-              <a:rPr lang="en-US" dirty="0" smtClean="0"/>
-              <a:t>&lt;/adios-group&gt;</a:t>
-            </a:r>
-          </a:p>
-          <a:p>
-            <a:pPr>
-              <a:buNone/>
-            </a:pPr>
-            <a:endParaRPr lang="en-US" dirty="0" smtClean="0"/>
-          </a:p>
-          <a:p>
-            <a:pPr>
-              <a:buNone/>
-            </a:pPr>
-            <a:r>
-              <a:rPr lang="en-US" dirty="0" smtClean="0"/>
-              <a:t>&lt;method method="POSIX" group="output"/&gt;</a:t>
-            </a:r>
-          </a:p>
-          <a:p>
-            <a:pPr>
-              <a:buNone/>
-            </a:pPr>
-            <a:endParaRPr lang="en-US" dirty="0" smtClean="0"/>
-          </a:p>
-          <a:p>
-            <a:r>
-              <a:rPr lang="en-US" dirty="0" err="1" smtClean="0"/>
-              <a:t>gname</a:t>
-            </a:r>
-            <a:r>
-              <a:rPr lang="en-US" dirty="0" smtClean="0"/>
+              <a:rPr lang="en-US" sz="3200" dirty="0" smtClean="0"/>
               <a:t> :actual variable name/expression in the source code</a:t>
             </a:r>
           </a:p>
           <a:p>
             <a:r>
-              <a:rPr lang="en-US" dirty="0" err="1" smtClean="0"/>
+              <a:rPr lang="en-US" sz="3200" dirty="0" err="1" smtClean="0"/>
               <a:t>Var</a:t>
             </a:r>
             <a:r>
-              <a:rPr lang="en-US" dirty="0" smtClean="0"/>
+              <a:rPr lang="en-US" sz="3200" dirty="0" smtClean="0"/>
               <a:t> name: dataset name written into file</a:t>
             </a:r>
           </a:p>
@@ -24821,7 +25007,7 @@
             </a:r>
           </a:p>
           <a:p>
-            <a:pPr>
+            <a:pPr lvl="1">
               <a:buNone/>
             </a:pPr>
             <a:r>
@@ -24837,24 +25023,99 @@
               <a:t>var</a:t>
             </a:r>
             <a:r>
+              <a:rPr lang="en-US" sz="1800" dirty="0" err="1" smtClean="0"/>
+              <a:t>name</a:t>
+            </a:r>
+            <a:r>
+              <a:rPr lang="en-US" sz="1800" dirty="0" smtClean="0"/>
+              <a:t>=”</a:t>
+            </a:r>
+            <a:r>
+              <a:rPr lang="en-US" sz="1800" b="1" dirty="0" err="1" smtClean="0">
+                <a:solidFill>
+                  <a:srgbClr val="008000"/>
+                </a:solidFill>
+              </a:rPr>
+              <a:t>group_comm</a:t>
+            </a:r>
+            <a:r>
+              <a:rPr lang="en-US" sz="1800" dirty="0" smtClean="0"/>
+              <a:t>” type=“</a:t>
+            </a:r>
+            <a:r>
+              <a:rPr lang="en-US" sz="1800" dirty="0" smtClean="0"/>
+              <a:t>integer”</a:t>
+            </a:r>
+            <a:r>
+              <a:rPr lang="en-US" sz="1800" dirty="0" smtClean="0"/>
+              <a:t>/&gt;</a:t>
+            </a:r>
+          </a:p>
+          <a:p>
+            <a:pPr lvl="1">
+              <a:buNone/>
+            </a:pPr>
+            <a:r>
+              <a:rPr lang="en-US" sz="1800" dirty="0" smtClean="0"/>
+              <a:t>&lt;</a:t>
+            </a:r>
+            <a:r>
+              <a:rPr lang="en-US" sz="1800" b="1" dirty="0" err="1" smtClean="0"/>
+              <a:t>var</a:t>
+            </a:r>
+            <a:r>
+              <a:rPr lang="en-US" sz="1800" dirty="0" smtClean="0"/>
+              <a:t>name="NX" type="integer"/&gt;</a:t>
+            </a:r>
+          </a:p>
+          <a:p>
+            <a:pPr lvl="1">
+              <a:buNone/>
+            </a:pPr>
+            <a:r>
+              <a:rPr lang="en-US" sz="1800" dirty="0" smtClean="0"/>
+              <a:t>&lt;</a:t>
+            </a:r>
+            <a:r>
+              <a:rPr lang="en-US" sz="1800" b="1" dirty="0" err="1" smtClean="0"/>
+              <a:t>var</a:t>
+            </a:r>
+            <a:r>
+              <a:rPr lang="en-US" sz="1800" dirty="0" smtClean="0"/>
+              <a:t>name="NY" type="integer"/&gt;</a:t>
+            </a:r>
+          </a:p>
+          <a:p>
+            <a:pPr lvl="1">
+              <a:buNone/>
+            </a:pPr>
+            <a:r>
+              <a:rPr lang="en-US" sz="1800" dirty="0" smtClean="0"/>
+              <a:t>&lt;</a:t>
+            </a:r>
+            <a:r>
+              <a:rPr lang="en-US" sz="1800" b="1" dirty="0" err="1" smtClean="0"/>
+              <a:t>var</a:t>
+            </a:r>
+            <a:r>
               <a:rPr lang="en-US" sz="1800" dirty="0" smtClean="0"/>
               <a:t>name=”</a:t>
             </a:r>
             <a:r>
-              <a:rPr lang="en-US" sz="1800" b="1" dirty="0" err="1" smtClean="0">
-                <a:solidFill>
-                  <a:srgbClr val="008000"/>
-                </a:solidFill>
-              </a:rPr>
-              <a:t>group_comm</a:t>
+              <a:rPr lang="en-US" sz="1800" b="1" dirty="0" smtClean="0">
+                <a:solidFill>
+                  <a:srgbClr val="0000FF"/>
+                </a:solidFill>
+              </a:rPr>
+              <a:t>offset</a:t>
             </a:r>
             <a:r>
               <a:rPr lang="en-US" sz="1800" dirty="0" smtClean="0"/>
-              <a:t>” type=“integer*8”/&gt;</a:t>
-            </a:r>
-          </a:p>
-          <a:p>
-            <a:pPr>
+              <a:t>" type="integer"/&gt;</a:t>
+            </a:r>
+          </a:p>
+          <a:p>
+            <a:pPr lvl="1">
               <a:buNone/>
             </a:pPr>
             <a:r>
@@ -24867,40 +25128,6 @@
             </a:r>
             <a:r>
               <a:rPr lang="en-US" sz="1800" dirty="0" smtClean="0"/>
-              <a:t>name="NX" type="integer"/&gt;</a:t>
-            </a:r>
-          </a:p>
-          <a:p>
-            <a:pPr>
-              <a:buNone/>
-            </a:pPr>
-            <a:r>
-              <a:rPr lang="en-US" sz="1800" dirty="0" smtClean="0"/>
-              <a:t>&lt;</a:t>
-            </a:r>
-            <a:r>
-              <a:rPr lang="en-US" sz="1800" b="1" dirty="0" err="1" smtClean="0"/>
-              <a:t>var</a:t>
-            </a:r>
-            <a:r>
-              <a:rPr lang="en-US" sz="1800" dirty="0" smtClean="0"/>
-              <a:t>name="NY" type="integer"/&gt;</a:t>
-            </a:r>
-          </a:p>
-          <a:p>
-            <a:pPr>
-              <a:buNone/>
-            </a:pPr>
-            <a:r>
-              <a:rPr lang="en-US" sz="1800" dirty="0" smtClean="0"/>
-              <a:t>&lt;</a:t>
-            </a:r>
-            <a:r>
-              <a:rPr lang="en-US" sz="1800" b="1" dirty="0" err="1" smtClean="0"/>
-              <a:t>var</a:t>
-            </a:r>
-            <a:r>
-              <a:rPr lang="en-US" sz="1800" dirty="0" smtClean="0"/>
               <a:t>name=”</a:t>
             </a:r>
             <a:r>
@@ -24909,7 +25136,7 @@
                   <a:srgbClr val="0000FF"/>
                 </a:solidFill>
               </a:rPr>
-              <a:t>offset</a:t>
+              <a:t>size</a:t>
             </a:r>
             <a:r>
               <a:rPr lang="en-US" sz="1800" dirty="0" smtClean="0"/>
@@ -24917,36 +25144,7 @@
             </a:r>
           </a:p>
           <a:p>
-            <a:pPr>
-              <a:buNone/>
-            </a:pPr>
-            <a:r>
-              <a:rPr lang="en-US" sz="1800" dirty="0" smtClean="0"/>
-              <a:t>&lt;</a:t>
-            </a:r>
-            <a:r>
-              <a:rPr lang="en-US" sz="1800" b="1" dirty="0" err="1" smtClean="0"/>
-              <a:t>var</a:t>
-            </a:r>
-            <a:r>
-              <a:rPr lang="en-US" sz="1800" dirty="0" smtClean="0"/>
-              <a:t>name=”</a:t>
-            </a:r>
-            <a:r>
-              <a:rPr lang="en-US" sz="1800" b="1" dirty="0" smtClean="0">
-                <a:solidFill>
-                  <a:srgbClr val="0000FF"/>
-                </a:solidFill>
-              </a:rPr>
-              <a:t>size</a:t>
-            </a:r>
-            <a:r>
-              <a:rPr lang="en-US" sz="1800" dirty="0" smtClean="0"/>
-              <a:t>" type="integer"/&gt;</a:t>
-            </a:r>
-          </a:p>
-          <a:p>
-            <a:pPr>
+            <a:pPr lvl="1">
               <a:lnSpc>
                 <a:spcPct val="120000"/>
               </a:lnSpc>
@@ -25014,7 +25212,7 @@
             </a:r>
           </a:p>
           <a:p>
-            <a:pPr>
+            <a:pPr lvl="1">
               <a:buNone/>
             </a:pPr>
             <a:r>
@@ -25079,7 +25277,7 @@
             </a:r>
           </a:p>
           <a:p>
-            <a:pPr>
+            <a:pPr lvl="1">
               <a:buNone/>
             </a:pPr>
             <a:r>
@@ -25144,7 +25342,7 @@
             </a:r>
           </a:p>
           <a:p>
-            <a:pPr>
+            <a:pPr lvl="1">
               <a:buNone/>
             </a:pPr>
             <a:r>
@@ -25207,6 +25405,7 @@
               <a:rPr lang="en-US" sz="1800" dirty="0" smtClean="0"/>
               <a:t>"/&gt;</a:t>
             </a:r>
+            <a:endParaRPr lang="en-US" sz="1400" dirty="0" smtClean="0"/>
           </a:p>
           <a:p>
             <a:pPr>
@@ -25449,7 +25648,7 @@
         <p:spPr>
           <a:xfrm>
             <a:off x="-76200" y="1066800"/>
-            <a:ext cx="8991600" cy="5410200"/>
+            <a:ext cx="9220200" cy="5410200"/>
           </a:xfrm>
         </p:spPr>
         <p:txBody>
@@ -25678,7 +25877,7 @@
             </a:r>
           </a:p>
           <a:p>
-            <a:pPr>
+            <a:pPr lvl="1">
               <a:lnSpc>
                 <a:spcPct val="120000"/>
               </a:lnSpc>
@@ -25753,7 +25952,7 @@
               <a:t>="</a:t>
             </a:r>
             <a:r>
-              <a:rPr lang="en-US" sz="1800" b="1" dirty="0" err="1" smtClean="0">
+              <a:rPr lang="en-US" sz="1800" dirty="0" err="1" smtClean="0">
                 <a:solidFill>
                   <a:srgbClr val="0000FF"/>
                 </a:solidFill>
@@ -25778,7 +25977,7 @@
             </a:r>
           </a:p>
           <a:p>
-            <a:pPr>
+            <a:pPr lvl="1">
               <a:lnSpc>
                 <a:spcPct val="120000"/>
               </a:lnSpc>
@@ -25826,18 +26025,26 @@
                   <a:srgbClr val="0000FF"/>
                 </a:solidFill>
               </a:rPr>
-              <a:t>="</a:t>
-            </a:r>
-            <a:r>
-              <a:rPr lang="en-US" sz="1800" b="1" dirty="0" err="1" smtClean="0">
+              <a:t>=</a:t>
+            </a:r>
+            <a:r>
+              <a:rPr lang="en-US" sz="1800" dirty="0" smtClean="0">
                 <a:solidFill>
                   <a:srgbClr val="0000FF"/>
                 </a:solidFill>
               </a:rPr>
+              <a:t>"</a:t>
+            </a:r>
+            <a:r>
+              <a:rPr lang="en-US" sz="1800" dirty="0" err="1" smtClean="0">
+                <a:solidFill>
+                  <a:srgbClr val="0000FF"/>
+                </a:solidFill>
+              </a:rPr>
               <a:t>size,NY</a:t>
             </a:r>
             <a:r>
-              <a:rPr lang="en-US" sz="1800" b="1" dirty="0" smtClean="0">
+              <a:rPr lang="en-US" sz="1800" dirty="0" smtClean="0">
                 <a:solidFill>
                   <a:srgbClr val="0000FF"/>
                 </a:solidFill>
@@ -25850,7 +26057,7 @@
             </a:r>
           </a:p>
           <a:p>
-            <a:pPr>
+            <a:pPr lvl="1">
               <a:lnSpc>
                 <a:spcPct val="120000"/>
               </a:lnSpc>
@@ -25898,18 +26105,26 @@
                   <a:srgbClr val="0000FF"/>
                 </a:solidFill>
               </a:rPr>
-              <a:t>="</a:t>
-            </a:r>
-            <a:r>
-              <a:rPr lang="en-US" sz="1800" b="1" dirty="0" err="1" smtClean="0">
+              <a:t>=</a:t>
+            </a:r>
+            <a:r>
+              <a:rPr lang="en-US" sz="1800" dirty="0" smtClean="0">
                 <a:solidFill>
                   <a:srgbClr val="0000FF"/>
                 </a:solidFill>
               </a:rPr>
+              <a:t>"</a:t>
+            </a:r>
+            <a:r>
+              <a:rPr lang="en-US" sz="1800" dirty="0" err="1" smtClean="0">
+                <a:solidFill>
+                  <a:srgbClr val="0000FF"/>
+                </a:solidFill>
+              </a:rPr>
               <a:t>size,NY</a:t>
             </a:r>
             <a:r>
-              <a:rPr lang="en-US" sz="1800" b="1" dirty="0" smtClean="0">
+              <a:rPr lang="en-US" sz="1800" dirty="0" smtClean="0">
                 <a:solidFill>
                   <a:srgbClr val="0000FF"/>
                 </a:solidFill>
@@ -25922,7 +26137,7 @@
             </a:r>
           </a:p>
           <a:p>
-            <a:pPr>
+            <a:pPr lvl="1">
               <a:lnSpc>
                 <a:spcPct val="120000"/>
               </a:lnSpc>
@@ -25970,18 +26185,26 @@
                   <a:srgbClr val="0000FF"/>
                 </a:solidFill>
               </a:rPr>
-              <a:t>="</a:t>
-            </a:r>
-            <a:r>
-              <a:rPr lang="en-US" sz="1800" b="1" dirty="0" err="1" smtClean="0">
+              <a:t>=</a:t>
+            </a:r>
+            <a:r>
+              <a:rPr lang="en-US" sz="1800" dirty="0" smtClean="0">
                 <a:solidFill>
                   <a:srgbClr val="0000FF"/>
                 </a:solidFill>
               </a:rPr>
+              <a:t>"</a:t>
+            </a:r>
+            <a:r>
+              <a:rPr lang="en-US" sz="1800" dirty="0" err="1" smtClean="0">
+                <a:solidFill>
+                  <a:srgbClr val="0000FF"/>
+                </a:solidFill>
+              </a:rPr>
               <a:t>size,NY</a:t>
             </a:r>
             <a:r>
-              <a:rPr lang="en-US" sz="1800" b="1" dirty="0" smtClean="0">
+              <a:rPr lang="en-US" sz="1800" dirty="0" smtClean="0">
                 <a:solidFill>
                   <a:srgbClr val="0000FF"/>
                 </a:solidFill>
@@ -26755,11 +26978,7 @@
             </a:r>
             <a:r>
               <a:rPr lang="en-US" dirty="0" smtClean="0"/>
-              <a:t>ne restart file per </a:t>
-            </a:r>
-            <a:r>
-              <a:rPr lang="en-US" dirty="0" smtClean="0"/>
-              <a:t>processor</a:t>
+              <a:t>ne restart file per processor</a:t>
             </a:r>
           </a:p>
           <a:p>
@@ -26883,7 +27102,7 @@
         </p:spPr>
         <p:txBody>
           <a:bodyPr>
-            <a:normAutofit fontScale="70000" lnSpcReduction="20000"/>
+            <a:normAutofit/>
           </a:bodyPr>
           <a:lstStyle/>
           <a:p>
@@ -26932,23 +27151,23 @@
             </a:r>
           </a:p>
           <a:p>
-            <a:pPr>
+            <a:pPr lvl="1">
               <a:buNone/>
             </a:pPr>
             <a:r>
-              <a:rPr lang="en-US" sz="2000" dirty="0" smtClean="0"/>
+              <a:rPr lang="en-US" sz="1600" dirty="0" smtClean="0"/>
               <a:t>&lt;</a:t>
             </a:r>
             <a:r>
-              <a:rPr lang="en-US" sz="2000" dirty="0" err="1" smtClean="0"/>
+              <a:rPr lang="en-US" sz="1600" dirty="0" err="1" smtClean="0"/>
               <a:t>var</a:t>
             </a:r>
             <a:r>
-              <a:rPr lang="en-US" sz="2000" dirty="0" smtClean="0"/>
+              <a:rPr lang="en-US" sz="1600" dirty="0" smtClean="0"/>
               <a:t> name="</a:t>
             </a:r>
             <a:r>
-              <a:rPr lang="en-US" sz="2000" dirty="0" err="1" smtClean="0">
+              <a:rPr lang="en-US" sz="1600" dirty="0" err="1" smtClean="0">
                 <a:solidFill>
                   <a:srgbClr val="FF0000"/>
                 </a:solidFill>
@@ -26956,329 +27175,329 @@
               <a:t>icomm</a:t>
             </a:r>
             <a:r>
-              <a:rPr lang="en-US" sz="2000" dirty="0" smtClean="0"/>
+              <a:rPr lang="en-US" sz="1600" dirty="0" smtClean="0"/>
               <a:t>" type="integer"/&gt;</a:t>
             </a:r>
           </a:p>
           <a:p>
-            <a:pPr>
+            <a:pPr lvl="1">
               <a:buNone/>
             </a:pPr>
             <a:r>
-              <a:rPr lang="en-US" sz="2000" dirty="0" smtClean="0"/>
+              <a:rPr lang="en-US" sz="1600" dirty="0" smtClean="0"/>
               <a:t>&lt;</a:t>
             </a:r>
             <a:r>
-              <a:rPr lang="en-US" sz="2000" dirty="0" err="1" smtClean="0"/>
+              <a:rPr lang="en-US" sz="1600" dirty="0" err="1" smtClean="0"/>
               <a:t>var</a:t>
             </a:r>
             <a:r>
-              <a:rPr lang="en-US" sz="2000" dirty="0" smtClean="0"/>
+              <a:rPr lang="en-US" sz="1600" dirty="0" smtClean="0"/>
               <a:t> name="</a:t>
             </a:r>
             <a:r>
-              <a:rPr lang="en-US" sz="2000" dirty="0" err="1" smtClean="0"/>
+              <a:rPr lang="en-US" sz="1600" dirty="0" err="1" smtClean="0"/>
               <a:t>sml_istep</a:t>
             </a:r>
             <a:r>
-              <a:rPr lang="en-US" sz="2000" dirty="0" smtClean="0"/>
+              <a:rPr lang="en-US" sz="1600" dirty="0" smtClean="0"/>
               <a:t>" type="integer"/&gt;</a:t>
             </a:r>
           </a:p>
           <a:p>
-            <a:pPr>
+            <a:pPr lvl="1">
               <a:buNone/>
             </a:pPr>
             <a:r>
-              <a:rPr lang="en-US" sz="2000" dirty="0" smtClean="0"/>
+              <a:rPr lang="en-US" sz="1600" dirty="0" smtClean="0"/>
               <a:t>&lt;</a:t>
             </a:r>
             <a:r>
-              <a:rPr lang="en-US" sz="2000" dirty="0" err="1" smtClean="0"/>
+              <a:rPr lang="en-US" sz="1600" dirty="0" err="1" smtClean="0"/>
               <a:t>var</a:t>
             </a:r>
             <a:r>
-              <a:rPr lang="en-US" sz="2000" dirty="0" smtClean="0"/>
+              <a:rPr lang="en-US" sz="1600" dirty="0" smtClean="0"/>
               <a:t> name="</a:t>
             </a:r>
             <a:r>
-              <a:rPr lang="en-US" sz="2000" dirty="0" err="1" smtClean="0"/>
+              <a:rPr lang="en-US" sz="1600" dirty="0" err="1" smtClean="0"/>
               <a:t>sml_time</a:t>
             </a:r>
             <a:r>
-              <a:rPr lang="en-US" sz="2000" dirty="0" smtClean="0"/>
+              <a:rPr lang="en-US" sz="1600" dirty="0" smtClean="0"/>
               <a:t>" type="double"/&gt;</a:t>
             </a:r>
           </a:p>
           <a:p>
-            <a:pPr>
+            <a:pPr lvl="1">
               <a:buNone/>
             </a:pPr>
             <a:r>
-              <a:rPr lang="en-US" sz="2000" dirty="0" smtClean="0"/>
+              <a:rPr lang="en-US" sz="1600" dirty="0" smtClean="0"/>
               <a:t>&lt;</a:t>
             </a:r>
             <a:r>
-              <a:rPr lang="en-US" sz="2000" dirty="0" err="1" smtClean="0"/>
+              <a:rPr lang="en-US" sz="1600" dirty="0" err="1" smtClean="0"/>
               <a:t>var</a:t>
             </a:r>
             <a:r>
-              <a:rPr lang="en-US" sz="2000" dirty="0" smtClean="0"/>
+              <a:rPr lang="en-US" sz="1600" dirty="0" smtClean="0"/>
               <a:t> name="</a:t>
             </a:r>
             <a:r>
-              <a:rPr lang="en-US" sz="2000" dirty="0" err="1" smtClean="0"/>
+              <a:rPr lang="en-US" sz="1600" dirty="0" err="1" smtClean="0"/>
               <a:t>maxnum</a:t>
             </a:r>
             <a:r>
-              <a:rPr lang="en-US" sz="2000" dirty="0" smtClean="0"/>
+              <a:rPr lang="en-US" sz="1600" dirty="0" smtClean="0"/>
               <a:t>" </a:t>
             </a:r>
             <a:r>
-              <a:rPr lang="en-US" sz="2000" dirty="0" err="1" smtClean="0"/>
+              <a:rPr lang="en-US" sz="1600" dirty="0" err="1" smtClean="0"/>
               <a:t>gname</a:t>
             </a:r>
             <a:r>
-              <a:rPr lang="en-US" sz="2000" dirty="0" smtClean="0"/>
+              <a:rPr lang="en-US" sz="1600" dirty="0" smtClean="0"/>
               <a:t>="</a:t>
             </a:r>
             <a:r>
-              <a:rPr lang="en-US" sz="2000" dirty="0" err="1" smtClean="0"/>
+              <a:rPr lang="en-US" sz="1600" dirty="0" err="1" smtClean="0"/>
               <a:t>sp%maxnum</a:t>
             </a:r>
             <a:r>
-              <a:rPr lang="en-US" sz="2000" dirty="0" smtClean="0"/>
+              <a:rPr lang="en-US" sz="1600" dirty="0" smtClean="0"/>
               <a:t>" type="integer"/&gt;</a:t>
             </a:r>
           </a:p>
           <a:p>
-            <a:pPr>
+            <a:pPr lvl="1">
               <a:buNone/>
             </a:pPr>
             <a:r>
-              <a:rPr lang="en-US" sz="2000" dirty="0" smtClean="0"/>
+              <a:rPr lang="en-US" sz="1600" dirty="0" smtClean="0"/>
               <a:t>&lt;</a:t>
             </a:r>
             <a:r>
-              <a:rPr lang="en-US" sz="2000" dirty="0" err="1" smtClean="0"/>
+              <a:rPr lang="en-US" sz="1600" dirty="0" err="1" smtClean="0"/>
               <a:t>var</a:t>
             </a:r>
             <a:r>
-              <a:rPr lang="en-US" sz="2000" dirty="0" smtClean="0"/>
+              <a:rPr lang="en-US" sz="1600" dirty="0" smtClean="0"/>
               <a:t> name="</a:t>
             </a:r>
             <a:r>
-              <a:rPr lang="en-US" sz="2000" dirty="0" err="1" smtClean="0"/>
+              <a:rPr lang="en-US" sz="1600" dirty="0" err="1" smtClean="0"/>
               <a:t>inum</a:t>
             </a:r>
             <a:r>
-              <a:rPr lang="en-US" sz="2000" dirty="0" smtClean="0"/>
+              <a:rPr lang="en-US" sz="1600" dirty="0" smtClean="0"/>
               <a:t>"    </a:t>
             </a:r>
             <a:r>
-              <a:rPr lang="en-US" sz="2000" dirty="0" err="1" smtClean="0"/>
+              <a:rPr lang="en-US" sz="1600" dirty="0" err="1" smtClean="0"/>
               <a:t>gname</a:t>
             </a:r>
             <a:r>
-              <a:rPr lang="en-US" sz="2000" dirty="0" smtClean="0"/>
+              <a:rPr lang="en-US" sz="1600" dirty="0" smtClean="0"/>
               <a:t>="</a:t>
             </a:r>
             <a:r>
-              <a:rPr lang="en-US" sz="2000" dirty="0" err="1" smtClean="0"/>
+              <a:rPr lang="en-US" sz="1600" dirty="0" err="1" smtClean="0"/>
               <a:t>sp%num</a:t>
             </a:r>
             <a:r>
-              <a:rPr lang="en-US" sz="2000" dirty="0" smtClean="0"/>
+              <a:rPr lang="en-US" sz="1600" dirty="0" smtClean="0"/>
               <a:t>" type="integer"/&gt;</a:t>
             </a:r>
           </a:p>
           <a:p>
-            <a:pPr>
+            <a:pPr lvl="1">
               <a:buNone/>
             </a:pPr>
             <a:r>
-              <a:rPr lang="en-US" sz="2000" dirty="0" smtClean="0"/>
+              <a:rPr lang="en-US" sz="1600" dirty="0" smtClean="0"/>
               <a:t>&lt;</a:t>
             </a:r>
             <a:r>
-              <a:rPr lang="en-US" sz="2000" dirty="0" err="1" smtClean="0"/>
+              <a:rPr lang="en-US" sz="1600" dirty="0" err="1" smtClean="0"/>
               <a:t>var</a:t>
             </a:r>
             <a:r>
-              <a:rPr lang="en-US" sz="2000" dirty="0" smtClean="0"/>
+              <a:rPr lang="en-US" sz="1600" dirty="0" smtClean="0"/>
               <a:t> name="</a:t>
             </a:r>
             <a:r>
-              <a:rPr lang="en-US" sz="2000" dirty="0" err="1" smtClean="0"/>
+              <a:rPr lang="en-US" sz="1600" dirty="0" err="1" smtClean="0"/>
               <a:t>inphase</a:t>
             </a:r>
             <a:r>
-              <a:rPr lang="en-US" sz="2000" dirty="0" smtClean="0"/>
+              <a:rPr lang="en-US" sz="1600" dirty="0" smtClean="0"/>
               <a:t>" </a:t>
             </a:r>
             <a:r>
-              <a:rPr lang="en-US" sz="2000" dirty="0" err="1" smtClean="0"/>
+              <a:rPr lang="en-US" sz="1600" dirty="0" err="1" smtClean="0"/>
               <a:t>gname</a:t>
             </a:r>
             <a:r>
-              <a:rPr lang="en-US" sz="2000" dirty="0" smtClean="0"/>
+              <a:rPr lang="en-US" sz="1600" dirty="0" smtClean="0"/>
               <a:t>="</a:t>
             </a:r>
             <a:r>
-              <a:rPr lang="en-US" sz="2000" dirty="0" err="1" smtClean="0"/>
+              <a:rPr lang="en-US" sz="1600" dirty="0" err="1" smtClean="0"/>
               <a:t>sp%nphase</a:t>
             </a:r>
             <a:r>
-              <a:rPr lang="en-US" sz="2000" dirty="0" smtClean="0"/>
+              <a:rPr lang="en-US" sz="1600" dirty="0" smtClean="0"/>
               <a:t>" type="integer"  /&gt;</a:t>
             </a:r>
           </a:p>
           <a:p>
-            <a:pPr>
+            <a:pPr lvl="1">
               <a:buNone/>
             </a:pPr>
             <a:r>
-              <a:rPr lang="en-US" sz="2000" dirty="0" smtClean="0"/>
+              <a:rPr lang="en-US" sz="1600" dirty="0" smtClean="0"/>
               <a:t>&lt;</a:t>
             </a:r>
             <a:r>
-              <a:rPr lang="en-US" sz="2000" dirty="0" err="1" smtClean="0"/>
+              <a:rPr lang="en-US" sz="1600" dirty="0" err="1" smtClean="0"/>
               <a:t>var</a:t>
             </a:r>
             <a:r>
-              <a:rPr lang="en-US" sz="2000" dirty="0" smtClean="0"/>
+              <a:rPr lang="en-US" sz="1600" dirty="0" smtClean="0"/>
               <a:t> name="</a:t>
             </a:r>
             <a:r>
-              <a:rPr lang="en-US" sz="2000" dirty="0" err="1" smtClean="0"/>
+              <a:rPr lang="en-US" sz="1600" dirty="0" err="1" smtClean="0"/>
               <a:t>imaxgid</a:t>
             </a:r>
             <a:r>
-              <a:rPr lang="en-US" sz="2000" dirty="0" smtClean="0"/>
+              <a:rPr lang="en-US" sz="1600" dirty="0" smtClean="0"/>
               <a:t>" </a:t>
             </a:r>
             <a:r>
-              <a:rPr lang="en-US" sz="2000" dirty="0" err="1" smtClean="0"/>
+              <a:rPr lang="en-US" sz="1600" dirty="0" err="1" smtClean="0"/>
               <a:t>gname</a:t>
             </a:r>
             <a:r>
-              <a:rPr lang="en-US" sz="2000" dirty="0" smtClean="0"/>
+              <a:rPr lang="en-US" sz="1600" dirty="0" smtClean="0"/>
               <a:t>="</a:t>
             </a:r>
             <a:r>
-              <a:rPr lang="en-US" sz="2000" dirty="0" err="1" smtClean="0"/>
+              <a:rPr lang="en-US" sz="1600" dirty="0" err="1" smtClean="0"/>
               <a:t>sp%maxgid</a:t>
             </a:r>
             <a:r>
-              <a:rPr lang="en-US" sz="2000" dirty="0" smtClean="0"/>
+              <a:rPr lang="en-US" sz="1600" dirty="0" smtClean="0"/>
               <a:t>" type="integer"/&gt;</a:t>
             </a:r>
           </a:p>
           <a:p>
-            <a:pPr>
+            <a:pPr lvl="1">
               <a:buNone/>
             </a:pPr>
             <a:r>
-              <a:rPr lang="en-US" sz="2000" dirty="0" smtClean="0"/>
+              <a:rPr lang="en-US" sz="1600" dirty="0" smtClean="0"/>
               <a:t>&lt;</a:t>
             </a:r>
             <a:r>
-              <a:rPr lang="en-US" sz="2000" dirty="0" err="1" smtClean="0"/>
+              <a:rPr lang="en-US" sz="1600" dirty="0" err="1" smtClean="0"/>
               <a:t>var</a:t>
             </a:r>
             <a:r>
-              <a:rPr lang="en-US" sz="2000" dirty="0" smtClean="0"/>
+              <a:rPr lang="en-US" sz="1600" dirty="0" smtClean="0"/>
               <a:t> name="</a:t>
             </a:r>
             <a:r>
-              <a:rPr lang="en-US" sz="2000" dirty="0" err="1" smtClean="0"/>
+              <a:rPr lang="en-US" sz="1600" dirty="0" err="1" smtClean="0"/>
               <a:t>igid</a:t>
             </a:r>
             <a:r>
-              <a:rPr lang="en-US" sz="2000" dirty="0" smtClean="0"/>
+              <a:rPr lang="en-US" sz="1600" dirty="0" smtClean="0"/>
               <a:t>"    </a:t>
             </a:r>
             <a:r>
-              <a:rPr lang="en-US" sz="2000" dirty="0" err="1" smtClean="0"/>
+              <a:rPr lang="en-US" sz="1600" dirty="0" err="1" smtClean="0"/>
               <a:t>gname</a:t>
             </a:r>
             <a:r>
-              <a:rPr lang="en-US" sz="2000" dirty="0" smtClean="0"/>
+              <a:rPr lang="en-US" sz="1600" dirty="0" smtClean="0"/>
               <a:t>="</a:t>
             </a:r>
             <a:r>
-              <a:rPr lang="en-US" sz="2000" dirty="0" err="1" smtClean="0"/>
+              <a:rPr lang="en-US" sz="1600" dirty="0" err="1" smtClean="0"/>
               <a:t>sp%gid</a:t>
             </a:r>
             <a:r>
-              <a:rPr lang="en-US" sz="2000" dirty="0" smtClean="0"/>
+              <a:rPr lang="en-US" sz="1600" dirty="0" smtClean="0"/>
               <a:t>" type="integer*8" dimensions="</a:t>
             </a:r>
             <a:r>
-              <a:rPr lang="en-US" sz="2000" dirty="0" err="1" smtClean="0"/>
+              <a:rPr lang="en-US" sz="1600" dirty="0" err="1" smtClean="0"/>
               <a:t>maxnum</a:t>
             </a:r>
             <a:r>
-              <a:rPr lang="en-US" sz="2000" dirty="0" smtClean="0"/>
+              <a:rPr lang="en-US" sz="1600" dirty="0" smtClean="0"/>
               <a:t>"/&gt;</a:t>
             </a:r>
           </a:p>
           <a:p>
-            <a:pPr>
+            <a:pPr lvl="1">
               <a:buNone/>
             </a:pPr>
             <a:r>
-              <a:rPr lang="en-US" sz="2000" dirty="0" smtClean="0"/>
+              <a:rPr lang="en-US" sz="1600" dirty="0" smtClean="0"/>
               <a:t>&lt;</a:t>
             </a:r>
             <a:r>
-              <a:rPr lang="en-US" sz="2000" dirty="0" err="1" smtClean="0"/>
+              <a:rPr lang="en-US" sz="1600" dirty="0" err="1" smtClean="0"/>
               <a:t>var</a:t>
             </a:r>
             <a:r>
-              <a:rPr lang="en-US" sz="2000" dirty="0" smtClean="0"/>
+              <a:rPr lang="en-US" sz="1600" dirty="0" smtClean="0"/>
               <a:t> name="</a:t>
             </a:r>
             <a:r>
-              <a:rPr lang="en-US" sz="2000" dirty="0" err="1" smtClean="0"/>
+              <a:rPr lang="en-US" sz="1600" dirty="0" err="1" smtClean="0"/>
               <a:t>iphase</a:t>
             </a:r>
             <a:r>
-              <a:rPr lang="en-US" sz="2000" dirty="0" smtClean="0"/>
+              <a:rPr lang="en-US" sz="1600" dirty="0" smtClean="0"/>
               <a:t>"  </a:t>
             </a:r>
             <a:r>
-              <a:rPr lang="en-US" sz="2000" dirty="0" err="1" smtClean="0"/>
+              <a:rPr lang="en-US" sz="1600" dirty="0" err="1" smtClean="0"/>
               <a:t>gname</a:t>
             </a:r>
             <a:r>
-              <a:rPr lang="en-US" sz="2000" dirty="0" smtClean="0"/>
+              <a:rPr lang="en-US" sz="1600" dirty="0" smtClean="0"/>
               <a:t>="</a:t>
             </a:r>
             <a:r>
-              <a:rPr lang="en-US" sz="2000" dirty="0" err="1" smtClean="0"/>
+              <a:rPr lang="en-US" sz="1600" dirty="0" err="1" smtClean="0"/>
               <a:t>sp%phase</a:t>
             </a:r>
             <a:r>
-              <a:rPr lang="en-US" sz="2000" dirty="0" smtClean="0"/>
+              <a:rPr lang="en-US" sz="1600" dirty="0" smtClean="0"/>
               <a:t>" type="double" dimensions="</a:t>
             </a:r>
             <a:r>
-              <a:rPr lang="en-US" sz="2000" dirty="0" err="1" smtClean="0"/>
+              <a:rPr lang="en-US" sz="1600" dirty="0" err="1" smtClean="0"/>
               <a:t>inphase,maxnum</a:t>
             </a:r>
             <a:r>
-              <a:rPr lang="en-US" sz="2000" dirty="0" smtClean="0"/>
+              <a:rPr lang="en-US" sz="1600" dirty="0" smtClean="0"/>
               <a:t>"/&gt;</a:t>
             </a:r>
           </a:p>
           <a:p>
-            <a:pPr lvl="0">
+            <a:pPr lvl="1">
               <a:buNone/>
               <a:defRPr/>
             </a:pPr>
             <a:r>
-              <a:rPr lang="en-US" sz="2000" dirty="0" smtClean="0">
+              <a:rPr lang="en-US" sz="1600" dirty="0" smtClean="0">
                 <a:solidFill>
                   <a:srgbClr val="008000"/>
                 </a:solidFill>
@@ -27286,7 +27505,7 @@
               <a:t>&lt;</a:t>
             </a:r>
             <a:r>
-              <a:rPr lang="en-US" sz="2000" dirty="0" err="1" smtClean="0">
+              <a:rPr lang="en-US" sz="1600" dirty="0" err="1" smtClean="0">
                 <a:solidFill>
                   <a:srgbClr val="008000"/>
                 </a:solidFill>
@@ -27294,7 +27513,7 @@
               <a:t>gwritesrc</a:t>
             </a:r>
             <a:r>
-              <a:rPr lang="en-US" sz="2000" dirty="0" smtClean="0">
+              <a:rPr lang="en-US" sz="1600" dirty="0" smtClean="0">
                 <a:solidFill>
                   <a:srgbClr val="008000"/>
                 </a:solidFill>
@@ -27302,7 +27521,7 @@
               <a:t>="  if(</a:t>
             </a:r>
             <a:r>
-              <a:rPr lang="en-US" sz="2000" dirty="0" err="1" smtClean="0">
+              <a:rPr lang="en-US" sz="1600" dirty="0" err="1" smtClean="0">
                 <a:solidFill>
                   <a:srgbClr val="008000"/>
                 </a:solidFill>
@@ -27310,7 +27529,7 @@
               <a:t>sml_electron_on</a:t>
             </a:r>
             <a:r>
-              <a:rPr lang="en-US" sz="2000" dirty="0" smtClean="0">
+              <a:rPr lang="en-US" sz="1600" dirty="0" smtClean="0">
                 <a:solidFill>
                   <a:srgbClr val="008000"/>
                 </a:solidFill>
@@ -27319,12 +27538,12 @@
             </a:r>
           </a:p>
           <a:p>
-            <a:pPr lvl="0">
+            <a:pPr lvl="2">
               <a:buNone/>
               <a:defRPr/>
             </a:pPr>
             <a:r>
-              <a:rPr lang="en-US" sz="2000" dirty="0" smtClean="0">
+              <a:rPr lang="en-US" sz="1200" dirty="0" smtClean="0">
                 <a:solidFill>
                   <a:srgbClr val="008000"/>
                 </a:solidFill>
@@ -27332,7 +27551,7 @@
               <a:t>&lt;</a:t>
             </a:r>
             <a:r>
-              <a:rPr lang="en-US" sz="2000" dirty="0" err="1" smtClean="0">
+              <a:rPr lang="en-US" sz="1200" dirty="0" err="1" smtClean="0">
                 <a:solidFill>
                   <a:srgbClr val="008000"/>
                 </a:solidFill>
@@ -27340,7 +27559,7 @@
               <a:t>gwritesrc</a:t>
             </a:r>
             <a:r>
-              <a:rPr lang="en-US" sz="2000" dirty="0" smtClean="0">
+              <a:rPr lang="en-US" sz="1200" dirty="0" smtClean="0">
                 <a:solidFill>
                   <a:srgbClr val="008000"/>
                 </a:solidFill>
@@ -27348,7 +27567,7 @@
               <a:t>="  sp=&gt;</a:t>
             </a:r>
             <a:r>
-              <a:rPr lang="en-US" sz="2000" dirty="0" err="1" smtClean="0">
+              <a:rPr lang="en-US" sz="1200" dirty="0" err="1" smtClean="0">
                 <a:solidFill>
                   <a:srgbClr val="008000"/>
                 </a:solidFill>
@@ -27356,7 +27575,7 @@
               <a:t>ptl%elec</a:t>
             </a:r>
             <a:r>
-              <a:rPr lang="en-US" sz="2000" dirty="0" smtClean="0">
+              <a:rPr lang="en-US" sz="1200" dirty="0" smtClean="0">
                 <a:solidFill>
                   <a:srgbClr val="008000"/>
                 </a:solidFill>
@@ -27365,238 +27584,238 @@
             </a:r>
           </a:p>
           <a:p>
-            <a:pPr lvl="0">
+            <a:pPr lvl="2">
               <a:buNone/>
               <a:defRPr/>
             </a:pPr>
             <a:r>
-              <a:rPr lang="en-US" sz="1800" dirty="0" smtClean="0"/>
+              <a:rPr lang="en-US" sz="1000" dirty="0" smtClean="0"/>
               <a:t>&lt;</a:t>
             </a:r>
             <a:r>
-              <a:rPr lang="en-US" sz="1800" dirty="0" err="1" smtClean="0"/>
+              <a:rPr lang="en-US" sz="1000" dirty="0" err="1" smtClean="0"/>
               <a:t>var</a:t>
             </a:r>
             <a:r>
-              <a:rPr lang="en-US" sz="1800" dirty="0" smtClean="0"/>
+              <a:rPr lang="en-US" sz="1000" dirty="0" smtClean="0"/>
               <a:t> name=“</a:t>
             </a:r>
             <a:r>
-              <a:rPr lang="en-US" sz="1800" dirty="0" err="1" smtClean="0"/>
+              <a:rPr lang="en-US" sz="1000" dirty="0" err="1" smtClean="0"/>
               <a:t>enum</a:t>
             </a:r>
             <a:r>
-              <a:rPr lang="en-US" sz="1800" dirty="0" smtClean="0"/>
+              <a:rPr lang="en-US" sz="1000" dirty="0" smtClean="0"/>
               <a:t>”    </a:t>
             </a:r>
             <a:r>
-              <a:rPr lang="en-US" sz="1800" dirty="0" err="1" smtClean="0"/>
+              <a:rPr lang="en-US" sz="1000" dirty="0" err="1" smtClean="0"/>
               <a:t>gname</a:t>
             </a:r>
             <a:r>
-              <a:rPr lang="en-US" sz="1800" dirty="0" smtClean="0"/>
+              <a:rPr lang="en-US" sz="1000" dirty="0" smtClean="0"/>
               <a:t>=“</a:t>
             </a:r>
             <a:r>
-              <a:rPr lang="en-US" sz="1800" dirty="0" err="1" smtClean="0"/>
+              <a:rPr lang="en-US" sz="1000" dirty="0" err="1" smtClean="0"/>
               <a:t>sp%num</a:t>
             </a:r>
             <a:r>
-              <a:rPr lang="en-US" sz="1800" dirty="0" smtClean="0"/>
+              <a:rPr lang="en-US" sz="1000" dirty="0" smtClean="0"/>
               <a:t>” type=“integer”/&gt;</a:t>
             </a:r>
           </a:p>
           <a:p>
-            <a:pPr lvl="0">
+            <a:pPr lvl="2">
               <a:buNone/>
               <a:defRPr/>
             </a:pPr>
             <a:r>
-              <a:rPr lang="en-US" sz="1800" dirty="0" smtClean="0"/>
+              <a:rPr lang="en-US" sz="1000" dirty="0" smtClean="0"/>
               <a:t>&lt;</a:t>
             </a:r>
             <a:r>
-              <a:rPr lang="en-US" sz="1800" dirty="0" err="1" smtClean="0"/>
+              <a:rPr lang="en-US" sz="1000" dirty="0" err="1" smtClean="0"/>
               <a:t>var</a:t>
             </a:r>
             <a:r>
-              <a:rPr lang="en-US" sz="1800" dirty="0" smtClean="0"/>
+              <a:rPr lang="en-US" sz="1000" dirty="0" smtClean="0"/>
               <a:t> name="</a:t>
             </a:r>
             <a:r>
-              <a:rPr lang="en-US" sz="1800" dirty="0" err="1" smtClean="0"/>
+              <a:rPr lang="en-US" sz="1000" dirty="0" err="1" smtClean="0"/>
               <a:t>emaxgid</a:t>
             </a:r>
             <a:r>
-              <a:rPr lang="en-US" sz="1800" dirty="0" smtClean="0"/>
+              <a:rPr lang="en-US" sz="1000" dirty="0" smtClean="0"/>
               <a:t>" </a:t>
             </a:r>
             <a:r>
-              <a:rPr lang="en-US" sz="1800" dirty="0" err="1" smtClean="0"/>
+              <a:rPr lang="en-US" sz="1000" dirty="0" err="1" smtClean="0"/>
               <a:t>gname</a:t>
             </a:r>
             <a:r>
-              <a:rPr lang="en-US" sz="1800" dirty="0" smtClean="0"/>
+              <a:rPr lang="en-US" sz="1000" dirty="0" smtClean="0"/>
               <a:t>="</a:t>
             </a:r>
             <a:r>
-              <a:rPr lang="en-US" sz="1800" dirty="0" err="1" smtClean="0"/>
+              <a:rPr lang="en-US" sz="1000" dirty="0" err="1" smtClean="0"/>
               <a:t>sp%maxgid</a:t>
             </a:r>
             <a:r>
-              <a:rPr lang="en-US" sz="1800" dirty="0" smtClean="0"/>
+              <a:rPr lang="en-US" sz="1000" dirty="0" smtClean="0"/>
               <a:t>" type="integer"/&gt;</a:t>
             </a:r>
           </a:p>
           <a:p>
-            <a:pPr lvl="0">
+            <a:pPr lvl="2">
               <a:buNone/>
               <a:defRPr/>
             </a:pPr>
             <a:r>
-              <a:rPr lang="en-US" sz="1800" dirty="0" smtClean="0"/>
+              <a:rPr lang="en-US" sz="1000" dirty="0" smtClean="0"/>
               <a:t>&lt;</a:t>
             </a:r>
             <a:r>
-              <a:rPr lang="en-US" sz="1800" dirty="0" err="1" smtClean="0"/>
+              <a:rPr lang="en-US" sz="1000" dirty="0" err="1" smtClean="0"/>
               <a:t>var</a:t>
             </a:r>
             <a:r>
-              <a:rPr lang="en-US" sz="1800" dirty="0" smtClean="0"/>
+              <a:rPr lang="en-US" sz="1000" dirty="0" smtClean="0"/>
               <a:t> name="</a:t>
             </a:r>
             <a:r>
-              <a:rPr lang="en-US" sz="1800" dirty="0" err="1" smtClean="0"/>
+              <a:rPr lang="en-US" sz="1000" dirty="0" err="1" smtClean="0"/>
               <a:t>enphase</a:t>
             </a:r>
             <a:r>
-              <a:rPr lang="en-US" sz="1800" dirty="0" smtClean="0"/>
+              <a:rPr lang="en-US" sz="1000" dirty="0" smtClean="0"/>
               <a:t>" </a:t>
             </a:r>
             <a:r>
-              <a:rPr lang="en-US" sz="1800" dirty="0" err="1" smtClean="0"/>
+              <a:rPr lang="en-US" sz="1000" dirty="0" err="1" smtClean="0"/>
               <a:t>gname</a:t>
             </a:r>
             <a:r>
-              <a:rPr lang="en-US" sz="1800" dirty="0" smtClean="0"/>
+              <a:rPr lang="en-US" sz="1000" dirty="0" smtClean="0"/>
               <a:t>="</a:t>
             </a:r>
             <a:r>
-              <a:rPr lang="en-US" sz="1800" dirty="0" err="1" smtClean="0"/>
+              <a:rPr lang="en-US" sz="1000" dirty="0" err="1" smtClean="0"/>
               <a:t>sp%nphase</a:t>
             </a:r>
             <a:r>
-              <a:rPr lang="en-US" sz="1800" dirty="0" smtClean="0"/>
+              <a:rPr lang="en-US" sz="1000" dirty="0" smtClean="0"/>
               <a:t>" type="integer"/&gt;</a:t>
             </a:r>
           </a:p>
           <a:p>
-            <a:pPr lvl="0">
+            <a:pPr lvl="2">
               <a:buNone/>
               <a:defRPr/>
             </a:pPr>
             <a:r>
-              <a:rPr lang="en-US" sz="1800" dirty="0" smtClean="0"/>
+              <a:rPr lang="en-US" sz="1000" dirty="0" smtClean="0"/>
               <a:t>&lt;</a:t>
             </a:r>
             <a:r>
-              <a:rPr lang="en-US" sz="1800" dirty="0" err="1" smtClean="0"/>
+              <a:rPr lang="en-US" sz="1000" dirty="0" err="1" smtClean="0"/>
               <a:t>var</a:t>
             </a:r>
             <a:r>
-              <a:rPr lang="en-US" sz="1800" dirty="0" smtClean="0"/>
+              <a:rPr lang="en-US" sz="1000" dirty="0" smtClean="0"/>
               <a:t> name="</a:t>
             </a:r>
             <a:r>
-              <a:rPr lang="en-US" sz="1800" dirty="0" err="1" smtClean="0"/>
+              <a:rPr lang="en-US" sz="1000" dirty="0" err="1" smtClean="0"/>
               <a:t>egid</a:t>
             </a:r>
             <a:r>
-              <a:rPr lang="en-US" sz="1800" dirty="0" smtClean="0"/>
+              <a:rPr lang="en-US" sz="1000" dirty="0" smtClean="0"/>
               <a:t>"    </a:t>
             </a:r>
             <a:r>
-              <a:rPr lang="en-US" sz="1800" dirty="0" err="1" smtClean="0"/>
+              <a:rPr lang="en-US" sz="1000" dirty="0" err="1" smtClean="0"/>
               <a:t>gname</a:t>
             </a:r>
             <a:r>
-              <a:rPr lang="en-US" sz="1800" dirty="0" smtClean="0"/>
+              <a:rPr lang="en-US" sz="1000" dirty="0" smtClean="0"/>
               <a:t>="</a:t>
             </a:r>
             <a:r>
-              <a:rPr lang="en-US" sz="1800" dirty="0" err="1" smtClean="0"/>
+              <a:rPr lang="en-US" sz="1000" dirty="0" err="1" smtClean="0"/>
               <a:t>sp%gid</a:t>
             </a:r>
             <a:r>
-              <a:rPr lang="en-US" sz="1800" dirty="0" smtClean="0"/>
+              <a:rPr lang="en-US" sz="1000" dirty="0" smtClean="0"/>
               <a:t>" type="integer*8" dimensions="</a:t>
             </a:r>
             <a:r>
-              <a:rPr lang="en-US" sz="1800" dirty="0" err="1" smtClean="0"/>
+              <a:rPr lang="en-US" sz="1000" dirty="0" err="1" smtClean="0"/>
               <a:t>enum</a:t>
             </a:r>
             <a:r>
-              <a:rPr lang="en-US" sz="1800" dirty="0" smtClean="0"/>
+              <a:rPr lang="en-US" sz="1000" dirty="0" smtClean="0"/>
               <a:t>"/&gt;</a:t>
             </a:r>
           </a:p>
           <a:p>
-            <a:pPr lvl="0">
+            <a:pPr lvl="2">
               <a:buNone/>
               <a:defRPr/>
             </a:pPr>
             <a:r>
-              <a:rPr lang="en-US" sz="1800" dirty="0" smtClean="0"/>
+              <a:rPr lang="en-US" sz="1000" dirty="0" smtClean="0"/>
               <a:t>&lt;</a:t>
             </a:r>
             <a:r>
-              <a:rPr lang="en-US" sz="1800" dirty="0" err="1" smtClean="0"/>
+              <a:rPr lang="en-US" sz="1000" dirty="0" err="1" smtClean="0"/>
               <a:t>var</a:t>
             </a:r>
             <a:r>
-              <a:rPr lang="en-US" sz="1800" dirty="0" smtClean="0"/>
+              <a:rPr lang="en-US" sz="1000" dirty="0" smtClean="0"/>
               <a:t> name="</a:t>
             </a:r>
             <a:r>
-              <a:rPr lang="en-US" sz="1800" dirty="0" err="1" smtClean="0"/>
+              <a:rPr lang="en-US" sz="1000" dirty="0" err="1" smtClean="0"/>
               <a:t>ephase</a:t>
             </a:r>
             <a:r>
-              <a:rPr lang="en-US" sz="1800" dirty="0" smtClean="0"/>
+              <a:rPr lang="en-US" sz="1000" dirty="0" smtClean="0"/>
               <a:t>"  </a:t>
             </a:r>
             <a:r>
-              <a:rPr lang="en-US" sz="1800" dirty="0" err="1" smtClean="0"/>
+              <a:rPr lang="en-US" sz="1000" dirty="0" err="1" smtClean="0"/>
               <a:t>gname</a:t>
             </a:r>
             <a:r>
-              <a:rPr lang="en-US" sz="1800" dirty="0" smtClean="0"/>
+              <a:rPr lang="en-US" sz="1000" dirty="0" smtClean="0"/>
               <a:t>="</a:t>
             </a:r>
             <a:r>
-              <a:rPr lang="en-US" sz="1800" dirty="0" err="1" smtClean="0"/>
+              <a:rPr lang="en-US" sz="1000" dirty="0" err="1" smtClean="0"/>
               <a:t>sp%phase</a:t>
             </a:r>
             <a:r>
-              <a:rPr lang="en-US" sz="1800" dirty="0" smtClean="0"/>
+              <a:rPr lang="en-US" sz="1000" dirty="0" smtClean="0"/>
               <a:t>" type="double" dimensions="</a:t>
             </a:r>
             <a:r>
-              <a:rPr lang="en-US" sz="1800" dirty="0" err="1" smtClean="0"/>
+              <a:rPr lang="en-US" sz="1000" dirty="0" err="1" smtClean="0"/>
               <a:t>enphase,enum</a:t>
             </a:r>
             <a:r>
-              <a:rPr lang="en-US" sz="1800" dirty="0" smtClean="0"/>
+              <a:rPr lang="en-US" sz="1000" dirty="0" smtClean="0"/>
               <a:t>"/&gt;</a:t>
             </a:r>
           </a:p>
           <a:p>
-            <a:pPr lvl="0">
+            <a:pPr lvl="1">
               <a:buNone/>
               <a:defRPr/>
             </a:pPr>
             <a:r>
-              <a:rPr lang="en-US" sz="2000" dirty="0" smtClean="0">
+              <a:rPr lang="en-US" sz="1600" dirty="0" smtClean="0">
                 <a:solidFill>
                   <a:srgbClr val="008000"/>
                 </a:solidFill>
@@ -27604,7 +27823,7 @@
               <a:t>&lt;</a:t>
             </a:r>
             <a:r>
-              <a:rPr lang="en-US" sz="2000" dirty="0" err="1" smtClean="0">
+              <a:rPr lang="en-US" sz="1600" dirty="0" err="1" smtClean="0">
                 <a:solidFill>
                   <a:srgbClr val="008000"/>
                 </a:solidFill>
@@ -27612,7 +27831,7 @@
               <a:t>gwritesrc</a:t>
             </a:r>
             <a:r>
-              <a:rPr lang="en-US" sz="2000" dirty="0" smtClean="0">
+              <a:rPr lang="en-US" sz="1600" dirty="0" smtClean="0">
                 <a:solidFill>
                   <a:srgbClr val="008000"/>
                 </a:solidFill>
@@ -27620,7 +27839,7 @@
               <a:t>="  </a:t>
             </a:r>
             <a:r>
-              <a:rPr lang="en-US" sz="2000" dirty="0" err="1" smtClean="0">
+              <a:rPr lang="en-US" sz="1600" dirty="0" err="1" smtClean="0">
                 <a:solidFill>
                   <a:srgbClr val="008000"/>
                 </a:solidFill>
@@ -27628,7 +27847,7 @@
               <a:t>endif</a:t>
             </a:r>
             <a:r>
-              <a:rPr lang="en-US" sz="2000" dirty="0" smtClean="0">
+              <a:rPr lang="en-US" sz="1600" dirty="0" smtClean="0">
                 <a:solidFill>
                   <a:srgbClr val="008000"/>
                 </a:solidFill>
@@ -28635,7 +28854,7 @@
         </p:spPr>
         <p:txBody>
           <a:bodyPr>
-            <a:normAutofit fontScale="70000" lnSpcReduction="20000"/>
+            <a:normAutofit lnSpcReduction="10000"/>
           </a:bodyPr>
           <a:lstStyle/>
           <a:p>
@@ -28668,15 +28887,15 @@
             </a:r>
           </a:p>
           <a:p>
-            <a:pPr>
+            <a:pPr lvl="1">
               <a:buNone/>
             </a:pPr>
             <a:r>
-              <a:rPr lang="en-US" sz="2000" dirty="0" smtClean="0"/>
+              <a:rPr lang="en-US" sz="1600" dirty="0" smtClean="0"/>
               <a:t>&lt;</a:t>
             </a:r>
             <a:r>
-              <a:rPr lang="en-US" sz="2000" dirty="0" err="1" smtClean="0">
+              <a:rPr lang="en-US" sz="1600" dirty="0" err="1" smtClean="0">
                 <a:solidFill>
                   <a:srgbClr val="3366FF"/>
                 </a:solidFill>
@@ -28684,11 +28903,11 @@
               <a:t>var</a:t>
             </a:r>
             <a:r>
-              <a:rPr lang="en-US" sz="2000" dirty="0" smtClean="0"/>
+              <a:rPr lang="en-US" sz="1600" dirty="0" smtClean="0"/>
               <a:t>name="</a:t>
             </a:r>
             <a:r>
-              <a:rPr lang="en-US" sz="2000" b="1" dirty="0" err="1" smtClean="0">
+              <a:rPr lang="en-US" sz="1600" b="1" dirty="0" err="1" smtClean="0">
                 <a:solidFill>
                   <a:srgbClr val="FF0000"/>
                 </a:solidFill>
@@ -28696,20 +28915,20 @@
               <a:t>n_n</a:t>
             </a:r>
             <a:r>
-              <a:rPr lang="en-US" sz="2000" dirty="0" smtClean="0"/>
+              <a:rPr lang="en-US" sz="1600" dirty="0" smtClean="0"/>
               <a:t>" type="integer"  /&gt;</a:t>
             </a:r>
           </a:p>
           <a:p>
-            <a:pPr>
+            <a:pPr lvl="1">
               <a:buNone/>
             </a:pPr>
             <a:r>
-              <a:rPr lang="en-US" sz="2000" dirty="0" smtClean="0"/>
+              <a:rPr lang="en-US" sz="1600" dirty="0" smtClean="0"/>
               <a:t>&lt;</a:t>
             </a:r>
             <a:r>
-              <a:rPr lang="en-US" sz="2000" dirty="0" err="1" smtClean="0">
+              <a:rPr lang="en-US" sz="1600" dirty="0" err="1" smtClean="0">
                 <a:solidFill>
                   <a:srgbClr val="3366FF"/>
                 </a:solidFill>
@@ -28717,28 +28936,28 @@
               <a:t>var</a:t>
             </a:r>
             <a:r>
-              <a:rPr lang="en-US" sz="2000" dirty="0" smtClean="0"/>
+              <a:rPr lang="en-US" sz="1600" dirty="0" smtClean="0"/>
               <a:t>name="</a:t>
             </a:r>
             <a:r>
-              <a:rPr lang="en-US" sz="2000" dirty="0" err="1" smtClean="0"/>
+              <a:rPr lang="en-US" sz="1600" dirty="0" err="1" smtClean="0"/>
               <a:t>n_t</a:t>
             </a:r>
             <a:r>
-              <a:rPr lang="en-US" sz="2000" dirty="0" smtClean="0"/>
+              <a:rPr lang="en-US" sz="1600" dirty="0" smtClean="0"/>
               <a:t>" type="integer"  /&gt;</a:t>
             </a:r>
           </a:p>
           <a:p>
-            <a:pPr>
+            <a:pPr lvl="1">
               <a:buNone/>
             </a:pPr>
             <a:r>
-              <a:rPr lang="en-US" sz="2000" dirty="0" smtClean="0"/>
+              <a:rPr lang="en-US" sz="1600" dirty="0" smtClean="0"/>
               <a:t>&lt;</a:t>
             </a:r>
             <a:r>
-              <a:rPr lang="en-US" sz="2000" dirty="0" err="1" smtClean="0">
+              <a:rPr lang="en-US" sz="1600" dirty="0" err="1" smtClean="0">
                 <a:solidFill>
                   <a:srgbClr val="3366FF"/>
                 </a:solidFill>
@@ -28746,28 +28965,28 @@
               <a:t>var</a:t>
             </a:r>
             <a:r>
-              <a:rPr lang="en-US" sz="2000" dirty="0" smtClean="0"/>
+              <a:rPr lang="en-US" sz="1600" dirty="0" smtClean="0"/>
               <a:t>name="</a:t>
             </a:r>
             <a:r>
-              <a:rPr lang="en-US" sz="2000" dirty="0" err="1" smtClean="0"/>
+              <a:rPr lang="en-US" sz="1600" dirty="0" err="1" smtClean="0"/>
               <a:t>n_psi</a:t>
             </a:r>
             <a:r>
-              <a:rPr lang="en-US" sz="2000" dirty="0" smtClean="0"/>
+              <a:rPr lang="en-US" sz="1600" dirty="0" smtClean="0"/>
               <a:t>" type="integer"  /&gt;</a:t>
             </a:r>
           </a:p>
           <a:p>
-            <a:pPr>
+            <a:pPr lvl="1">
               <a:buNone/>
             </a:pPr>
             <a:r>
-              <a:rPr lang="en-US" sz="2000" dirty="0" smtClean="0"/>
+              <a:rPr lang="en-US" sz="1600" dirty="0" smtClean="0"/>
               <a:t>&lt;</a:t>
             </a:r>
             <a:r>
-              <a:rPr lang="en-US" sz="2000" dirty="0" err="1" smtClean="0">
+              <a:rPr lang="en-US" sz="1600" dirty="0" err="1" smtClean="0">
                 <a:solidFill>
                   <a:srgbClr val="3366FF"/>
                 </a:solidFill>
@@ -28775,45 +28994,45 @@
               <a:t>var</a:t>
             </a:r>
             <a:r>
-              <a:rPr lang="en-US" sz="2000" dirty="0" smtClean="0"/>
+              <a:rPr lang="en-US" sz="1600" dirty="0" smtClean="0"/>
               <a:t>name="values" </a:t>
             </a:r>
             <a:r>
-              <a:rPr lang="en-US" sz="2000" dirty="0" err="1" smtClean="0"/>
+              <a:rPr lang="en-US" sz="1600" dirty="0" err="1" smtClean="0"/>
               <a:t>gname</a:t>
             </a:r>
             <a:r>
-              <a:rPr lang="en-US" sz="2000" dirty="0" smtClean="0"/>
+              <a:rPr lang="en-US" sz="1600" dirty="0" smtClean="0"/>
               <a:t>="</a:t>
             </a:r>
             <a:r>
-              <a:rPr lang="en-US" sz="2000" dirty="0" err="1" smtClean="0"/>
+              <a:rPr lang="en-US" sz="1600" dirty="0" err="1" smtClean="0"/>
               <a:t>coord</a:t>
             </a:r>
             <a:r>
-              <a:rPr lang="en-US" sz="2000" dirty="0" smtClean="0"/>
+              <a:rPr lang="en-US" sz="1600" dirty="0" smtClean="0"/>
               <a:t>" type="float*8" </a:t>
             </a:r>
           </a:p>
           <a:p>
-            <a:pPr>
+            <a:pPr lvl="1">
               <a:buNone/>
             </a:pPr>
             <a:r>
-              <a:rPr lang="en-US" sz="2000" dirty="0" smtClean="0"/>
+              <a:rPr lang="en-US" sz="1600" dirty="0" smtClean="0"/>
               <a:t>        path="/coordinates/" dimensions="2,n_n"/&gt;</a:t>
             </a:r>
           </a:p>
           <a:p>
-            <a:pPr>
+            <a:pPr lvl="1">
               <a:buNone/>
             </a:pPr>
             <a:r>
-              <a:rPr lang="en-US" sz="2000" dirty="0" smtClean="0"/>
+              <a:rPr lang="en-US" sz="1600" dirty="0" smtClean="0"/>
               <a:t>&lt;</a:t>
             </a:r>
             <a:r>
-              <a:rPr lang="en-US" sz="2000" dirty="0" err="1" smtClean="0">
+              <a:rPr lang="en-US" sz="1600" dirty="0" err="1" smtClean="0">
                 <a:solidFill>
                   <a:srgbClr val="3366FF"/>
                 </a:solidFill>
@@ -28821,53 +29040,53 @@
               <a:t>var</a:t>
             </a:r>
             <a:r>
-              <a:rPr lang="en-US" sz="2000" dirty="0" smtClean="0"/>
+              <a:rPr lang="en-US" sz="1600" dirty="0" smtClean="0"/>
               <a:t>name="</a:t>
             </a:r>
             <a:r>
-              <a:rPr lang="en-US" sz="2000" dirty="0" err="1" smtClean="0"/>
+              <a:rPr lang="en-US" sz="1600" dirty="0" err="1" smtClean="0"/>
               <a:t>node_connect_list</a:t>
             </a:r>
             <a:r>
-              <a:rPr lang="en-US" sz="2000" dirty="0" smtClean="0"/>
+              <a:rPr lang="en-US" sz="1600" dirty="0" smtClean="0"/>
               <a:t>" </a:t>
             </a:r>
             <a:r>
-              <a:rPr lang="en-US" sz="2000" dirty="0" err="1" smtClean="0"/>
+              <a:rPr lang="en-US" sz="1600" dirty="0" err="1" smtClean="0"/>
               <a:t>gname</a:t>
             </a:r>
             <a:r>
-              <a:rPr lang="en-US" sz="2000" dirty="0" smtClean="0"/>
+              <a:rPr lang="en-US" sz="1600" dirty="0" smtClean="0"/>
               <a:t>="</a:t>
             </a:r>
             <a:r>
-              <a:rPr lang="en-US" sz="2000" dirty="0" err="1" smtClean="0"/>
+              <a:rPr lang="en-US" sz="1600" dirty="0" err="1" smtClean="0"/>
               <a:t>nodeid</a:t>
             </a:r>
             <a:r>
-              <a:rPr lang="en-US" sz="2000" dirty="0" smtClean="0"/>
+              <a:rPr lang="en-US" sz="1600" dirty="0" smtClean="0"/>
               <a:t>” type="integer"  </a:t>
             </a:r>
           </a:p>
           <a:p>
-            <a:pPr>
+            <a:pPr lvl="1">
               <a:buNone/>
             </a:pPr>
             <a:r>
-              <a:rPr lang="en-US" sz="2000" dirty="0" smtClean="0"/>
+              <a:rPr lang="en-US" sz="1600" dirty="0" smtClean="0"/>
               <a:t>        path="cell_set[0]" dimensions="3,n_t" /&gt;</a:t>
             </a:r>
           </a:p>
           <a:p>
-            <a:pPr>
+            <a:pPr lvl="1">
               <a:buNone/>
             </a:pPr>
             <a:r>
-              <a:rPr lang="en-US" sz="2000" dirty="0" smtClean="0"/>
+              <a:rPr lang="en-US" sz="1600" dirty="0" smtClean="0"/>
               <a:t>&lt;</a:t>
             </a:r>
             <a:r>
-              <a:rPr lang="en-US" sz="2000" dirty="0" err="1" smtClean="0">
+              <a:rPr lang="en-US" sz="1600" dirty="0" err="1" smtClean="0">
                 <a:solidFill>
                   <a:srgbClr val="3366FF"/>
                 </a:solidFill>
@@ -28875,61 +29094,61 @@
               <a:t>var</a:t>
             </a:r>
             <a:r>
-              <a:rPr lang="en-US" sz="2000" dirty="0" smtClean="0"/>
+              <a:rPr lang="en-US" sz="1600" dirty="0" smtClean="0"/>
               <a:t>name="</a:t>
             </a:r>
             <a:r>
-              <a:rPr lang="en-US" sz="2000" dirty="0" err="1" smtClean="0"/>
+              <a:rPr lang="en-US" sz="1600" dirty="0" err="1" smtClean="0"/>
               <a:t>nextnode</a:t>
             </a:r>
             <a:r>
-              <a:rPr lang="en-US" sz="2000" dirty="0" smtClean="0"/>
+              <a:rPr lang="en-US" sz="1600" dirty="0" smtClean="0"/>
               <a:t>" </a:t>
             </a:r>
             <a:r>
-              <a:rPr lang="en-US" sz="2000" dirty="0" err="1" smtClean="0"/>
+              <a:rPr lang="en-US" sz="1600" dirty="0" err="1" smtClean="0"/>
               <a:t>gname</a:t>
             </a:r>
             <a:r>
-              <a:rPr lang="en-US" sz="2000" dirty="0" smtClean="0"/>
+              <a:rPr lang="en-US" sz="1600" dirty="0" smtClean="0"/>
               <a:t>="</a:t>
             </a:r>
             <a:r>
-              <a:rPr lang="en-US" sz="2000" dirty="0" err="1" smtClean="0"/>
+              <a:rPr lang="en-US" sz="1600" dirty="0" err="1" smtClean="0"/>
               <a:t>nextn</a:t>
             </a:r>
             <a:r>
-              <a:rPr lang="en-US" sz="2000" dirty="0" smtClean="0"/>
+              <a:rPr lang="en-US" sz="1600" dirty="0" smtClean="0"/>
               <a:t>” type="integer" </a:t>
             </a:r>
           </a:p>
           <a:p>
-            <a:pPr>
+            <a:pPr lvl="1">
               <a:buNone/>
             </a:pPr>
             <a:r>
-              <a:rPr lang="en-US" sz="2000" dirty="0" smtClean="0"/>
+              <a:rPr lang="en-US" sz="1600" dirty="0" smtClean="0"/>
               <a:t>        dimensions="</a:t>
             </a:r>
             <a:r>
-              <a:rPr lang="en-US" sz="2000" dirty="0" err="1" smtClean="0"/>
+              <a:rPr lang="en-US" sz="1600" dirty="0" err="1" smtClean="0"/>
               <a:t>n_n</a:t>
             </a:r>
             <a:r>
-              <a:rPr lang="en-US" sz="2000" dirty="0" smtClean="0"/>
+              <a:rPr lang="en-US" sz="1600" dirty="0" smtClean="0"/>
               <a:t>"/&gt;</a:t>
             </a:r>
           </a:p>
           <a:p>
-            <a:pPr>
+            <a:pPr lvl="1">
               <a:buNone/>
             </a:pPr>
             <a:r>
-              <a:rPr lang="en-US" sz="2000" dirty="0" smtClean="0"/>
+              <a:rPr lang="en-US" sz="1600" dirty="0" smtClean="0"/>
               <a:t>&lt;</a:t>
             </a:r>
             <a:r>
-              <a:rPr lang="en-US" sz="2000" dirty="0" err="1" smtClean="0">
+              <a:rPr lang="en-US" sz="1600" dirty="0" err="1" smtClean="0">
                 <a:solidFill>
                   <a:srgbClr val="3366FF"/>
                 </a:solidFill>
@@ -28937,45 +29156,45 @@
               <a:t>var</a:t>
             </a:r>
             <a:r>
-              <a:rPr lang="en-US" sz="2000" dirty="0" smtClean="0"/>
+              <a:rPr lang="en-US" sz="1600" dirty="0" smtClean="0"/>
               <a:t>name="itheta0" </a:t>
             </a:r>
             <a:r>
-              <a:rPr lang="en-US" sz="2000" dirty="0" err="1" smtClean="0"/>
+              <a:rPr lang="en-US" sz="1600" dirty="0" err="1" smtClean="0"/>
               <a:t>gname</a:t>
             </a:r>
             <a:r>
-              <a:rPr lang="en-US" sz="2000" dirty="0" smtClean="0"/>
+              <a:rPr lang="en-US" sz="1600" dirty="0" smtClean="0"/>
               <a:t>="n_itheta0" type="integer" </a:t>
             </a:r>
           </a:p>
           <a:p>
-            <a:pPr>
+            <a:pPr lvl="1">
               <a:buNone/>
             </a:pPr>
             <a:r>
-              <a:rPr lang="en-US" sz="2000" dirty="0" smtClean="0"/>
+              <a:rPr lang="en-US" sz="1600" dirty="0" smtClean="0"/>
               <a:t>        dimensions="</a:t>
             </a:r>
             <a:r>
-              <a:rPr lang="en-US" sz="2000" dirty="0" err="1" smtClean="0"/>
+              <a:rPr lang="en-US" sz="1600" dirty="0" err="1" smtClean="0"/>
               <a:t>n_psi</a:t>
             </a:r>
             <a:r>
-              <a:rPr lang="en-US" sz="2000" dirty="0" smtClean="0"/>
+              <a:rPr lang="en-US" sz="1600" dirty="0" smtClean="0"/>
               <a:t>"/&gt;</a:t>
             </a:r>
           </a:p>
           <a:p>
-            <a:pPr>
+            <a:pPr lvl="1">
               <a:buNone/>
             </a:pPr>
             <a:r>
-              <a:rPr lang="en-US" sz="2000" dirty="0" smtClean="0"/>
+              <a:rPr lang="en-US" sz="1600" dirty="0" smtClean="0"/>
               <a:t>&lt;</a:t>
             </a:r>
             <a:r>
-              <a:rPr lang="en-US" sz="2000" dirty="0" smtClean="0">
+              <a:rPr lang="en-US" sz="1600" dirty="0" smtClean="0">
                 <a:solidFill>
                   <a:srgbClr val="008000"/>
                 </a:solidFill>
@@ -28983,19 +29202,19 @@
               <a:t>attribute </a:t>
             </a:r>
             <a:r>
-              <a:rPr lang="en-US" sz="2000" dirty="0" smtClean="0"/>
+              <a:rPr lang="en-US" sz="1600" dirty="0" smtClean="0"/>
               <a:t>name="</a:t>
             </a:r>
             <a:r>
-              <a:rPr lang="en-US" sz="2000" dirty="0" err="1" smtClean="0"/>
+              <a:rPr lang="en-US" sz="1600" dirty="0" err="1" smtClean="0"/>
               <a:t>nnodes</a:t>
             </a:r>
             <a:r>
-              <a:rPr lang="en-US" sz="2000" dirty="0" smtClean="0"/>
+              <a:rPr lang="en-US" sz="1600" dirty="0" smtClean="0"/>
               <a:t>" path="/" </a:t>
             </a:r>
             <a:r>
-              <a:rPr lang="en-US" sz="2000" b="1" dirty="0" err="1" smtClean="0">
+              <a:rPr lang="en-US" sz="1600" b="1" dirty="0" err="1" smtClean="0">
                 <a:solidFill>
                   <a:srgbClr val="FF0000"/>
                 </a:solidFill>
@@ -29003,7 +29222,7 @@
               <a:t>var</a:t>
             </a:r>
             <a:r>
-              <a:rPr lang="en-US" sz="2000" dirty="0" smtClean="0">
+              <a:rPr lang="en-US" sz="1600" dirty="0" smtClean="0">
                 <a:solidFill>
                   <a:srgbClr val="FF0000"/>
                 </a:solidFill>
@@ -29011,7 +29230,7 @@
               <a:t>="</a:t>
             </a:r>
             <a:r>
-              <a:rPr lang="en-US" sz="2000" b="1" dirty="0" err="1" smtClean="0">
+              <a:rPr lang="en-US" sz="1600" b="1" dirty="0" err="1" smtClean="0">
                 <a:solidFill>
                   <a:srgbClr val="FF0000"/>
                 </a:solidFill>
@@ -29019,7 +29238,7 @@
               <a:t>n_n</a:t>
             </a:r>
             <a:r>
-              <a:rPr lang="en-US" sz="2000" dirty="0" smtClean="0">
+              <a:rPr lang="en-US" sz="1600" dirty="0" smtClean="0">
                 <a:solidFill>
                   <a:srgbClr val="FF0000"/>
                 </a:solidFill>
@@ -29027,20 +29246,20 @@
               <a:t>" </a:t>
             </a:r>
             <a:r>
-              <a:rPr lang="en-US" sz="2000" dirty="0" smtClean="0"/>
+              <a:rPr lang="en-US" sz="1600" dirty="0" smtClean="0"/>
               <a:t>type="integer"/&gt;</a:t>
             </a:r>
           </a:p>
           <a:p>
-            <a:pPr>
+            <a:pPr lvl="1">
               <a:buNone/>
             </a:pPr>
             <a:r>
-              <a:rPr lang="en-US" sz="2000" dirty="0" smtClean="0"/>
+              <a:rPr lang="en-US" sz="1600" dirty="0" smtClean="0"/>
               <a:t>&lt;</a:t>
             </a:r>
             <a:r>
-              <a:rPr lang="en-US" sz="2000" dirty="0" smtClean="0">
+              <a:rPr lang="en-US" sz="1600" dirty="0" smtClean="0">
                 <a:solidFill>
                   <a:srgbClr val="008000"/>
                 </a:solidFill>
@@ -29048,28 +29267,28 @@
               <a:t>attribute </a:t>
             </a:r>
             <a:r>
-              <a:rPr lang="en-US" sz="2000" dirty="0" smtClean="0"/>
+              <a:rPr lang="en-US" sz="1600" dirty="0" smtClean="0"/>
               <a:t>name="</a:t>
             </a:r>
             <a:r>
-              <a:rPr lang="en-US" sz="2000" dirty="0" err="1" smtClean="0"/>
+              <a:rPr lang="en-US" sz="1600" dirty="0" err="1" smtClean="0"/>
               <a:t>nspace</a:t>
             </a:r>
             <a:r>
-              <a:rPr lang="en-US" sz="2000" dirty="0" smtClean="0"/>
+              <a:rPr lang="en-US" sz="1600" dirty="0" smtClean="0"/>
               <a:t>" path="/" value="2" /&gt;</a:t>
             </a:r>
           </a:p>
           <a:p>
-            <a:pPr>
+            <a:pPr lvl="1">
               <a:buNone/>
             </a:pPr>
             <a:r>
-              <a:rPr lang="en-US" sz="2000" dirty="0" smtClean="0"/>
+              <a:rPr lang="en-US" sz="1600" dirty="0" smtClean="0"/>
               <a:t>&lt;</a:t>
             </a:r>
             <a:r>
-              <a:rPr lang="en-US" sz="2000" dirty="0" smtClean="0">
+              <a:rPr lang="en-US" sz="1600" dirty="0" smtClean="0">
                 <a:solidFill>
                   <a:srgbClr val="008000"/>
                 </a:solidFill>
@@ -29077,28 +29296,28 @@
               <a:t>attribute </a:t>
             </a:r>
             <a:r>
-              <a:rPr lang="en-US" sz="2000" dirty="0" smtClean="0"/>
+              <a:rPr lang="en-US" sz="1600" dirty="0" smtClean="0"/>
               <a:t>name="</a:t>
             </a:r>
             <a:r>
-              <a:rPr lang="en-US" sz="2000" dirty="0" err="1" smtClean="0"/>
+              <a:rPr lang="en-US" sz="1600" dirty="0" err="1" smtClean="0"/>
               <a:t>ncell_sets</a:t>
             </a:r>
             <a:r>
-              <a:rPr lang="en-US" sz="2000" dirty="0" smtClean="0"/>
+              <a:rPr lang="en-US" sz="1600" dirty="0" smtClean="0"/>
               <a:t>" path="/" value="1" /&gt;</a:t>
             </a:r>
           </a:p>
           <a:p>
-            <a:pPr>
+            <a:pPr lvl="1">
               <a:buNone/>
             </a:pPr>
             <a:r>
-              <a:rPr lang="en-US" sz="2000" dirty="0" smtClean="0"/>
+              <a:rPr lang="en-US" sz="1600" dirty="0" smtClean="0"/>
               <a:t>&lt;</a:t>
             </a:r>
             <a:r>
-              <a:rPr lang="en-US" sz="2000" dirty="0" smtClean="0">
+              <a:rPr lang="en-US" sz="1600" dirty="0" smtClean="0">
                 <a:solidFill>
                   <a:srgbClr val="008000"/>
                 </a:solidFill>
@@ -29106,20 +29325,20 @@
               <a:t>attribute </a:t>
             </a:r>
             <a:r>
-              <a:rPr lang="en-US" sz="2000" dirty="0" smtClean="0"/>
+              <a:rPr lang="en-US" sz="1600" dirty="0" smtClean="0"/>
               <a:t>name="XP_CLASS" path="/" value="Mesh" /&gt;</a:t>
             </a:r>
           </a:p>
           <a:p>
-            <a:pPr>
+            <a:pPr lvl="1">
               <a:buNone/>
             </a:pPr>
             <a:r>
-              <a:rPr lang="en-US" sz="2000" dirty="0" smtClean="0"/>
+              <a:rPr lang="en-US" sz="1600" dirty="0" smtClean="0"/>
               <a:t>&lt;</a:t>
             </a:r>
             <a:r>
-              <a:rPr lang="en-US" sz="2000" dirty="0" smtClean="0">
+              <a:rPr lang="en-US" sz="1600" dirty="0" smtClean="0">
                 <a:solidFill>
                   <a:srgbClr val="008000"/>
                 </a:solidFill>
@@ -29127,23 +29346,23 @@
               <a:t>attribute </a:t>
             </a:r>
             <a:r>
-              <a:rPr lang="en-US" sz="2000" dirty="0" smtClean="0"/>
+              <a:rPr lang="en-US" sz="1600" dirty="0" smtClean="0"/>
               <a:t>name="</a:t>
             </a:r>
             <a:r>
-              <a:rPr lang="en-US" sz="2000" dirty="0" err="1" smtClean="0"/>
+              <a:rPr lang="en-US" sz="1600" dirty="0" err="1" smtClean="0"/>
               <a:t>cell_name</a:t>
             </a:r>
             <a:r>
-              <a:rPr lang="en-US" sz="2000" dirty="0" smtClean="0"/>
+              <a:rPr lang="en-US" sz="1600" dirty="0" smtClean="0"/>
               <a:t>" path="/</a:t>
             </a:r>
             <a:r>
-              <a:rPr lang="en-US" sz="2000" dirty="0" err="1" smtClean="0"/>
+              <a:rPr lang="en-US" sz="1600" dirty="0" err="1" smtClean="0"/>
               <a:t>cell_set</a:t>
             </a:r>
             <a:r>
-              <a:rPr lang="en-US" sz="2000" dirty="0" smtClean="0"/>
+              <a:rPr lang="en-US" sz="1600" dirty="0" smtClean="0"/>
               <a:t>[0]/" value="Tri" /&gt;</a:t>
             </a:r>
           </a:p>
@@ -29464,7 +29683,7 @@
         </p:spPr>
         <p:txBody>
           <a:bodyPr>
-            <a:normAutofit fontScale="85000" lnSpcReduction="10000"/>
+            <a:normAutofit/>
           </a:bodyPr>
           <a:lstStyle/>
           <a:p>
@@ -29548,6 +29767,7 @@
               <a:rPr lang="en-US" sz="1800" dirty="0" smtClean="0"/>
               <a:t>)</a:t>
             </a:r>
+            <a:endParaRPr lang="en-US" sz="1800" dirty="0" smtClean="0"/>
           </a:p>
           <a:p>
             <a:pPr>
@@ -29555,24 +29775,96 @@
             </a:pPr>
             <a:r>
               <a:rPr lang="en-US" sz="1800" dirty="0" smtClean="0"/>
-              <a:t>  call </a:t>
+              <a:t>! </a:t>
+            </a:r>
+            <a:r>
+              <a:rPr lang="en-US" sz="1800" dirty="0" smtClean="0"/>
+              <a:t>define </a:t>
             </a:r>
             <a:r>
               <a:rPr lang="en-US" sz="1800" dirty="0" err="1" smtClean="0"/>
-              <a:t>check_err(iret</a:t>
+              <a:t>netCDF</a:t>
+            </a:r>
+            <a:r>
+              <a:rPr lang="en-US" sz="1800" dirty="0" smtClean="0"/>
+              <a:t> dimensions</a:t>
+            </a:r>
+          </a:p>
+          <a:p>
+            <a:pPr>
+              <a:buNone/>
+            </a:pPr>
+            <a:r>
+              <a:rPr lang="en-US" sz="1800" dirty="0" err="1" smtClean="0"/>
+              <a:t>iret</a:t>
+            </a:r>
+            <a:r>
+              <a:rPr lang="en-US" sz="1800" dirty="0" smtClean="0"/>
+              <a:t> = nf90_def_dim(diag_flow_ncfileid, 'samples', </a:t>
+            </a:r>
+            <a:r>
+              <a:rPr lang="en-US" sz="1800" dirty="0" err="1" smtClean="0"/>
+              <a:t>diag_flow_npsi</a:t>
+            </a:r>
+            <a:r>
+              <a:rPr lang="en-US" sz="1800" dirty="0" smtClean="0"/>
+              <a:t>, </a:t>
+            </a:r>
+            <a:r>
+              <a:rPr lang="en-US" sz="1800" dirty="0" err="1" smtClean="0"/>
+              <a:t>diag_psi_ncdim</a:t>
             </a:r>
             <a:r>
               <a:rPr lang="en-US" sz="1800" dirty="0" smtClean="0"/>
               <a:t>)</a:t>
             </a:r>
+            <a:endParaRPr lang="en-US" sz="1800" dirty="0" smtClean="0"/>
           </a:p>
           <a:p>
             <a:pPr>
               <a:buNone/>
             </a:pPr>
             <a:r>
+              <a:rPr lang="en-US" sz="1800" dirty="0" err="1" smtClean="0"/>
+              <a:t>iret</a:t>
+            </a:r>
+            <a:r>
               <a:rPr lang="en-US" sz="1800" dirty="0" smtClean="0"/>
-              <a:t>  ! define </a:t>
+              <a:t> </a:t>
+            </a:r>
+            <a:r>
+              <a:rPr lang="en-US" sz="1800" dirty="0" smtClean="0"/>
+              <a:t>= nf90_def_dim(diag_flow_ncfileid, '</a:t>
+            </a:r>
+            <a:r>
+              <a:rPr lang="en-US" sz="1800" dirty="0" err="1" smtClean="0"/>
+              <a:t>timesteps</a:t>
+            </a:r>
+            <a:r>
+              <a:rPr lang="en-US" sz="1800" dirty="0" smtClean="0"/>
+              <a:t>', NF90_UNLIMITED, </a:t>
+            </a:r>
+            <a:r>
+              <a:rPr lang="en-US" sz="1800" dirty="0" err="1" smtClean="0"/>
+              <a:t>diag_time_ncdim</a:t>
+            </a:r>
+            <a:r>
+              <a:rPr lang="en-US" sz="1800" dirty="0" smtClean="0"/>
+              <a:t>)</a:t>
+            </a:r>
+            <a:endParaRPr lang="en-US" sz="1800" dirty="0" smtClean="0"/>
+          </a:p>
+          <a:p>
+            <a:pPr>
+              <a:buNone/>
+            </a:pPr>
+            <a:r>
+              <a:rPr lang="en-US" sz="1800" dirty="0" smtClean="0"/>
+              <a:t>! </a:t>
+            </a:r>
+            <a:r>
+              <a:rPr lang="en-US" sz="1800" dirty="0" smtClean="0"/>
+              <a:t>define </a:t>
             </a:r>
             <a:r>
               <a:rPr lang="en-US" sz="1800" dirty="0" err="1" smtClean="0"/>
@@ -29580,7 +29872,7 @@
             </a:r>
             <a:r>
               <a:rPr lang="en-US" sz="1800" dirty="0" smtClean="0"/>
-              <a:t> dimensions</a:t>
+              <a:t> variables</a:t>
             </a:r>
           </a:p>
           <a:p>
@@ -29588,16 +29880,38 @@
               <a:buNone/>
             </a:pPr>
             <a:r>
+              <a:rPr lang="en-US" sz="1800" dirty="0" smtClean="0"/>
+              <a:t>  diag_psi_ncdims(1) = </a:t>
+            </a:r>
+            <a:r>
+              <a:rPr lang="en-US" sz="1800" dirty="0" err="1" smtClean="0"/>
+              <a:t>diag_psi_ncdim</a:t>
+            </a:r>
+            <a:endParaRPr lang="en-US" sz="1800" dirty="0" smtClean="0"/>
+          </a:p>
+          <a:p>
+            <a:pPr>
+              <a:buNone/>
+            </a:pPr>
+            <a:r>
               <a:rPr lang="en-US" sz="1800" dirty="0" err="1" smtClean="0"/>
               <a:t>iret</a:t>
             </a:r>
             <a:r>
               <a:rPr lang="en-US" sz="1800" dirty="0" smtClean="0"/>
-              <a:t> = nf90_def_dim(diag_flow_ncfileid, 'samples', </a:t>
+              <a:t> = nf90_def_var(diag_flow_ncfileid, '</a:t>
             </a:r>
             <a:r>
               <a:rPr lang="en-US" sz="1800" dirty="0" err="1" smtClean="0"/>
-              <a:t>diag_flow_npsi</a:t>
+              <a:t>psi</a:t>
+            </a:r>
+            <a:r>
+              <a:rPr lang="en-US" sz="1800" dirty="0" smtClean="0"/>
+              <a:t>', NF90_DOUBLE, </a:t>
+            </a:r>
+            <a:r>
+              <a:rPr lang="en-US" sz="1800" dirty="0" err="1" smtClean="0"/>
+              <a:t>diag_psi_ncdims</a:t>
             </a:r>
             <a:r>
               <a:rPr lang="en-US" sz="1800" dirty="0" smtClean="0"/>
@@ -29605,172 +29919,29 @@
             </a:r>
             <a:r>
               <a:rPr lang="en-US" sz="1800" dirty="0" err="1" smtClean="0"/>
-              <a:t>diag_psi_ncdim</a:t>
+              <a:t>diag_psi_ncvarid</a:t>
             </a:r>
             <a:r>
               <a:rPr lang="en-US" sz="1800" dirty="0" smtClean="0"/>
               <a:t>)</a:t>
             </a:r>
+            <a:endParaRPr lang="en-US" sz="1800" dirty="0" smtClean="0"/>
           </a:p>
           <a:p>
             <a:pPr>
               <a:buNone/>
             </a:pPr>
             <a:r>
-              <a:rPr lang="en-US" sz="1800" dirty="0" smtClean="0"/>
-              <a:t>  call </a:t>
-            </a:r>
-            <a:r>
-              <a:rPr lang="en-US" sz="1800" dirty="0" err="1" smtClean="0"/>
-              <a:t>check_err(iret</a:t>
-            </a:r>
-            <a:r>
-              <a:rPr lang="en-US" sz="1800" dirty="0" smtClean="0"/>
-              <a:t>)</a:t>
-            </a:r>
-          </a:p>
-          <a:p>
-            <a:pPr>
-              <a:buNone/>
-            </a:pPr>
-            <a:r>
               <a:rPr lang="en-US" sz="1800" dirty="0" err="1" smtClean="0"/>
               <a:t>iret</a:t>
             </a:r>
             <a:r>
               <a:rPr lang="en-US" sz="1800" dirty="0" smtClean="0"/>
-              <a:t> = nf90_def_dim(diag_flow_ncfileid, '</a:t>
-            </a:r>
-            <a:r>
-              <a:rPr lang="en-US" sz="1800" dirty="0" err="1" smtClean="0"/>
-              <a:t>timesteps</a:t>
+              <a:t> </a:t>
             </a:r>
             <a:r>
               <a:rPr lang="en-US" sz="1800" dirty="0" smtClean="0"/>
-              <a:t>', NF90_UNLIMITED, </a:t>
-            </a:r>
-            <a:r>
-              <a:rPr lang="en-US" sz="1800" dirty="0" err="1" smtClean="0"/>
-              <a:t>diag_time_ncdim</a:t>
-            </a:r>
-            <a:r>
-              <a:rPr lang="en-US" sz="1800" dirty="0" smtClean="0"/>
-              <a:t>)</a:t>
-            </a:r>
-          </a:p>
-          <a:p>
-            <a:pPr>
-              <a:buNone/>
-            </a:pPr>
-            <a:r>
-              <a:rPr lang="en-US" sz="1800" dirty="0" smtClean="0"/>
-              <a:t>  call </a:t>
-            </a:r>
-            <a:r>
-              <a:rPr lang="en-US" sz="1800" dirty="0" err="1" smtClean="0"/>
-              <a:t>check_err(iret</a:t>
-            </a:r>
-            <a:r>
-              <a:rPr lang="en-US" sz="1800" dirty="0" smtClean="0"/>
-              <a:t>)</a:t>
-            </a:r>
-          </a:p>
-          <a:p>
-            <a:pPr>
-              <a:buNone/>
-            </a:pPr>
-            <a:r>
-              <a:rPr lang="en-US" sz="1800" dirty="0" smtClean="0"/>
-              <a:t>  ! define </a:t>
-            </a:r>
-            <a:r>
-              <a:rPr lang="en-US" sz="1800" dirty="0" err="1" smtClean="0"/>
-              <a:t>netCDF</a:t>
-            </a:r>
-            <a:r>
-              <a:rPr lang="en-US" sz="1800" dirty="0" smtClean="0"/>
-              <a:t> variables</a:t>
-            </a:r>
-          </a:p>
-          <a:p>
-            <a:pPr>
-              <a:buNone/>
-            </a:pPr>
-            <a:r>
-              <a:rPr lang="en-US" sz="1800" dirty="0" smtClean="0"/>
-              <a:t>  diag_psi_ncdims(1) = </a:t>
-            </a:r>
-            <a:r>
-              <a:rPr lang="en-US" sz="1800" dirty="0" err="1" smtClean="0"/>
-              <a:t>diag_psi_ncdim</a:t>
-            </a:r>
-            <a:endParaRPr lang="en-US" sz="1800" dirty="0" smtClean="0"/>
-          </a:p>
-          <a:p>
-            <a:pPr>
-              <a:buNone/>
-            </a:pPr>
-            <a:r>
-              <a:rPr lang="en-US" sz="1800" dirty="0" err="1" smtClean="0"/>
-              <a:t>iret</a:t>
-            </a:r>
-            <a:r>
-              <a:rPr lang="en-US" sz="1800" dirty="0" smtClean="0"/>
-              <a:t> = nf90_def_var(diag_flow_ncfileid, '</a:t>
-            </a:r>
-            <a:r>
-              <a:rPr lang="en-US" sz="1800" dirty="0" err="1" smtClean="0"/>
-              <a:t>psi</a:t>
-            </a:r>
-            <a:r>
-              <a:rPr lang="en-US" sz="1800" dirty="0" smtClean="0"/>
-              <a:t>', NF90_DOUBLE, </a:t>
-            </a:r>
-            <a:r>
-              <a:rPr lang="en-US" sz="1800" dirty="0" err="1" smtClean="0"/>
-              <a:t>diag_psi_ncdims</a:t>
-            </a:r>
-            <a:r>
-              <a:rPr lang="en-US" sz="1800" dirty="0" smtClean="0"/>
-              <a:t>, </a:t>
-            </a:r>
-            <a:r>
-              <a:rPr lang="en-US" sz="1800" dirty="0" err="1" smtClean="0"/>
-              <a:t>diag_psi_ncvarid</a:t>
-            </a:r>
-            <a:r>
-              <a:rPr lang="en-US" sz="1800" dirty="0" smtClean="0"/>
-              <a:t>)</a:t>
-            </a:r>
-          </a:p>
-          <a:p>
-            <a:pPr>
-              <a:buNone/>
-            </a:pPr>
-            <a:r>
-              <a:rPr lang="en-US" sz="1800" dirty="0" smtClean="0"/>
-              <a:t>  call </a:t>
-            </a:r>
-            <a:r>
-              <a:rPr lang="en-US" sz="1800" dirty="0" err="1" smtClean="0"/>
-              <a:t>check_err(iret</a:t>
-            </a:r>
-            <a:r>
-              <a:rPr lang="en-US" sz="1800" dirty="0" smtClean="0"/>
-              <a:t>)</a:t>
-            </a:r>
-          </a:p>
-          <a:p>
-            <a:pPr>
-              <a:buNone/>
-            </a:pPr>
-            <a:r>
-              <a:rPr lang="en-US" sz="1800" dirty="0" err="1" smtClean="0"/>
-              <a:t>iret</a:t>
-            </a:r>
-            <a:r>
-              <a:rPr lang="en-US" sz="1800" dirty="0" smtClean="0"/>
-              <a:t> = nf90_put_att(diag_flow_ncfileid, </a:t>
+              <a:t>= nf90_put_att(diag_flow_ncfileid, </a:t>
             </a:r>
             <a:r>
               <a:rPr lang="en-US" sz="1800" dirty="0" err="1" smtClean="0"/>
@@ -29780,23 +29951,7 @@
               <a:rPr lang="en-US" sz="1800" dirty="0" smtClean="0"/>
               <a:t>, 'units', 'transit times')</a:t>
             </a:r>
-          </a:p>
-          <a:p>
-            <a:pPr>
-              <a:buNone/>
-            </a:pPr>
-            <a:r>
-              <a:rPr lang="en-US" sz="1800" dirty="0" smtClean="0"/>
-              <a:t>  call </a:t>
-            </a:r>
-            <a:r>
-              <a:rPr lang="en-US" sz="1800" dirty="0" err="1" smtClean="0"/>
-              <a:t>check_err(iret</a:t>
-            </a:r>
-            <a:r>
-              <a:rPr lang="en-US" sz="1800" dirty="0" smtClean="0"/>
-              <a:t>)</a:t>
-            </a:r>
+            <a:endParaRPr lang="en-US" sz="1800" dirty="0" smtClean="0"/>
           </a:p>
           <a:p>
             <a:pPr>
@@ -29808,7 +29963,15 @@
                 <a:ea typeface="Wingdings"/>
                 <a:cs typeface="Wingdings"/>
               </a:rPr>
-              <a:t></a:t>
+              <a:t></a:t>
+            </a:r>
+            <a:r>
+              <a:rPr lang="en-US" sz="1800" dirty="0" err="1" smtClean="0">
+                <a:latin typeface="Wingdings"/>
+                <a:ea typeface="Wingdings"/>
+                <a:cs typeface="Wingdings"/>
+              </a:rPr>
+              <a:t></a:t>
             </a:r>
             <a:endParaRPr lang="en-US" sz="1800" dirty="0"/>
           </a:p>
@@ -29882,7 +30045,7 @@
         </p:spPr>
         <p:txBody>
           <a:bodyPr>
-            <a:normAutofit lnSpcReduction="10000"/>
+            <a:normAutofit/>
           </a:bodyPr>
           <a:lstStyle/>
           <a:p>
@@ -29944,22 +30107,27 @@
               <a:rPr lang="en-US" sz="2000" dirty="0" smtClean="0"/>
               <a:t> = nf90_redef(diag_flow_ncfileid)</a:t>
             </a:r>
+            <a:endParaRPr lang="en-US" sz="2000" dirty="0" smtClean="0"/>
           </a:p>
           <a:p>
             <a:pPr>
               <a:buNone/>
             </a:pPr>
             <a:r>
+              <a:rPr lang="en-US" sz="2000" dirty="0" err="1" smtClean="0"/>
+              <a:t>iret</a:t>
+            </a:r>
+            <a:r>
               <a:rPr lang="en-US" sz="2000" dirty="0" smtClean="0"/>
-              <a:t>  call </a:t>
-            </a:r>
-            <a:r>
-              <a:rPr lang="en-US" sz="2000" dirty="0" err="1" smtClean="0"/>
-              <a:t>check_err(iret</a:t>
+              <a:t> </a:t>
             </a:r>
             <a:r>
               <a:rPr lang="en-US" sz="2000" dirty="0" smtClean="0"/>
-              <a:t>)</a:t>
+              <a:t>= nf90_put_att(diag_flow_ncfileid, NF90_GLOBAL, 'running', '</a:t>
+            </a:r>
+            <a:r>
+              <a:rPr lang="en-US" sz="2000" dirty="0" smtClean="0"/>
+              <a:t>false’)</a:t>
             </a:r>
           </a:p>
           <a:p>
@@ -29967,113 +30135,49 @@
               <a:buNone/>
             </a:pPr>
             <a:r>
+              <a:rPr lang="en-US" sz="2000" dirty="0" smtClean="0"/>
+              <a:t>! leave </a:t>
+            </a:r>
+            <a:r>
+              <a:rPr lang="en-US" sz="2000" dirty="0" err="1" smtClean="0"/>
+              <a:t>netCDF</a:t>
+            </a:r>
+            <a:r>
+              <a:rPr lang="en-US" sz="2000" dirty="0" smtClean="0"/>
+              <a:t> define mode and close file</a:t>
+            </a:r>
+          </a:p>
+          <a:p>
+            <a:pPr>
+              <a:buNone/>
+            </a:pPr>
+            <a:r>
               <a:rPr lang="en-US" sz="2000" dirty="0" err="1" smtClean="0"/>
               <a:t>iret</a:t>
             </a:r>
             <a:r>
               <a:rPr lang="en-US" sz="2000" dirty="0" smtClean="0"/>
-              <a:t> = nf90_put_att(diag_flow_ncfileid, NF90_GLOBAL, 'running', 'false')</a:t>
-            </a:r>
+              <a:t> = nf90_enddef(diag_flow_ncfileid)</a:t>
+            </a:r>
+            <a:endParaRPr lang="en-US" sz="2000" dirty="0" smtClean="0"/>
           </a:p>
           <a:p>
             <a:pPr>
               <a:buNone/>
             </a:pPr>
             <a:r>
-              <a:rPr lang="en-US" sz="2000" dirty="0" smtClean="0"/>
-              <a:t>  call </a:t>
-            </a:r>
-            <a:r>
-              <a:rPr lang="en-US" sz="2000" dirty="0" err="1" smtClean="0"/>
-              <a:t>check_err(iret</a:t>
-            </a:r>
-            <a:r>
-              <a:rPr lang="en-US" sz="2000" dirty="0" smtClean="0"/>
-              <a:t>)</a:t>
-            </a:r>
-          </a:p>
-          <a:p>
-            <a:pPr>
-              <a:buNone/>
-            </a:pPr>
-            <a:endParaRPr lang="en-US" sz="2000" dirty="0" smtClean="0"/>
-          </a:p>
-          <a:p>
-            <a:pPr>
-              <a:buNone/>
-            </a:pPr>
-            <a:r>
-              <a:rPr lang="en-US" sz="2000" dirty="0" smtClean="0"/>
-              <a:t>! leave </a:t>
-            </a:r>
-            <a:r>
-              <a:rPr lang="en-US" sz="2000" dirty="0" err="1" smtClean="0"/>
-              <a:t>netCDF</a:t>
-            </a:r>
-            <a:r>
-              <a:rPr lang="en-US" sz="2000" dirty="0" smtClean="0"/>
-              <a:t> define mode and close file</a:t>
-            </a:r>
-          </a:p>
-          <a:p>
-            <a:pPr>
-              <a:buNone/>
-            </a:pPr>
-            <a:r>
               <a:rPr lang="en-US" sz="2000" dirty="0" err="1" smtClean="0"/>
               <a:t>iret</a:t>
             </a:r>
             <a:r>
               <a:rPr lang="en-US" sz="2000" dirty="0" smtClean="0"/>
-              <a:t> = nf90_enddef(diag_flow_ncfileid)</a:t>
-            </a:r>
-          </a:p>
-          <a:p>
-            <a:pPr>
-              <a:buNone/>
-            </a:pPr>
+              <a:t> </a:t>
+            </a:r>
             <a:r>
               <a:rPr lang="en-US" sz="2000" dirty="0" smtClean="0"/>
-              <a:t>  call </a:t>
-            </a:r>
-            <a:r>
-              <a:rPr lang="en-US" sz="2000" dirty="0" err="1" smtClean="0"/>
-              <a:t>check_err(iret</a:t>
-            </a:r>
-            <a:r>
-              <a:rPr lang="en-US" sz="2000" dirty="0" smtClean="0"/>
-              <a:t>)</a:t>
-            </a:r>
-          </a:p>
-          <a:p>
-            <a:pPr>
-              <a:buNone/>
-            </a:pPr>
-            <a:r>
-              <a:rPr lang="en-US" sz="2000" dirty="0" err="1" smtClean="0"/>
-              <a:t>iret</a:t>
-            </a:r>
-            <a:r>
-              <a:rPr lang="en-US" sz="2000" dirty="0" smtClean="0"/>
-              <a:t> = nf90_close(diag_flow_ncfileid)</a:t>
-            </a:r>
-          </a:p>
-          <a:p>
-            <a:pPr>
-              <a:buNone/>
-            </a:pPr>
-            <a:r>
-              <a:rPr lang="en-US" sz="2000" dirty="0" smtClean="0"/>
-              <a:t>  call </a:t>
-            </a:r>
-            <a:r>
-              <a:rPr lang="en-US" sz="2000" dirty="0" err="1" smtClean="0"/>
-              <a:t>check_err(iret</a:t>
-            </a:r>
-            <a:r>
-              <a:rPr lang="en-US" sz="2000" dirty="0" smtClean="0"/>
-              <a:t>)</a:t>
-            </a:r>
+              <a:t>= nf90_close(diag_flow_ncfileid)</a:t>
+            </a:r>
+            <a:endParaRPr lang="en-US" sz="2000" dirty="0" smtClean="0"/>
           </a:p>
           <a:p>
             <a:pPr>
@@ -30085,7 +30189,15 @@
                 <a:ea typeface="Wingdings"/>
                 <a:cs typeface="Wingdings"/>
               </a:rPr>
-              <a:t></a:t>
+              <a:t></a:t>
+            </a:r>
+            <a:r>
+              <a:rPr lang="en-US" sz="2000" dirty="0" err="1" smtClean="0">
+                <a:latin typeface="Wingdings"/>
+                <a:ea typeface="Wingdings"/>
+                <a:cs typeface="Wingdings"/>
+              </a:rPr>
+              <a:t></a:t>
             </a:r>
             <a:endParaRPr lang="en-US" sz="2000" dirty="0" smtClean="0"/>
           </a:p>
@@ -30439,7 +30551,7 @@
             </a:pPr>
             <a:r>
               <a:rPr lang="en-US" sz="2000" dirty="0" err="1" smtClean="0"/>
-              <a:t>Enddo</a:t>
+              <a:t>enddo</a:t>
             </a:r>
             <a:endParaRPr lang="en-US" sz="2000" dirty="0" smtClean="0"/>
           </a:p>
@@ -30781,12 +30893,12 @@
         <p:spPr>
           <a:xfrm>
             <a:off x="0" y="914400"/>
-            <a:ext cx="10134600" cy="5867400"/>
+            <a:ext cx="8915400" cy="5867400"/>
           </a:xfrm>
         </p:spPr>
         <p:txBody>
           <a:bodyPr wrap="square">
-            <a:noAutofit/>
+            <a:normAutofit fontScale="92500" lnSpcReduction="20000"/>
           </a:bodyPr>
           <a:lstStyle/>
           <a:p>
@@ -30794,15 +30906,15 @@
               <a:buNone/>
             </a:pPr>
             <a:r>
-              <a:rPr lang="en-US" sz="1800" dirty="0" smtClean="0"/>
+              <a:rPr lang="en-US" sz="2054" dirty="0" smtClean="0"/>
               <a:t>&lt;adios-group name="</a:t>
             </a:r>
             <a:r>
-              <a:rPr lang="en-US" sz="1800" dirty="0" err="1" smtClean="0"/>
+              <a:rPr lang="en-US" sz="2054" dirty="0" err="1" smtClean="0"/>
               <a:t>diagnosis.flow</a:t>
             </a:r>
             <a:r>
-              <a:rPr lang="en-US" sz="1800" dirty="0" smtClean="0"/>
+              <a:rPr lang="en-US" sz="2054" dirty="0" smtClean="0"/>
               <a:t>"&gt;</a:t>
             </a:r>
           </a:p>
@@ -30811,31 +30923,31 @@
               <a:buNone/>
             </a:pPr>
             <a:r>
-              <a:rPr lang="en-US" sz="1800" dirty="0" smtClean="0"/>
+              <a:rPr lang="en-US" sz="2000" dirty="0" smtClean="0"/>
               <a:t>&lt;</a:t>
             </a:r>
             <a:r>
-              <a:rPr lang="en-US" sz="1800" dirty="0" err="1" smtClean="0"/>
+              <a:rPr lang="en-US" sz="2000" dirty="0" err="1" smtClean="0"/>
               <a:t>var</a:t>
             </a:r>
             <a:r>
-              <a:rPr lang="en-US" sz="1800" dirty="0" smtClean="0"/>
+              <a:rPr lang="en-US" sz="2000" dirty="0" smtClean="0"/>
               <a:t> name="samples" </a:t>
             </a:r>
             <a:r>
-              <a:rPr lang="en-US" sz="1800" dirty="0" err="1" smtClean="0"/>
+              <a:rPr lang="en-US" sz="2000" dirty="0" err="1" smtClean="0"/>
               <a:t>gname</a:t>
             </a:r>
             <a:r>
-              <a:rPr lang="en-US" sz="1800" dirty="0" smtClean="0"/>
+              <a:rPr lang="en-US" sz="2000" dirty="0" smtClean="0"/>
               <a:t>="</a:t>
             </a:r>
             <a:r>
-              <a:rPr lang="en-US" sz="1800" dirty="0" err="1" smtClean="0"/>
+              <a:rPr lang="en-US" sz="2000" dirty="0" err="1" smtClean="0"/>
               <a:t>diag_flow_npsi</a:t>
             </a:r>
             <a:r>
-              <a:rPr lang="en-US" sz="1800" dirty="0" smtClean="0"/>
+              <a:rPr lang="en-US" sz="2000" dirty="0" smtClean="0"/>
               <a:t>" type="integer"  /&gt;</a:t>
             </a:r>
           </a:p>
@@ -30844,54 +30956,54 @@
               <a:buNone/>
             </a:pPr>
             <a:r>
-              <a:rPr lang="en-US" sz="1800" dirty="0" smtClean="0"/>
+              <a:rPr lang="en-US" sz="2000" dirty="0" smtClean="0"/>
               <a:t>&lt;</a:t>
             </a:r>
             <a:r>
-              <a:rPr lang="en-US" sz="1800" dirty="0" err="1" smtClean="0"/>
+              <a:rPr lang="en-US" sz="2000" dirty="0" err="1" smtClean="0"/>
               <a:t>var</a:t>
             </a:r>
             <a:r>
-              <a:rPr lang="en-US" sz="1800" dirty="0" smtClean="0"/>
+              <a:rPr lang="en-US" sz="2000" dirty="0" smtClean="0"/>
               <a:t> name="</a:t>
             </a:r>
             <a:r>
-              <a:rPr lang="en-US" sz="1800" dirty="0" err="1" smtClean="0"/>
+              <a:rPr lang="en-US" sz="2000" dirty="0" err="1" smtClean="0"/>
               <a:t>istep</a:t>
             </a:r>
             <a:r>
-              <a:rPr lang="en-US" sz="1800" dirty="0" smtClean="0"/>
+              <a:rPr lang="en-US" sz="2000" dirty="0" smtClean="0"/>
               <a:t>" </a:t>
             </a:r>
             <a:r>
-              <a:rPr lang="en-US" sz="1800" dirty="0" err="1" smtClean="0"/>
+              <a:rPr lang="en-US" sz="2000" dirty="0" err="1" smtClean="0"/>
               <a:t>gname</a:t>
             </a:r>
             <a:r>
-              <a:rPr lang="en-US" sz="1800" dirty="0" smtClean="0"/>
+              <a:rPr lang="en-US" sz="2000" dirty="0" smtClean="0"/>
               <a:t>="</a:t>
             </a:r>
             <a:r>
-              <a:rPr lang="en-US" sz="1800" dirty="0" err="1" smtClean="0"/>
+              <a:rPr lang="en-US" sz="2000" dirty="0" err="1" smtClean="0"/>
               <a:t>istep/diag_flow_period</a:t>
             </a:r>
             <a:r>
-              <a:rPr lang="en-US" sz="1800" dirty="0" smtClean="0"/>
-              <a:t>" type="integer</a:t>
-            </a:r>
-            <a:r>
-              <a:rPr lang="en-US" sz="1800" dirty="0" smtClean="0">
+              <a:rPr lang="en-US" sz="2000" dirty="0" smtClean="0"/>
+              <a:t>" type="</a:t>
+            </a:r>
+            <a:r>
+              <a:rPr lang="en-US" sz="2000" dirty="0" smtClean="0"/>
+              <a:t>integer</a:t>
+            </a:r>
+            <a:r>
+              <a:rPr lang="en-US" sz="2000" dirty="0" smtClean="0">
                 <a:solidFill>
                   <a:schemeClr val="accent6">
                     <a:lumMod val="75000"/>
                   </a:schemeClr>
                 </a:solidFill>
               </a:rPr>
-              <a:t>" copy-on-write="yes"</a:t>
-            </a:r>
-            <a:r>
-              <a:rPr lang="en-US" sz="1800" dirty="0" smtClean="0"/>
-              <a:t>/&gt;</a:t>
+              <a:t>”</a:t>
             </a:r>
           </a:p>
           <a:p>
@@ -30899,60 +31011,28 @@
               <a:buNone/>
             </a:pPr>
             <a:r>
-              <a:rPr lang="en-US" sz="1800" dirty="0" smtClean="0">
-                <a:solidFill>
-                  <a:srgbClr val="008000"/>
-                </a:solidFill>
-              </a:rPr>
-              <a:t>&lt;</a:t>
-            </a:r>
-            <a:r>
-              <a:rPr lang="en-US" sz="1800" dirty="0" err="1" smtClean="0">
-                <a:solidFill>
-                  <a:srgbClr val="008000"/>
-                </a:solidFill>
-              </a:rPr>
-              <a:t>gwritesrc</a:t>
-            </a:r>
-            <a:r>
-              <a:rPr lang="en-US" sz="1800" dirty="0" smtClean="0">
-                <a:solidFill>
-                  <a:srgbClr val="008000"/>
-                </a:solidFill>
-              </a:rPr>
-              <a:t>="</a:t>
-            </a:r>
-            <a:r>
-              <a:rPr lang="en-US" sz="1800" dirty="0" err="1" smtClean="0">
-                <a:solidFill>
-                  <a:srgbClr val="008000"/>
-                </a:solidFill>
-              </a:rPr>
-              <a:t>if(istep</a:t>
-            </a:r>
-            <a:r>
-              <a:rPr lang="en-US" sz="1800" dirty="0" smtClean="0">
-                <a:solidFill>
-                  <a:srgbClr val="008000"/>
-                </a:solidFill>
-              </a:rPr>
-              <a:t>==</a:t>
-            </a:r>
-            <a:r>
-              <a:rPr lang="en-US" sz="1800" dirty="0" err="1" smtClean="0">
-                <a:solidFill>
-                  <a:srgbClr val="008000"/>
-                </a:solidFill>
-              </a:rPr>
-              <a:t>diag_flow_period</a:t>
-            </a:r>
-            <a:r>
-              <a:rPr lang="en-US" sz="1800" dirty="0" smtClean="0">
-                <a:solidFill>
-                  <a:srgbClr val="008000"/>
-                </a:solidFill>
-              </a:rPr>
-              <a:t>) then"/&gt;</a:t>
+              <a:rPr lang="en-US" sz="2000" dirty="0" smtClean="0">
+                <a:solidFill>
+                  <a:schemeClr val="accent6">
+                    <a:lumMod val="75000"/>
+                  </a:schemeClr>
+                </a:solidFill>
+              </a:rPr>
+              <a:t> </a:t>
+            </a:r>
+            <a:r>
+              <a:rPr lang="en-US" sz="2000" dirty="0" smtClean="0">
+                <a:solidFill>
+                  <a:schemeClr val="accent6">
+                    <a:lumMod val="75000"/>
+                  </a:schemeClr>
+                </a:solidFill>
+              </a:rPr>
+              <a:t>copy-on-write="yes"</a:t>
+            </a:r>
+            <a:r>
+              <a:rPr lang="en-US" sz="2000" dirty="0" smtClean="0"/>
+              <a:t>/&gt;</a:t>
             </a:r>
           </a:p>
           <a:p>
@@ -30960,24 +31040,60 @@
               <a:buNone/>
             </a:pPr>
             <a:r>
-              <a:rPr lang="en-US" sz="1800" dirty="0" smtClean="0"/>
+              <a:rPr lang="en-US" sz="2000" dirty="0" smtClean="0">
+                <a:solidFill>
+                  <a:srgbClr val="008000"/>
+                </a:solidFill>
+              </a:rPr>
               <a:t>&lt;</a:t>
             </a:r>
             <a:r>
-              <a:rPr lang="en-US" sz="1800" dirty="0" err="1" smtClean="0"/>
-              <a:t>var</a:t>
-            </a:r>
-            <a:r>
-              <a:rPr lang="en-US" sz="1800" dirty="0" smtClean="0"/>
-              <a:t> name="psi" </a:t>
-            </a:r>
-            <a:r>
-              <a:rPr lang="en-US" sz="1800" dirty="0" err="1" smtClean="0"/>
-              <a:t>gname</a:t>
-            </a:r>
-            <a:r>
-              <a:rPr lang="en-US" sz="1800" dirty="0" smtClean="0"/>
-              <a:t>=“psi1” type="double" dimensions="samples"/&gt;</a:t>
+              <a:rPr lang="en-US" sz="2000" dirty="0" err="1" smtClean="0">
+                <a:solidFill>
+                  <a:srgbClr val="008000"/>
+                </a:solidFill>
+              </a:rPr>
+              <a:t>gwritesrc</a:t>
+            </a:r>
+            <a:r>
+              <a:rPr lang="en-US" sz="2000" dirty="0" smtClean="0">
+                <a:solidFill>
+                  <a:srgbClr val="008000"/>
+                </a:solidFill>
+              </a:rPr>
+              <a:t>="</a:t>
+            </a:r>
+            <a:r>
+              <a:rPr lang="en-US" sz="2000" dirty="0" err="1" smtClean="0">
+                <a:solidFill>
+                  <a:srgbClr val="008000"/>
+                </a:solidFill>
+              </a:rPr>
+              <a:t>if(istep</a:t>
+            </a:r>
+            <a:r>
+              <a:rPr lang="en-US" sz="2000" dirty="0" smtClean="0">
+                <a:solidFill>
+                  <a:srgbClr val="008000"/>
+                </a:solidFill>
+              </a:rPr>
+              <a:t>==</a:t>
+            </a:r>
+            <a:r>
+              <a:rPr lang="en-US" sz="2000" dirty="0" err="1" smtClean="0">
+                <a:solidFill>
+                  <a:srgbClr val="008000"/>
+                </a:solidFill>
+              </a:rPr>
+              <a:t>diag_flow_period</a:t>
+            </a:r>
+            <a:r>
+              <a:rPr lang="en-US" sz="2000" dirty="0" smtClean="0">
+                <a:solidFill>
+                  <a:srgbClr val="008000"/>
+                </a:solidFill>
+              </a:rPr>
+              <a:t>) then"/&gt;</a:t>
             </a:r>
           </a:p>
           <a:p>
@@ -30985,44 +31101,24 @@
               <a:buNone/>
             </a:pPr>
             <a:r>
-              <a:rPr lang="en-US" sz="1800" dirty="0" smtClean="0">
-                <a:solidFill>
-                  <a:srgbClr val="008000"/>
-                </a:solidFill>
-              </a:rPr>
+              <a:rPr lang="en-US" sz="2000" dirty="0" smtClean="0"/>
               <a:t>&lt;</a:t>
             </a:r>
             <a:r>
-              <a:rPr lang="en-US" sz="1800" dirty="0" err="1" smtClean="0">
-                <a:solidFill>
-                  <a:srgbClr val="008000"/>
-                </a:solidFill>
-              </a:rPr>
-              <a:t>gwritesrc</a:t>
-            </a:r>
-            <a:r>
-              <a:rPr lang="en-US" sz="1800" dirty="0" smtClean="0">
-                <a:solidFill>
-                  <a:srgbClr val="008000"/>
-                </a:solidFill>
-              </a:rPr>
-              <a:t>="</a:t>
-            </a:r>
-            <a:r>
-              <a:rPr lang="en-US" sz="1800" dirty="0" err="1" smtClean="0">
-                <a:solidFill>
-                  <a:srgbClr val="008000"/>
-                </a:solidFill>
-              </a:rPr>
-              <a:t>endif</a:t>
-            </a:r>
-            <a:r>
-              <a:rPr lang="en-US" sz="1800" dirty="0" smtClean="0">
-                <a:solidFill>
-                  <a:srgbClr val="008000"/>
-                </a:solidFill>
-              </a:rPr>
-              <a:t>"/&gt;</a:t>
+              <a:rPr lang="en-US" sz="2000" dirty="0" err="1" smtClean="0"/>
+              <a:t>var</a:t>
+            </a:r>
+            <a:r>
+              <a:rPr lang="en-US" sz="2000" dirty="0" smtClean="0"/>
+              <a:t> name="psi" </a:t>
+            </a:r>
+            <a:r>
+              <a:rPr lang="en-US" sz="2000" dirty="0" err="1" smtClean="0"/>
+              <a:t>gname</a:t>
+            </a:r>
+            <a:r>
+              <a:rPr lang="en-US" sz="2000" dirty="0" smtClean="0"/>
+              <a:t>=“psi1” type="double" dimensions="samples"/&gt;</a:t>
             </a:r>
           </a:p>
           <a:p>
@@ -31030,36 +31126,44 @@
               <a:buNone/>
             </a:pPr>
             <a:r>
-              <a:rPr lang="en-US" sz="1800" dirty="0" smtClean="0"/>
+              <a:rPr lang="en-US" sz="2000" dirty="0" smtClean="0">
+                <a:solidFill>
+                  <a:srgbClr val="008000"/>
+                </a:solidFill>
+              </a:rPr>
               <a:t>&lt;</a:t>
             </a:r>
             <a:r>
-              <a:rPr lang="en-US" sz="1800" dirty="0" err="1" smtClean="0"/>
-              <a:t>var</a:t>
-            </a:r>
-            <a:r>
-              <a:rPr lang="en-US" sz="1800" dirty="0" smtClean="0"/>
-              <a:t> name="</a:t>
-            </a:r>
-            <a:r>
-              <a:rPr lang="en-US" sz="1800" dirty="0" smtClean="0">
-                <a:solidFill>
-                  <a:srgbClr val="0000FF"/>
-                </a:solidFill>
-              </a:rPr>
-              <a:t>time</a:t>
-            </a:r>
-            <a:r>
-              <a:rPr lang="en-US" sz="1800" dirty="0" smtClean="0"/>
-              <a:t>" </a:t>
-            </a:r>
-            <a:r>
-              <a:rPr lang="en-US" sz="1800" dirty="0" err="1" smtClean="0"/>
-              <a:t>gname</a:t>
-            </a:r>
-            <a:r>
-              <a:rPr lang="en-US" sz="1800" dirty="0" smtClean="0"/>
-              <a:t>="simtime(1)" type="double"/&gt;</a:t>
+              <a:rPr lang="en-US" sz="2000" dirty="0" err="1" smtClean="0">
+                <a:solidFill>
+                  <a:srgbClr val="008000"/>
+                </a:solidFill>
+              </a:rPr>
+              <a:t>gwritesrc</a:t>
+            </a:r>
+            <a:r>
+              <a:rPr lang="en-US" sz="2000" dirty="0" smtClean="0">
+                <a:solidFill>
+                  <a:srgbClr val="008000"/>
+                </a:solidFill>
+              </a:rPr>
+              <a:t>="</a:t>
+            </a:r>
+            <a:r>
+              <a:rPr lang="en-US" sz="2000" dirty="0" err="1" smtClean="0">
+                <a:solidFill>
+                  <a:srgbClr val="008000"/>
+                </a:solidFill>
+              </a:rPr>
+              <a:t>endif</a:t>
+            </a:r>
+            <a:r>
+              <a:rPr lang="en-US" sz="2000" dirty="0" smtClean="0">
+                <a:solidFill>
+                  <a:srgbClr val="008000"/>
+                </a:solidFill>
+              </a:rPr>
+              <a:t>"/&gt;</a:t>
             </a:r>
           </a:p>
           <a:p>
@@ -31067,11 +31171,19 @@
               <a:buNone/>
             </a:pPr>
             <a:r>
-              <a:rPr lang="en-US" sz="1800" dirty="0" smtClean="0"/>
-              <a:t>&lt;attribute name="units"  path="</a:t>
-            </a:r>
-            <a:r>
-              <a:rPr lang="en-US" sz="1800" dirty="0" smtClean="0">
+              <a:rPr lang="en-US" sz="2000" dirty="0" smtClean="0"/>
+              <a:t>&lt;</a:t>
+            </a:r>
+            <a:r>
+              <a:rPr lang="en-US" sz="2000" dirty="0" err="1" smtClean="0"/>
+              <a:t>var</a:t>
+            </a:r>
+            <a:r>
+              <a:rPr lang="en-US" sz="2000" dirty="0" smtClean="0"/>
+              <a:t> name="</a:t>
+            </a:r>
+            <a:r>
+              <a:rPr lang="en-US" sz="2000" dirty="0" smtClean="0">
                 <a:solidFill>
                   <a:srgbClr val="0000FF"/>
                 </a:solidFill>
@@ -31079,8 +31191,16 @@
               <a:t>time</a:t>
             </a:r>
             <a:r>
-              <a:rPr lang="en-US" sz="1800" dirty="0" smtClean="0"/>
-              <a:t>" value="transit times"/&gt;</a:t>
+              <a:rPr lang="en-US" sz="2000" dirty="0" smtClean="0"/>
+              <a:t>" </a:t>
+            </a:r>
+            <a:r>
+              <a:rPr lang="en-US" sz="2000" dirty="0" err="1" smtClean="0"/>
+              <a:t>gname</a:t>
+            </a:r>
+            <a:r>
+              <a:rPr lang="en-US" sz="2000" dirty="0" smtClean="0"/>
+              <a:t>="simtime(1)" type="double"/&gt;</a:t>
             </a:r>
           </a:p>
           <a:p>
@@ -31088,36 +31208,20 @@
               <a:buNone/>
             </a:pPr>
             <a:r>
-              <a:rPr lang="en-US" sz="1800" dirty="0" smtClean="0"/>
-              <a:t>&lt;</a:t>
-            </a:r>
-            <a:r>
-              <a:rPr lang="en-US" sz="1800" dirty="0" err="1" smtClean="0"/>
-              <a:t>var</a:t>
-            </a:r>
-            <a:r>
-              <a:rPr lang="en-US" sz="1800" dirty="0" smtClean="0"/>
-              <a:t> name="</a:t>
-            </a:r>
-            <a:r>
-              <a:rPr lang="en-US" sz="1800" dirty="0" err="1" smtClean="0">
-                <a:solidFill>
-                  <a:srgbClr val="FF0000"/>
-                </a:solidFill>
-              </a:rPr>
-              <a:t>ion__density(df</a:t>
-            </a:r>
-            <a:r>
-              <a:rPr lang="en-US" sz="1800" dirty="0" smtClean="0"/>
-              <a:t>)" </a:t>
-            </a:r>
-            <a:r>
-              <a:rPr lang="en-US" sz="1800" dirty="0" err="1" smtClean="0"/>
-              <a:t>gname</a:t>
-            </a:r>
-            <a:r>
-              <a:rPr lang="en-US" sz="1800" dirty="0" smtClean="0"/>
-              <a:t>="netcdf_flow(:,2)" type="double" dimensions="samples"/&gt;</a:t>
+              <a:rPr lang="en-US" sz="2000" dirty="0" smtClean="0"/>
+              <a:t>&lt;attribute name="units"  path="</a:t>
+            </a:r>
+            <a:r>
+              <a:rPr lang="en-US" sz="2000" dirty="0" smtClean="0">
+                <a:solidFill>
+                  <a:srgbClr val="0000FF"/>
+                </a:solidFill>
+              </a:rPr>
+              <a:t>time</a:t>
+            </a:r>
+            <a:r>
+              <a:rPr lang="en-US" sz="2000" dirty="0" smtClean="0"/>
+              <a:t>" value="transit times"/&gt;</a:t>
             </a:r>
           </a:p>
           <a:p>
@@ -31125,11 +31229,19 @@
               <a:buNone/>
             </a:pPr>
             <a:r>
-              <a:rPr lang="en-US" sz="1800" dirty="0" smtClean="0"/>
-              <a:t>&lt;attribute name="units" path="</a:t>
-            </a:r>
-            <a:r>
-              <a:rPr lang="en-US" sz="1800" dirty="0" err="1" smtClean="0">
+              <a:rPr lang="en-US" sz="2000" dirty="0" smtClean="0"/>
+              <a:t>&lt;</a:t>
+            </a:r>
+            <a:r>
+              <a:rPr lang="en-US" sz="2000" dirty="0" err="1" smtClean="0"/>
+              <a:t>var</a:t>
+            </a:r>
+            <a:r>
+              <a:rPr lang="en-US" sz="2000" dirty="0" smtClean="0"/>
+              <a:t> name="</a:t>
+            </a:r>
+            <a:r>
+              <a:rPr lang="en-US" sz="2000" dirty="0" err="1" smtClean="0">
                 <a:solidFill>
                   <a:srgbClr val="FF0000"/>
                 </a:solidFill>
@@ -31137,16 +31249,16 @@
               <a:t>ion__density(df</a:t>
             </a:r>
             <a:r>
-              <a:rPr lang="en-US" sz="1800" dirty="0" smtClean="0">
-                <a:solidFill>
-                  <a:srgbClr val="FF0000"/>
-                </a:solidFill>
-              </a:rPr>
-              <a:t>)</a:t>
-            </a:r>
-            <a:r>
-              <a:rPr lang="en-US" sz="1800" dirty="0" smtClean="0"/>
-              <a:t>" value="m^-3" /&gt;</a:t>
+              <a:rPr lang="en-US" sz="2000" dirty="0" smtClean="0"/>
+              <a:t>)" </a:t>
+            </a:r>
+            <a:r>
+              <a:rPr lang="en-US" sz="2000" dirty="0" err="1" smtClean="0"/>
+              <a:t>gname</a:t>
+            </a:r>
+            <a:r>
+              <a:rPr lang="en-US" sz="2000" dirty="0" smtClean="0"/>
+              <a:t>="netcdf_flow(:,2)" type="double" dimensions="samples"/&gt;</a:t>
             </a:r>
           </a:p>
           <a:p>
@@ -31154,60 +31266,28 @@
               <a:buNone/>
             </a:pPr>
             <a:r>
-              <a:rPr lang="en-US" sz="1800" dirty="0" smtClean="0"/>
-              <a:t>&lt;</a:t>
-            </a:r>
-            <a:r>
-              <a:rPr lang="en-US" sz="1800" dirty="0" err="1" smtClean="0"/>
-              <a:t>var</a:t>
-            </a:r>
-            <a:r>
-              <a:rPr lang="en-US" sz="1800" dirty="0" smtClean="0"/>
-              <a:t> name="</a:t>
-            </a:r>
-            <a:r>
-              <a:rPr lang="en-US" sz="1800" dirty="0" err="1" smtClean="0">
-                <a:solidFill>
-                  <a:srgbClr val="0000FF"/>
-                </a:solidFill>
-              </a:rPr>
-              <a:t>ion__toroidal_flow</a:t>
-            </a:r>
-            <a:r>
-              <a:rPr lang="en-US" sz="1800" dirty="0" smtClean="0">
-                <a:solidFill>
-                  <a:srgbClr val="0000FF"/>
-                </a:solidFill>
-              </a:rPr>
-              <a:t>(</a:t>
-            </a:r>
-            <a:r>
-              <a:rPr lang="en-US" sz="1800" dirty="0" err="1" smtClean="0">
-                <a:solidFill>
-                  <a:srgbClr val="0000FF"/>
-                </a:solidFill>
-              </a:rPr>
-              <a:t>df</a:t>
-            </a:r>
-            <a:r>
-              <a:rPr lang="en-US" sz="1800" dirty="0" smtClean="0">
-                <a:solidFill>
-                  <a:srgbClr val="0000FF"/>
+              <a:rPr lang="en-US" sz="2000" dirty="0" smtClean="0"/>
+              <a:t>&lt;attribute name="units" path="</a:t>
+            </a:r>
+            <a:r>
+              <a:rPr lang="en-US" sz="2000" dirty="0" err="1" smtClean="0">
+                <a:solidFill>
+                  <a:srgbClr val="FF0000"/>
+                </a:solidFill>
+              </a:rPr>
+              <a:t>ion__density(df</a:t>
+            </a:r>
+            <a:r>
+              <a:rPr lang="en-US" sz="2000" dirty="0" smtClean="0">
+                <a:solidFill>
+                  <a:srgbClr val="FF0000"/>
                 </a:solidFill>
               </a:rPr>
               <a:t>)</a:t>
             </a:r>
             <a:r>
-              <a:rPr lang="en-US" sz="1800" dirty="0" smtClean="0"/>
-              <a:t>" </a:t>
-            </a:r>
-            <a:r>
-              <a:rPr lang="en-US" sz="1800" dirty="0" err="1" smtClean="0"/>
-              <a:t>gname</a:t>
-            </a:r>
-            <a:r>
-              <a:rPr lang="en-US" sz="1800" dirty="0" smtClean="0"/>
-              <a:t>="netcdf_flow(:,3)" type="double" dimensions="samples“ copy-on-write=“yes”/&gt;</a:t>
+              <a:rPr lang="en-US" sz="2000" dirty="0" smtClean="0"/>
+              <a:t>" value="m^-3" /&gt;</a:t>
             </a:r>
           </a:p>
           <a:p>
@@ -31215,36 +31295,60 @@
               <a:buNone/>
             </a:pPr>
             <a:r>
-              <a:rPr lang="en-US" sz="1800" dirty="0" smtClean="0"/>
-              <a:t>&lt;attribute name="units" path="</a:t>
-            </a:r>
-            <a:r>
-              <a:rPr lang="en-US" sz="1800" dirty="0" err="1" smtClean="0">
+              <a:rPr lang="en-US" sz="2000" dirty="0" smtClean="0"/>
+              <a:t>&lt;</a:t>
+            </a:r>
+            <a:r>
+              <a:rPr lang="en-US" sz="2000" dirty="0" err="1" smtClean="0"/>
+              <a:t>var</a:t>
+            </a:r>
+            <a:r>
+              <a:rPr lang="en-US" sz="2000" dirty="0" smtClean="0"/>
+              <a:t> name="</a:t>
+            </a:r>
+            <a:r>
+              <a:rPr lang="en-US" sz="2000" dirty="0" err="1" smtClean="0">
                 <a:solidFill>
                   <a:srgbClr val="0000FF"/>
                 </a:solidFill>
               </a:rPr>
-              <a:t>ion__toroidal_flow(df</a:t>
-            </a:r>
-            <a:r>
-              <a:rPr lang="en-US" sz="1800" dirty="0" smtClean="0">
+              <a:t>ion__toroidal_flow</a:t>
+            </a:r>
+            <a:r>
+              <a:rPr lang="en-US" sz="2000" dirty="0" smtClean="0">
                 <a:solidFill>
                   <a:srgbClr val="0000FF"/>
                 </a:solidFill>
               </a:rPr>
+              <a:t>(</a:t>
+            </a:r>
+            <a:r>
+              <a:rPr lang="en-US" sz="2000" dirty="0" err="1" smtClean="0">
+                <a:solidFill>
+                  <a:srgbClr val="0000FF"/>
+                </a:solidFill>
+              </a:rPr>
+              <a:t>df</a:t>
+            </a:r>
+            <a:r>
+              <a:rPr lang="en-US" sz="2000" dirty="0" smtClean="0">
+                <a:solidFill>
+                  <a:srgbClr val="0000FF"/>
+                </a:solidFill>
+              </a:rPr>
               <a:t>)</a:t>
             </a:r>
             <a:r>
-              <a:rPr lang="en-US" sz="1800" dirty="0" smtClean="0"/>
-              <a:t>" value="</a:t>
-            </a:r>
-            <a:r>
-              <a:rPr lang="en-US" sz="1800" dirty="0" err="1" smtClean="0"/>
-              <a:t>m/s</a:t>
-            </a:r>
-            <a:r>
-              <a:rPr lang="en-US" sz="1800" dirty="0" smtClean="0"/>
-              <a:t>" /&gt;</a:t>
+              <a:rPr lang="en-US" sz="2000" dirty="0" smtClean="0"/>
+              <a:t>" </a:t>
+            </a:r>
+            <a:r>
+              <a:rPr lang="en-US" sz="2000" dirty="0" err="1" smtClean="0"/>
+              <a:t>gname</a:t>
+            </a:r>
+            <a:r>
+              <a:rPr lang="en-US" sz="2000" dirty="0" smtClean="0"/>
+              <a:t>="netcdf_flow(:,3)" type="double" dimensions="samples“ copy-on-write=“yes”/&gt;</a:t>
             </a:r>
           </a:p>
           <a:p>
@@ -31252,14 +31356,51 @@
               <a:buNone/>
             </a:pPr>
             <a:r>
-              <a:rPr lang="en-US" sz="1800" dirty="0" err="1" smtClean="0">
+              <a:rPr lang="en-US" sz="2000" dirty="0" smtClean="0"/>
+              <a:t>&lt;attribute name="units" path="</a:t>
+            </a:r>
+            <a:r>
+              <a:rPr lang="en-US" sz="2000" dirty="0" err="1" smtClean="0">
+                <a:solidFill>
+                  <a:srgbClr val="0000FF"/>
+                </a:solidFill>
+              </a:rPr>
+              <a:t>ion__toroidal_flow(df</a:t>
+            </a:r>
+            <a:r>
+              <a:rPr lang="en-US" sz="2000" dirty="0" smtClean="0">
+                <a:solidFill>
+                  <a:srgbClr val="0000FF"/>
+                </a:solidFill>
+              </a:rPr>
+              <a:t>)</a:t>
+            </a:r>
+            <a:r>
+              <a:rPr lang="en-US" sz="2000" dirty="0" smtClean="0"/>
+              <a:t>" value="</a:t>
+            </a:r>
+            <a:r>
+              <a:rPr lang="en-US" sz="2000" dirty="0" err="1" smtClean="0"/>
+              <a:t>m/s</a:t>
+            </a:r>
+            <a:r>
+              <a:rPr lang="en-US" sz="2000" dirty="0" smtClean="0"/>
+              <a:t>" /&gt;</a:t>
+            </a:r>
+          </a:p>
+          <a:p>
+            <a:pPr>
+              <a:buNone/>
+            </a:pPr>
+            <a:r>
+              <a:rPr lang="en-US" sz="2000" dirty="0" err="1" smtClean="0">
                 <a:latin typeface="Wingdings"/>
                 <a:ea typeface="Wingdings"/>
                 <a:cs typeface="Wingdings"/>
               </a:rPr>
               <a:t></a:t>
             </a:r>
-            <a:endParaRPr lang="en-US" sz="1800" dirty="0"/>
+            <a:endParaRPr lang="en-US" sz="2000" dirty="0"/>
           </a:p>
         </p:txBody>
       </p:sp>
